--- a/Lectures/cse220-13-pointers-and-arrays.pptx
+++ b/Lectures/cse220-13-pointers-and-arrays.pptx
@@ -5,7 +5,7 @@
     <p:sldMasterId id="2147483690" r:id="rId1"/>
   </p:sldMasterIdLst>
   <p:notesMasterIdLst>
-    <p:notesMasterId r:id="rId33"/>
+    <p:notesMasterId r:id="rId34"/>
   </p:notesMasterIdLst>
   <p:sldIdLst>
     <p:sldId id="501" r:id="rId2"/>
@@ -18,27 +18,28 @@
     <p:sldId id="507" r:id="rId9"/>
     <p:sldId id="508" r:id="rId10"/>
     <p:sldId id="521" r:id="rId11"/>
-    <p:sldId id="509" r:id="rId12"/>
-    <p:sldId id="510" r:id="rId13"/>
-    <p:sldId id="522" r:id="rId14"/>
-    <p:sldId id="511" r:id="rId15"/>
-    <p:sldId id="523" r:id="rId16"/>
-    <p:sldId id="524" r:id="rId17"/>
-    <p:sldId id="512" r:id="rId18"/>
-    <p:sldId id="513" r:id="rId19"/>
-    <p:sldId id="525" r:id="rId20"/>
-    <p:sldId id="514" r:id="rId21"/>
-    <p:sldId id="515" r:id="rId22"/>
-    <p:sldId id="516" r:id="rId23"/>
-    <p:sldId id="517" r:id="rId24"/>
-    <p:sldId id="518" r:id="rId25"/>
-    <p:sldId id="519" r:id="rId26"/>
-    <p:sldId id="520" r:id="rId27"/>
-    <p:sldId id="526" r:id="rId28"/>
-    <p:sldId id="527" r:id="rId29"/>
-    <p:sldId id="528" r:id="rId30"/>
-    <p:sldId id="529" r:id="rId31"/>
-    <p:sldId id="530" r:id="rId32"/>
+    <p:sldId id="531" r:id="rId12"/>
+    <p:sldId id="509" r:id="rId13"/>
+    <p:sldId id="510" r:id="rId14"/>
+    <p:sldId id="522" r:id="rId15"/>
+    <p:sldId id="511" r:id="rId16"/>
+    <p:sldId id="523" r:id="rId17"/>
+    <p:sldId id="524" r:id="rId18"/>
+    <p:sldId id="512" r:id="rId19"/>
+    <p:sldId id="513" r:id="rId20"/>
+    <p:sldId id="525" r:id="rId21"/>
+    <p:sldId id="514" r:id="rId22"/>
+    <p:sldId id="515" r:id="rId23"/>
+    <p:sldId id="516" r:id="rId24"/>
+    <p:sldId id="517" r:id="rId25"/>
+    <p:sldId id="518" r:id="rId26"/>
+    <p:sldId id="519" r:id="rId27"/>
+    <p:sldId id="520" r:id="rId28"/>
+    <p:sldId id="526" r:id="rId29"/>
+    <p:sldId id="527" r:id="rId30"/>
+    <p:sldId id="528" r:id="rId31"/>
+    <p:sldId id="529" r:id="rId32"/>
+    <p:sldId id="530" r:id="rId33"/>
   </p:sldIdLst>
   <p:sldSz cx="9144000" cy="6858000" type="screen4x3"/>
   <p:notesSz cx="7315200" cy="9601200"/>
@@ -239,7 +240,7 @@
             <a:fld id="{5FFCA113-0588-4274-BF6F-5C1EF80E94D3}" type="datetimeFigureOut">
               <a:rPr lang="en-US" smtClean="0"/>
               <a:pPr/>
-              <a:t>10/25/20</a:t>
+              <a:t>10/28/20</a:t>
             </a:fld>
             <a:endParaRPr lang="en-US"/>
           </a:p>
@@ -801,7 +802,7 @@
           <a:p>
             <a:fld id="{33F808F0-913D-477A-9CA6-F18B965E45CF}" type="datetime1">
               <a:rPr lang="en-US" smtClean="0"/>
-              <a:t>10/25/20</a:t>
+              <a:t>10/28/20</a:t>
             </a:fld>
             <a:endParaRPr lang="en-US"/>
           </a:p>
@@ -1003,7 +1004,7 @@
           <a:p>
             <a:fld id="{F876455D-377A-4D1E-B670-E39358B7E717}" type="datetime1">
               <a:rPr lang="en-US" smtClean="0"/>
-              <a:t>10/25/20</a:t>
+              <a:t>10/28/20</a:t>
             </a:fld>
             <a:endParaRPr lang="en-US"/>
           </a:p>
@@ -1188,7 +1189,7 @@
           <a:p>
             <a:fld id="{D0B4FA99-918F-4F8A-B9C1-3067B0137FB2}" type="datetime1">
               <a:rPr lang="en-US" smtClean="0"/>
-              <a:t>10/25/20</a:t>
+              <a:t>10/28/20</a:t>
             </a:fld>
             <a:endParaRPr lang="en-US"/>
           </a:p>
@@ -1368,7 +1369,7 @@
           <a:p>
             <a:fld id="{63934DF3-3970-42FB-90D2-A9B99EA4895D}" type="datetime1">
               <a:rPr lang="en-US" smtClean="0"/>
-              <a:t>10/25/20</a:t>
+              <a:t>10/28/20</a:t>
             </a:fld>
             <a:endParaRPr lang="en-US" dirty="0"/>
           </a:p>
@@ -1623,7 +1624,7 @@
           <a:p>
             <a:fld id="{D5B9A1E4-22D3-42A9-8BE0-61674E6AF57E}" type="datetime1">
               <a:rPr lang="en-US" smtClean="0"/>
-              <a:t>10/25/20</a:t>
+              <a:t>10/28/20</a:t>
             </a:fld>
             <a:endParaRPr lang="en-US"/>
           </a:p>
@@ -1959,7 +1960,7 @@
           <a:p>
             <a:fld id="{024F3097-9EFE-4D82-AC52-9D1E9CD75C0B}" type="datetime1">
               <a:rPr lang="en-US" smtClean="0"/>
-              <a:t>10/25/20</a:t>
+              <a:t>10/28/20</a:t>
             </a:fld>
             <a:endParaRPr lang="en-US" dirty="0"/>
           </a:p>
@@ -2386,7 +2387,7 @@
           <a:p>
             <a:fld id="{1F2D1777-7662-4FEC-BEC3-810ADE438E61}" type="datetime1">
               <a:rPr lang="en-US" smtClean="0"/>
-              <a:t>10/25/20</a:t>
+              <a:t>10/28/20</a:t>
             </a:fld>
             <a:endParaRPr lang="en-US"/>
           </a:p>
@@ -2509,7 +2510,7 @@
           <a:p>
             <a:fld id="{8B3A19C1-2605-4D7A-B7AE-B9C46F829AB4}" type="datetime1">
               <a:rPr lang="en-US" smtClean="0"/>
-              <a:t>10/25/20</a:t>
+              <a:t>10/28/20</a:t>
             </a:fld>
             <a:endParaRPr lang="en-US"/>
           </a:p>
@@ -2609,7 +2610,7 @@
           <a:p>
             <a:fld id="{7F3EB4FF-F681-4C4B-B5A3-2E84619FD695}" type="datetime1">
               <a:rPr lang="en-US" smtClean="0"/>
-              <a:t>10/25/20</a:t>
+              <a:t>10/28/20</a:t>
             </a:fld>
             <a:endParaRPr lang="en-US"/>
           </a:p>
@@ -2901,7 +2902,7 @@
           <a:p>
             <a:fld id="{789FCD9B-598C-4B8C-9A44-38ABFA66C3CA}" type="datetime1">
               <a:rPr lang="en-US" smtClean="0"/>
-              <a:t>10/25/20</a:t>
+              <a:t>10/28/20</a:t>
             </a:fld>
             <a:endParaRPr lang="en-US"/>
           </a:p>
@@ -3231,7 +3232,7 @@
           <a:p>
             <a:fld id="{12B69455-5397-4708-A123-B7BEC8168560}" type="datetime1">
               <a:rPr lang="en-US" smtClean="0"/>
-              <a:t>10/25/20</a:t>
+              <a:t>10/28/20</a:t>
             </a:fld>
             <a:endParaRPr lang="en-US"/>
           </a:p>
@@ -3490,7 +3491,7 @@
           <a:p>
             <a:fld id="{A56FC23F-F40F-4A49-BC09-A880359CAB63}" type="datetime1">
               <a:rPr lang="en-US" smtClean="0"/>
-              <a:t>10/25/20</a:t>
+              <a:t>10/28/20</a:t>
             </a:fld>
             <a:endParaRPr lang="en-US"/>
           </a:p>
@@ -4656,7 +4657,13 @@
       </p:grpSpPr>
       <p:sp>
         <p:nvSpPr>
-          <p:cNvPr id="2" name="Title 1"/>
+          <p:cNvPr id="2" name="Title 1">
+            <a:extLst>
+              <a:ext uri="{FF2B5EF4-FFF2-40B4-BE49-F238E27FC236}">
+                <a16:creationId xmlns:a16="http://schemas.microsoft.com/office/drawing/2014/main" id="{EF5CABDE-C749-734C-B442-2A528BDBDF32}"/>
+              </a:ext>
+            </a:extLst>
+          </p:cNvPr>
           <p:cNvSpPr>
             <a:spLocks noGrp="1"/>
           </p:cNvSpPr>
@@ -4670,15 +4677,21 @@
           <a:lstStyle/>
           <a:p>
             <a:r>
-              <a:rPr lang="en-US" dirty="0"/>
-              <a:t>Comparing Pointers</a:t>
+              <a:rPr lang="en-CN" dirty="0"/>
+              <a:t>Revisit</a:t>
             </a:r>
           </a:p>
         </p:txBody>
       </p:sp>
       <p:sp>
         <p:nvSpPr>
-          <p:cNvPr id="3" name="Content Placeholder 2"/>
+          <p:cNvPr id="3" name="Content Placeholder 2">
+            <a:extLst>
+              <a:ext uri="{FF2B5EF4-FFF2-40B4-BE49-F238E27FC236}">
+                <a16:creationId xmlns:a16="http://schemas.microsoft.com/office/drawing/2014/main" id="{F9AF0E0C-CF75-9446-93A0-42F64BB28BCA}"/>
+              </a:ext>
+            </a:extLst>
+          </p:cNvPr>
           <p:cNvSpPr>
             <a:spLocks noGrp="1"/>
           </p:cNvSpPr>
@@ -4686,12 +4699,7 @@
             <p:ph idx="1"/>
           </p:nvPr>
         </p:nvSpPr>
-        <p:spPr>
-          <a:xfrm>
-            <a:off x="457200" y="1600200"/>
-            <a:ext cx="8229600" cy="4648200"/>
-          </a:xfrm>
-        </p:spPr>
+        <p:spPr/>
         <p:txBody>
           <a:bodyPr>
             <a:normAutofit/>
@@ -4699,93 +4707,69 @@
           <a:lstStyle/>
           <a:p>
             <a:r>
-              <a:rPr lang="en-US" sz="3000" dirty="0"/>
-              <a:t>Can compare pointers using:</a:t>
-            </a:r>
-          </a:p>
-          <a:p>
-            <a:pPr lvl="1"/>
-            <a:r>
-              <a:rPr lang="en-US" dirty="0"/>
-              <a:t>Relational operators: &lt;, &lt;=, &gt;, &gt;= </a:t>
-            </a:r>
-          </a:p>
-          <a:p>
-            <a:pPr lvl="1"/>
-            <a:r>
-              <a:rPr lang="en-US" dirty="0"/>
-              <a:t>Equality operators: !=, ==</a:t>
-            </a:r>
-          </a:p>
-          <a:p>
-            <a:r>
-              <a:rPr lang="en-US" sz="3000" dirty="0"/>
-              <a:t>With relational operators:</a:t>
-            </a:r>
-          </a:p>
-          <a:p>
-            <a:pPr lvl="1"/>
-            <a:r>
-              <a:rPr lang="en-US" sz="2600" dirty="0"/>
-              <a:t>the result is meaningful if both pointer point to elements of the same array</a:t>
-            </a:r>
-          </a:p>
-          <a:p>
-            <a:pPr lvl="1"/>
-            <a:r>
-              <a:rPr lang="en-US" dirty="0">
-                <a:solidFill>
-                  <a:srgbClr val="000099"/>
-                </a:solidFill>
-              </a:rPr>
-              <a:t>p &lt; q</a:t>
-            </a:r>
-            <a:r>
-              <a:rPr lang="en-US" dirty="0"/>
-              <a:t>: the element that p points to comes before the element that q points to in the array</a:t>
-            </a:r>
-          </a:p>
-          <a:p>
-            <a:r>
-              <a:rPr lang="en-US" sz="3000" dirty="0"/>
-              <a:t>Equality Operators: </a:t>
-            </a:r>
-          </a:p>
-          <a:p>
-            <a:pPr lvl="1"/>
-            <a:r>
-              <a:rPr lang="en-US" dirty="0">
-                <a:solidFill>
-                  <a:srgbClr val="000099"/>
-                </a:solidFill>
-              </a:rPr>
-              <a:t>p == q</a:t>
-            </a:r>
-            <a:r>
-              <a:rPr lang="en-US" dirty="0"/>
-              <a:t>: p and q point to the same variable</a:t>
-            </a:r>
-          </a:p>
-          <a:p>
-            <a:pPr lvl="1"/>
-            <a:r>
-              <a:rPr lang="en-US" dirty="0">
-                <a:solidFill>
-                  <a:srgbClr val="000099"/>
-                </a:solidFill>
-              </a:rPr>
-              <a:t>p != q </a:t>
-            </a:r>
-            <a:r>
-              <a:rPr lang="en-US" dirty="0"/>
-              <a:t>: p and q point to different variables.</a:t>
+              <a:rPr lang="en-US" sz="2400" dirty="0"/>
+              <a:t>int array[] = {1, 3, 5, 7};</a:t>
+            </a:r>
+          </a:p>
+          <a:p>
+            <a:r>
+              <a:rPr lang="en-US" sz="2400" dirty="0"/>
+              <a:t>int * </a:t>
+            </a:r>
+            <a:r>
+              <a:rPr lang="en-US" sz="2400" dirty="0" err="1"/>
+              <a:t>ptr</a:t>
+            </a:r>
+            <a:r>
+              <a:rPr lang="en-US" sz="2400" dirty="0"/>
+              <a:t> = &amp;array[1];</a:t>
+            </a:r>
+          </a:p>
+          <a:p>
+            <a:r>
+              <a:rPr lang="en-US" sz="2400" dirty="0" err="1"/>
+              <a:t>ptr</a:t>
+            </a:r>
+            <a:r>
+              <a:rPr lang="en-US" sz="2400" dirty="0"/>
+              <a:t>++;</a:t>
+            </a:r>
+          </a:p>
+          <a:p>
+            <a:r>
+              <a:rPr lang="en-US" sz="2400" dirty="0" err="1"/>
+              <a:t>ptr</a:t>
+            </a:r>
+            <a:r>
+              <a:rPr lang="en-US" sz="2400" dirty="0"/>
+              <a:t> -= 2;</a:t>
+            </a:r>
+          </a:p>
+          <a:p>
+            <a:r>
+              <a:rPr lang="en-US" sz="2400" dirty="0"/>
+              <a:t>int x = </a:t>
+            </a:r>
+            <a:r>
+              <a:rPr lang="en-US" sz="2400" dirty="0" err="1"/>
+              <a:t>ptr</a:t>
+            </a:r>
+            <a:r>
+              <a:rPr lang="en-US" sz="2400" dirty="0"/>
+              <a:t> - &amp;array[0];</a:t>
             </a:r>
           </a:p>
         </p:txBody>
       </p:sp>
       <p:sp>
         <p:nvSpPr>
-          <p:cNvPr id="4" name="Slide Number Placeholder 3"/>
+          <p:cNvPr id="4" name="Slide Number Placeholder 3">
+            <a:extLst>
+              <a:ext uri="{FF2B5EF4-FFF2-40B4-BE49-F238E27FC236}">
+                <a16:creationId xmlns:a16="http://schemas.microsoft.com/office/drawing/2014/main" id="{6A42DE14-2941-0A4D-BFA9-E297D167FA2E}"/>
+              </a:ext>
+            </a:extLst>
+          </p:cNvPr>
           <p:cNvSpPr>
             <a:spLocks noGrp="1"/>
           </p:cNvSpPr>
@@ -4807,16 +4791,1060 @@
           </a:p>
         </p:txBody>
       </p:sp>
+      <p:graphicFrame>
+        <p:nvGraphicFramePr>
+          <p:cNvPr id="5" name="Table 4">
+            <a:extLst>
+              <a:ext uri="{FF2B5EF4-FFF2-40B4-BE49-F238E27FC236}">
+                <a16:creationId xmlns:a16="http://schemas.microsoft.com/office/drawing/2014/main" id="{F7D50856-9707-D446-9374-F64AC41C48AD}"/>
+              </a:ext>
+            </a:extLst>
+          </p:cNvPr>
+          <p:cNvGraphicFramePr>
+            <a:graphicFrameLocks noGrp="1"/>
+          </p:cNvGraphicFramePr>
+          <p:nvPr>
+            <p:extLst>
+              <p:ext uri="{D42A27DB-BD31-4B8C-83A1-F6EECF244321}">
+                <p14:modId xmlns:p14="http://schemas.microsoft.com/office/powerpoint/2010/main" val="3238659990"/>
+              </p:ext>
+            </p:extLst>
+          </p:nvPr>
+        </p:nvGraphicFramePr>
+        <p:xfrm>
+          <a:off x="5834120" y="3099910"/>
+          <a:ext cx="1950720" cy="457200"/>
+        </p:xfrm>
+        <a:graphic>
+          <a:graphicData uri="http://schemas.openxmlformats.org/drawingml/2006/table">
+            <a:tbl>
+              <a:tblPr firstRow="1" bandRow="1">
+                <a:tableStyleId>{5C22544A-7EE6-4342-B048-85BDC9FD1C3A}</a:tableStyleId>
+              </a:tblPr>
+              <a:tblGrid>
+                <a:gridCol w="487680">
+                  <a:extLst>
+                    <a:ext uri="{9D8B030D-6E8A-4147-A177-3AD203B41FA5}">
+                      <a16:colId xmlns:a16="http://schemas.microsoft.com/office/drawing/2014/main" val="20000"/>
+                    </a:ext>
+                  </a:extLst>
+                </a:gridCol>
+                <a:gridCol w="487680">
+                  <a:extLst>
+                    <a:ext uri="{9D8B030D-6E8A-4147-A177-3AD203B41FA5}">
+                      <a16:colId xmlns:a16="http://schemas.microsoft.com/office/drawing/2014/main" val="20001"/>
+                    </a:ext>
+                  </a:extLst>
+                </a:gridCol>
+                <a:gridCol w="487680">
+                  <a:extLst>
+                    <a:ext uri="{9D8B030D-6E8A-4147-A177-3AD203B41FA5}">
+                      <a16:colId xmlns:a16="http://schemas.microsoft.com/office/drawing/2014/main" val="20002"/>
+                    </a:ext>
+                  </a:extLst>
+                </a:gridCol>
+                <a:gridCol w="487680">
+                  <a:extLst>
+                    <a:ext uri="{9D8B030D-6E8A-4147-A177-3AD203B41FA5}">
+                      <a16:colId xmlns:a16="http://schemas.microsoft.com/office/drawing/2014/main" val="20003"/>
+                    </a:ext>
+                  </a:extLst>
+                </a:gridCol>
+              </a:tblGrid>
+              <a:tr h="370840">
+                <a:tc>
+                  <a:txBody>
+                    <a:bodyPr/>
+                    <a:lstStyle/>
+                    <a:p>
+                      <a:pPr algn="ctr"/>
+                      <a:r>
+                        <a:rPr lang="en-US" sz="2400" dirty="0">
+                          <a:solidFill>
+                            <a:schemeClr val="bg1"/>
+                          </a:solidFill>
+                        </a:rPr>
+                        <a:t>1</a:t>
+                      </a:r>
+                    </a:p>
+                  </a:txBody>
+                  <a:tcPr>
+                    <a:solidFill>
+                      <a:schemeClr val="bg2">
+                        <a:lumMod val="75000"/>
+                      </a:schemeClr>
+                    </a:solidFill>
+                  </a:tcPr>
+                </a:tc>
+                <a:tc>
+                  <a:txBody>
+                    <a:bodyPr/>
+                    <a:lstStyle/>
+                    <a:p>
+                      <a:pPr algn="ctr"/>
+                      <a:r>
+                        <a:rPr lang="en-US" sz="2400" dirty="0">
+                          <a:solidFill>
+                            <a:schemeClr val="bg1"/>
+                          </a:solidFill>
+                        </a:rPr>
+                        <a:t>3</a:t>
+                      </a:r>
+                    </a:p>
+                  </a:txBody>
+                  <a:tcPr>
+                    <a:solidFill>
+                      <a:schemeClr val="bg2">
+                        <a:lumMod val="75000"/>
+                      </a:schemeClr>
+                    </a:solidFill>
+                  </a:tcPr>
+                </a:tc>
+                <a:tc>
+                  <a:txBody>
+                    <a:bodyPr/>
+                    <a:lstStyle/>
+                    <a:p>
+                      <a:pPr algn="ctr"/>
+                      <a:r>
+                        <a:rPr lang="en-US" sz="2400" dirty="0">
+                          <a:solidFill>
+                            <a:schemeClr val="bg1"/>
+                          </a:solidFill>
+                        </a:rPr>
+                        <a:t>5</a:t>
+                      </a:r>
+                    </a:p>
+                  </a:txBody>
+                  <a:tcPr>
+                    <a:solidFill>
+                      <a:schemeClr val="bg2">
+                        <a:lumMod val="75000"/>
+                      </a:schemeClr>
+                    </a:solidFill>
+                  </a:tcPr>
+                </a:tc>
+                <a:tc>
+                  <a:txBody>
+                    <a:bodyPr/>
+                    <a:lstStyle/>
+                    <a:p>
+                      <a:pPr algn="ctr"/>
+                      <a:r>
+                        <a:rPr lang="en-US" sz="2400" dirty="0">
+                          <a:solidFill>
+                            <a:schemeClr val="bg1"/>
+                          </a:solidFill>
+                        </a:rPr>
+                        <a:t>7</a:t>
+                      </a:r>
+                    </a:p>
+                  </a:txBody>
+                  <a:tcPr>
+                    <a:solidFill>
+                      <a:schemeClr val="bg2">
+                        <a:lumMod val="75000"/>
+                      </a:schemeClr>
+                    </a:solidFill>
+                  </a:tcPr>
+                </a:tc>
+                <a:extLst>
+                  <a:ext uri="{0D108BD9-81ED-4DB2-BD59-A6C34878D82A}">
+                    <a16:rowId xmlns:a16="http://schemas.microsoft.com/office/drawing/2014/main" val="10000"/>
+                  </a:ext>
+                </a:extLst>
+              </a:tr>
+            </a:tbl>
+          </a:graphicData>
+        </a:graphic>
+      </p:graphicFrame>
+      <p:sp>
+        <p:nvSpPr>
+          <p:cNvPr id="7" name="TextBox 6">
+            <a:extLst>
+              <a:ext uri="{FF2B5EF4-FFF2-40B4-BE49-F238E27FC236}">
+                <a16:creationId xmlns:a16="http://schemas.microsoft.com/office/drawing/2014/main" id="{A1B7E031-2BD2-A34E-A601-8D2563A105C9}"/>
+              </a:ext>
+            </a:extLst>
+          </p:cNvPr>
+          <p:cNvSpPr txBox="1"/>
+          <p:nvPr/>
+        </p:nvSpPr>
+        <p:spPr>
+          <a:xfrm>
+            <a:off x="4633411" y="3066900"/>
+            <a:ext cx="1093785" cy="523220"/>
+          </a:xfrm>
+          <a:prstGeom prst="rect">
+            <a:avLst/>
+          </a:prstGeom>
+          <a:noFill/>
+        </p:spPr>
+        <p:txBody>
+          <a:bodyPr wrap="square" rtlCol="0">
+            <a:spAutoFit/>
+          </a:bodyPr>
+          <a:lstStyle/>
+          <a:p>
+            <a:r>
+              <a:rPr lang="en-US" sz="2800" i="1" dirty="0"/>
+              <a:t>array</a:t>
+            </a:r>
+          </a:p>
+        </p:txBody>
+      </p:sp>
+      <p:graphicFrame>
+        <p:nvGraphicFramePr>
+          <p:cNvPr id="10" name="Table 9">
+            <a:extLst>
+              <a:ext uri="{FF2B5EF4-FFF2-40B4-BE49-F238E27FC236}">
+                <a16:creationId xmlns:a16="http://schemas.microsoft.com/office/drawing/2014/main" id="{955463FB-5AC6-7D42-8E75-4166D44846E5}"/>
+              </a:ext>
+            </a:extLst>
+          </p:cNvPr>
+          <p:cNvGraphicFramePr>
+            <a:graphicFrameLocks noGrp="1"/>
+          </p:cNvGraphicFramePr>
+          <p:nvPr>
+            <p:extLst>
+              <p:ext uri="{D42A27DB-BD31-4B8C-83A1-F6EECF244321}">
+                <p14:modId xmlns:p14="http://schemas.microsoft.com/office/powerpoint/2010/main" val="2437569301"/>
+              </p:ext>
+            </p:extLst>
+          </p:nvPr>
+        </p:nvGraphicFramePr>
+        <p:xfrm>
+          <a:off x="5834120" y="3539171"/>
+          <a:ext cx="1947772" cy="370840"/>
+        </p:xfrm>
+        <a:graphic>
+          <a:graphicData uri="http://schemas.openxmlformats.org/drawingml/2006/table">
+            <a:tbl>
+              <a:tblPr firstRow="1" bandRow="1">
+                <a:tableStyleId>{5C22544A-7EE6-4342-B048-85BDC9FD1C3A}</a:tableStyleId>
+              </a:tblPr>
+              <a:tblGrid>
+                <a:gridCol w="486943">
+                  <a:extLst>
+                    <a:ext uri="{9D8B030D-6E8A-4147-A177-3AD203B41FA5}">
+                      <a16:colId xmlns:a16="http://schemas.microsoft.com/office/drawing/2014/main" val="20000"/>
+                    </a:ext>
+                  </a:extLst>
+                </a:gridCol>
+                <a:gridCol w="486943">
+                  <a:extLst>
+                    <a:ext uri="{9D8B030D-6E8A-4147-A177-3AD203B41FA5}">
+                      <a16:colId xmlns:a16="http://schemas.microsoft.com/office/drawing/2014/main" val="20001"/>
+                    </a:ext>
+                  </a:extLst>
+                </a:gridCol>
+                <a:gridCol w="486943">
+                  <a:extLst>
+                    <a:ext uri="{9D8B030D-6E8A-4147-A177-3AD203B41FA5}">
+                      <a16:colId xmlns:a16="http://schemas.microsoft.com/office/drawing/2014/main" val="20002"/>
+                    </a:ext>
+                  </a:extLst>
+                </a:gridCol>
+                <a:gridCol w="486943">
+                  <a:extLst>
+                    <a:ext uri="{9D8B030D-6E8A-4147-A177-3AD203B41FA5}">
+                      <a16:colId xmlns:a16="http://schemas.microsoft.com/office/drawing/2014/main" val="20003"/>
+                    </a:ext>
+                  </a:extLst>
+                </a:gridCol>
+              </a:tblGrid>
+              <a:tr h="370840">
+                <a:tc>
+                  <a:txBody>
+                    <a:bodyPr/>
+                    <a:lstStyle/>
+                    <a:p>
+                      <a:pPr algn="ctr"/>
+                      <a:r>
+                        <a:rPr lang="en-US" b="0" i="1" dirty="0">
+                          <a:solidFill>
+                            <a:sysClr val="windowText" lastClr="000000"/>
+                          </a:solidFill>
+                        </a:rPr>
+                        <a:t>0</a:t>
+                      </a:r>
+                    </a:p>
+                  </a:txBody>
+                  <a:tcPr>
+                    <a:lnL w="12700" cmpd="sng">
+                      <a:noFill/>
+                    </a:lnL>
+                    <a:lnR w="12700" cmpd="sng">
+                      <a:noFill/>
+                    </a:lnR>
+                    <a:lnT w="12700" cmpd="sng">
+                      <a:noFill/>
+                    </a:lnT>
+                    <a:lnB w="38100" cmpd="sng">
+                      <a:noFill/>
+                    </a:lnB>
+                    <a:lnTlToBr w="12700" cmpd="sng">
+                      <a:noFill/>
+                      <a:prstDash val="solid"/>
+                    </a:lnTlToBr>
+                    <a:lnBlToTr w="12700" cmpd="sng">
+                      <a:noFill/>
+                      <a:prstDash val="solid"/>
+                    </a:lnBlToTr>
+                    <a:solidFill>
+                      <a:schemeClr val="bg1"/>
+                    </a:solidFill>
+                  </a:tcPr>
+                </a:tc>
+                <a:tc>
+                  <a:txBody>
+                    <a:bodyPr/>
+                    <a:lstStyle/>
+                    <a:p>
+                      <a:pPr algn="ctr"/>
+                      <a:r>
+                        <a:rPr lang="en-US" b="0" i="1" dirty="0">
+                          <a:solidFill>
+                            <a:sysClr val="windowText" lastClr="000000"/>
+                          </a:solidFill>
+                        </a:rPr>
+                        <a:t>1</a:t>
+                      </a:r>
+                    </a:p>
+                  </a:txBody>
+                  <a:tcPr>
+                    <a:lnL w="12700" cmpd="sng">
+                      <a:noFill/>
+                    </a:lnL>
+                    <a:lnR w="12700" cmpd="sng">
+                      <a:noFill/>
+                    </a:lnR>
+                    <a:lnT w="12700" cmpd="sng">
+                      <a:noFill/>
+                    </a:lnT>
+                    <a:lnB w="38100" cmpd="sng">
+                      <a:noFill/>
+                    </a:lnB>
+                    <a:lnTlToBr w="12700" cmpd="sng">
+                      <a:noFill/>
+                      <a:prstDash val="solid"/>
+                    </a:lnTlToBr>
+                    <a:lnBlToTr w="12700" cmpd="sng">
+                      <a:noFill/>
+                      <a:prstDash val="solid"/>
+                    </a:lnBlToTr>
+                    <a:solidFill>
+                      <a:schemeClr val="bg1"/>
+                    </a:solidFill>
+                  </a:tcPr>
+                </a:tc>
+                <a:tc>
+                  <a:txBody>
+                    <a:bodyPr/>
+                    <a:lstStyle/>
+                    <a:p>
+                      <a:pPr algn="ctr"/>
+                      <a:r>
+                        <a:rPr lang="en-US" b="0" i="1" dirty="0">
+                          <a:solidFill>
+                            <a:sysClr val="windowText" lastClr="000000"/>
+                          </a:solidFill>
+                        </a:rPr>
+                        <a:t>2</a:t>
+                      </a:r>
+                    </a:p>
+                  </a:txBody>
+                  <a:tcPr>
+                    <a:lnL w="12700" cmpd="sng">
+                      <a:noFill/>
+                    </a:lnL>
+                    <a:lnR w="12700" cmpd="sng">
+                      <a:noFill/>
+                    </a:lnR>
+                    <a:lnT w="12700" cmpd="sng">
+                      <a:noFill/>
+                    </a:lnT>
+                    <a:lnB w="38100" cmpd="sng">
+                      <a:noFill/>
+                    </a:lnB>
+                    <a:lnTlToBr w="12700" cmpd="sng">
+                      <a:noFill/>
+                      <a:prstDash val="solid"/>
+                    </a:lnTlToBr>
+                    <a:lnBlToTr w="12700" cmpd="sng">
+                      <a:noFill/>
+                      <a:prstDash val="solid"/>
+                    </a:lnBlToTr>
+                    <a:solidFill>
+                      <a:schemeClr val="bg1"/>
+                    </a:solidFill>
+                  </a:tcPr>
+                </a:tc>
+                <a:tc>
+                  <a:txBody>
+                    <a:bodyPr/>
+                    <a:lstStyle/>
+                    <a:p>
+                      <a:pPr algn="ctr"/>
+                      <a:r>
+                        <a:rPr lang="en-US" b="0" i="1" dirty="0">
+                          <a:solidFill>
+                            <a:sysClr val="windowText" lastClr="000000"/>
+                          </a:solidFill>
+                        </a:rPr>
+                        <a:t>3</a:t>
+                      </a:r>
+                    </a:p>
+                  </a:txBody>
+                  <a:tcPr>
+                    <a:lnL w="12700" cmpd="sng">
+                      <a:noFill/>
+                    </a:lnL>
+                    <a:lnR w="12700" cmpd="sng">
+                      <a:noFill/>
+                    </a:lnR>
+                    <a:lnT w="12700" cmpd="sng">
+                      <a:noFill/>
+                    </a:lnT>
+                    <a:lnB w="38100" cmpd="sng">
+                      <a:noFill/>
+                    </a:lnB>
+                    <a:lnTlToBr w="12700" cmpd="sng">
+                      <a:noFill/>
+                      <a:prstDash val="solid"/>
+                    </a:lnTlToBr>
+                    <a:lnBlToTr w="12700" cmpd="sng">
+                      <a:noFill/>
+                      <a:prstDash val="solid"/>
+                    </a:lnBlToTr>
+                    <a:solidFill>
+                      <a:schemeClr val="bg1"/>
+                    </a:solidFill>
+                  </a:tcPr>
+                </a:tc>
+                <a:extLst>
+                  <a:ext uri="{0D108BD9-81ED-4DB2-BD59-A6C34878D82A}">
+                    <a16:rowId xmlns:a16="http://schemas.microsoft.com/office/drawing/2014/main" val="10000"/>
+                  </a:ext>
+                </a:extLst>
+              </a:tr>
+            </a:tbl>
+          </a:graphicData>
+        </a:graphic>
+      </p:graphicFrame>
+      <p:sp>
+        <p:nvSpPr>
+          <p:cNvPr id="11" name="Rectangle 10">
+            <a:extLst>
+              <a:ext uri="{FF2B5EF4-FFF2-40B4-BE49-F238E27FC236}">
+                <a16:creationId xmlns:a16="http://schemas.microsoft.com/office/drawing/2014/main" id="{117A7B66-2173-2A4F-8FF3-58C7E0C42453}"/>
+              </a:ext>
+            </a:extLst>
+          </p:cNvPr>
+          <p:cNvSpPr/>
+          <p:nvPr/>
+        </p:nvSpPr>
+        <p:spPr>
+          <a:xfrm>
+            <a:off x="6763273" y="2246629"/>
+            <a:ext cx="457200" cy="457200"/>
+          </a:xfrm>
+          <a:prstGeom prst="rect">
+            <a:avLst/>
+          </a:prstGeom>
+          <a:solidFill>
+            <a:schemeClr val="bg2">
+              <a:lumMod val="75000"/>
+            </a:schemeClr>
+          </a:solidFill>
+        </p:spPr>
+        <p:style>
+          <a:lnRef idx="2">
+            <a:schemeClr val="accent1">
+              <a:shade val="50000"/>
+            </a:schemeClr>
+          </a:lnRef>
+          <a:fillRef idx="1">
+            <a:schemeClr val="accent1"/>
+          </a:fillRef>
+          <a:effectRef idx="0">
+            <a:schemeClr val="accent1"/>
+          </a:effectRef>
+          <a:fontRef idx="minor">
+            <a:schemeClr val="lt1"/>
+          </a:fontRef>
+        </p:style>
+        <p:txBody>
+          <a:bodyPr rtlCol="0" anchor="ctr"/>
+          <a:lstStyle/>
+          <a:p>
+            <a:pPr algn="ctr"/>
+            <a:r>
+              <a:rPr lang="en-US" dirty="0"/>
+              <a:t>1</a:t>
+            </a:r>
+          </a:p>
+        </p:txBody>
+      </p:sp>
+      <p:cxnSp>
+        <p:nvCxnSpPr>
+          <p:cNvPr id="12" name="Straight Arrow Connector 11">
+            <a:extLst>
+              <a:ext uri="{FF2B5EF4-FFF2-40B4-BE49-F238E27FC236}">
+                <a16:creationId xmlns:a16="http://schemas.microsoft.com/office/drawing/2014/main" id="{CF306357-4D26-564F-8979-16CA59FE2E18}"/>
+              </a:ext>
+            </a:extLst>
+          </p:cNvPr>
+          <p:cNvCxnSpPr>
+            <a:cxnSpLocks/>
+            <a:stCxn id="11" idx="2"/>
+          </p:cNvCxnSpPr>
+          <p:nvPr/>
+        </p:nvCxnSpPr>
+        <p:spPr>
+          <a:xfrm flipH="1">
+            <a:off x="6533225" y="2703829"/>
+            <a:ext cx="458648" cy="424666"/>
+          </a:xfrm>
+          <a:prstGeom prst="straightConnector1">
+            <a:avLst/>
+          </a:prstGeom>
+          <a:ln>
+            <a:tailEnd type="triangle"/>
+          </a:ln>
+        </p:spPr>
+        <p:style>
+          <a:lnRef idx="1">
+            <a:schemeClr val="accent1"/>
+          </a:lnRef>
+          <a:fillRef idx="0">
+            <a:schemeClr val="accent1"/>
+          </a:fillRef>
+          <a:effectRef idx="0">
+            <a:schemeClr val="accent1"/>
+          </a:effectRef>
+          <a:fontRef idx="minor">
+            <a:schemeClr val="tx1"/>
+          </a:fontRef>
+        </p:style>
+      </p:cxnSp>
+      <p:sp>
+        <p:nvSpPr>
+          <p:cNvPr id="13" name="TextBox 12">
+            <a:extLst>
+              <a:ext uri="{FF2B5EF4-FFF2-40B4-BE49-F238E27FC236}">
+                <a16:creationId xmlns:a16="http://schemas.microsoft.com/office/drawing/2014/main" id="{8FC0865E-D83F-9C45-AB6A-2909B1A54280}"/>
+              </a:ext>
+            </a:extLst>
+          </p:cNvPr>
+          <p:cNvSpPr txBox="1"/>
+          <p:nvPr/>
+        </p:nvSpPr>
+        <p:spPr>
+          <a:xfrm>
+            <a:off x="5998375" y="2209800"/>
+            <a:ext cx="685800" cy="523220"/>
+          </a:xfrm>
+          <a:prstGeom prst="rect">
+            <a:avLst/>
+          </a:prstGeom>
+          <a:noFill/>
+        </p:spPr>
+        <p:txBody>
+          <a:bodyPr wrap="square" rtlCol="0">
+            <a:spAutoFit/>
+          </a:bodyPr>
+          <a:lstStyle/>
+          <a:p>
+            <a:r>
+              <a:rPr lang="en-US" sz="2800" i="1" dirty="0" err="1"/>
+              <a:t>ptr</a:t>
+            </a:r>
+            <a:endParaRPr lang="en-US" sz="2800" i="1" dirty="0"/>
+          </a:p>
+        </p:txBody>
+      </p:sp>
+      <p:sp>
+        <p:nvSpPr>
+          <p:cNvPr id="17" name="Rectangle 16">
+            <a:extLst>
+              <a:ext uri="{FF2B5EF4-FFF2-40B4-BE49-F238E27FC236}">
+                <a16:creationId xmlns:a16="http://schemas.microsoft.com/office/drawing/2014/main" id="{F1D30D4D-6530-DF48-876D-F4BE84E090B2}"/>
+              </a:ext>
+            </a:extLst>
+          </p:cNvPr>
+          <p:cNvSpPr/>
+          <p:nvPr/>
+        </p:nvSpPr>
+        <p:spPr>
+          <a:xfrm>
+            <a:off x="6761825" y="2248276"/>
+            <a:ext cx="457200" cy="457200"/>
+          </a:xfrm>
+          <a:prstGeom prst="rect">
+            <a:avLst/>
+          </a:prstGeom>
+          <a:solidFill>
+            <a:schemeClr val="bg2">
+              <a:lumMod val="75000"/>
+            </a:schemeClr>
+          </a:solidFill>
+        </p:spPr>
+        <p:style>
+          <a:lnRef idx="2">
+            <a:schemeClr val="accent1">
+              <a:shade val="50000"/>
+            </a:schemeClr>
+          </a:lnRef>
+          <a:fillRef idx="1">
+            <a:schemeClr val="accent1"/>
+          </a:fillRef>
+          <a:effectRef idx="0">
+            <a:schemeClr val="accent1"/>
+          </a:effectRef>
+          <a:fontRef idx="minor">
+            <a:schemeClr val="lt1"/>
+          </a:fontRef>
+        </p:style>
+        <p:txBody>
+          <a:bodyPr rtlCol="0" anchor="ctr"/>
+          <a:lstStyle/>
+          <a:p>
+            <a:pPr algn="ctr"/>
+            <a:r>
+              <a:rPr lang="en-US" dirty="0"/>
+              <a:t>2</a:t>
+            </a:r>
+          </a:p>
+        </p:txBody>
+      </p:sp>
+      <p:cxnSp>
+        <p:nvCxnSpPr>
+          <p:cNvPr id="18" name="Straight Arrow Connector 17">
+            <a:extLst>
+              <a:ext uri="{FF2B5EF4-FFF2-40B4-BE49-F238E27FC236}">
+                <a16:creationId xmlns:a16="http://schemas.microsoft.com/office/drawing/2014/main" id="{B0027ED6-0BB3-FC4F-A764-7F3417768A27}"/>
+              </a:ext>
+            </a:extLst>
+          </p:cNvPr>
+          <p:cNvCxnSpPr>
+            <a:cxnSpLocks/>
+            <a:stCxn id="17" idx="2"/>
+          </p:cNvCxnSpPr>
+          <p:nvPr/>
+        </p:nvCxnSpPr>
+        <p:spPr>
+          <a:xfrm>
+            <a:off x="6990425" y="2705476"/>
+            <a:ext cx="76200" cy="392788"/>
+          </a:xfrm>
+          <a:prstGeom prst="straightConnector1">
+            <a:avLst/>
+          </a:prstGeom>
+          <a:ln>
+            <a:tailEnd type="triangle"/>
+          </a:ln>
+        </p:spPr>
+        <p:style>
+          <a:lnRef idx="1">
+            <a:schemeClr val="accent1"/>
+          </a:lnRef>
+          <a:fillRef idx="0">
+            <a:schemeClr val="accent1"/>
+          </a:fillRef>
+          <a:effectRef idx="0">
+            <a:schemeClr val="accent1"/>
+          </a:effectRef>
+          <a:fontRef idx="minor">
+            <a:schemeClr val="tx1"/>
+          </a:fontRef>
+        </p:style>
+      </p:cxnSp>
+      <p:sp>
+        <p:nvSpPr>
+          <p:cNvPr id="20" name="Rectangle 19">
+            <a:extLst>
+              <a:ext uri="{FF2B5EF4-FFF2-40B4-BE49-F238E27FC236}">
+                <a16:creationId xmlns:a16="http://schemas.microsoft.com/office/drawing/2014/main" id="{26C83E97-D3CB-C54E-BEF9-A6BC49AAE8D9}"/>
+              </a:ext>
+            </a:extLst>
+          </p:cNvPr>
+          <p:cNvSpPr/>
+          <p:nvPr/>
+        </p:nvSpPr>
+        <p:spPr>
+          <a:xfrm>
+            <a:off x="6761825" y="2242729"/>
+            <a:ext cx="457200" cy="457200"/>
+          </a:xfrm>
+          <a:prstGeom prst="rect">
+            <a:avLst/>
+          </a:prstGeom>
+          <a:solidFill>
+            <a:schemeClr val="bg2">
+              <a:lumMod val="75000"/>
+            </a:schemeClr>
+          </a:solidFill>
+        </p:spPr>
+        <p:style>
+          <a:lnRef idx="2">
+            <a:schemeClr val="accent1">
+              <a:shade val="50000"/>
+            </a:schemeClr>
+          </a:lnRef>
+          <a:fillRef idx="1">
+            <a:schemeClr val="accent1"/>
+          </a:fillRef>
+          <a:effectRef idx="0">
+            <a:schemeClr val="accent1"/>
+          </a:effectRef>
+          <a:fontRef idx="minor">
+            <a:schemeClr val="lt1"/>
+          </a:fontRef>
+        </p:style>
+        <p:txBody>
+          <a:bodyPr rtlCol="0" anchor="ctr"/>
+          <a:lstStyle/>
+          <a:p>
+            <a:pPr algn="ctr"/>
+            <a:r>
+              <a:rPr lang="en-US" dirty="0"/>
+              <a:t>0</a:t>
+            </a:r>
+          </a:p>
+        </p:txBody>
+      </p:sp>
+      <p:cxnSp>
+        <p:nvCxnSpPr>
+          <p:cNvPr id="21" name="Straight Arrow Connector 20">
+            <a:extLst>
+              <a:ext uri="{FF2B5EF4-FFF2-40B4-BE49-F238E27FC236}">
+                <a16:creationId xmlns:a16="http://schemas.microsoft.com/office/drawing/2014/main" id="{B1A3D0FD-6D6C-5742-BB16-71EFA63E0BCE}"/>
+              </a:ext>
+            </a:extLst>
+          </p:cNvPr>
+          <p:cNvCxnSpPr>
+            <a:cxnSpLocks/>
+            <a:stCxn id="20" idx="2"/>
+          </p:cNvCxnSpPr>
+          <p:nvPr/>
+        </p:nvCxnSpPr>
+        <p:spPr>
+          <a:xfrm flipH="1">
+            <a:off x="6060263" y="2699929"/>
+            <a:ext cx="930162" cy="397486"/>
+          </a:xfrm>
+          <a:prstGeom prst="straightConnector1">
+            <a:avLst/>
+          </a:prstGeom>
+          <a:ln>
+            <a:tailEnd type="triangle"/>
+          </a:ln>
+        </p:spPr>
+        <p:style>
+          <a:lnRef idx="1">
+            <a:schemeClr val="accent1"/>
+          </a:lnRef>
+          <a:fillRef idx="0">
+            <a:schemeClr val="accent1"/>
+          </a:fillRef>
+          <a:effectRef idx="0">
+            <a:schemeClr val="accent1"/>
+          </a:effectRef>
+          <a:fontRef idx="minor">
+            <a:schemeClr val="tx1"/>
+          </a:fontRef>
+        </p:style>
+      </p:cxnSp>
     </p:spTree>
     <p:extLst>
       <p:ext uri="{BB962C8B-B14F-4D97-AF65-F5344CB8AC3E}">
-        <p14:creationId xmlns:p14="http://schemas.microsoft.com/office/powerpoint/2010/main" val="173192204"/>
+        <p14:creationId xmlns:p14="http://schemas.microsoft.com/office/powerpoint/2010/main" val="2155154215"/>
       </p:ext>
     </p:extLst>
   </p:cSld>
   <p:clrMapOvr>
     <a:masterClrMapping/>
   </p:clrMapOvr>
+  <p:timing>
+    <p:tnLst>
+      <p:par>
+        <p:cTn id="1" dur="indefinite" restart="never" nodeType="tmRoot">
+          <p:childTnLst>
+            <p:seq concurrent="1" nextAc="seek">
+              <p:cTn id="2" dur="indefinite" nodeType="mainSeq">
+                <p:childTnLst>
+                  <p:par>
+                    <p:cTn id="3" fill="hold">
+                      <p:stCondLst>
+                        <p:cond delay="indefinite"/>
+                      </p:stCondLst>
+                      <p:childTnLst>
+                        <p:par>
+                          <p:cTn id="4" fill="hold">
+                            <p:stCondLst>
+                              <p:cond delay="0"/>
+                            </p:stCondLst>
+                            <p:childTnLst>
+                              <p:par>
+                                <p:cTn id="5" presetID="1" presetClass="entr" presetSubtype="0" fill="hold" grpId="0" nodeType="clickEffect">
+                                  <p:stCondLst>
+                                    <p:cond delay="0"/>
+                                  </p:stCondLst>
+                                  <p:childTnLst>
+                                    <p:set>
+                                      <p:cBhvr>
+                                        <p:cTn id="6" dur="1" fill="hold">
+                                          <p:stCondLst>
+                                            <p:cond delay="0"/>
+                                          </p:stCondLst>
+                                        </p:cTn>
+                                        <p:tgtEl>
+                                          <p:spTgt spid="11"/>
+                                        </p:tgtEl>
+                                        <p:attrNameLst>
+                                          <p:attrName>style.visibility</p:attrName>
+                                        </p:attrNameLst>
+                                      </p:cBhvr>
+                                      <p:to>
+                                        <p:strVal val="visible"/>
+                                      </p:to>
+                                    </p:set>
+                                  </p:childTnLst>
+                                </p:cTn>
+                              </p:par>
+                              <p:par>
+                                <p:cTn id="7" presetID="1" presetClass="entr" presetSubtype="0" fill="hold" nodeType="withEffect">
+                                  <p:stCondLst>
+                                    <p:cond delay="0"/>
+                                  </p:stCondLst>
+                                  <p:childTnLst>
+                                    <p:set>
+                                      <p:cBhvr>
+                                        <p:cTn id="8" dur="1" fill="hold">
+                                          <p:stCondLst>
+                                            <p:cond delay="0"/>
+                                          </p:stCondLst>
+                                        </p:cTn>
+                                        <p:tgtEl>
+                                          <p:spTgt spid="12"/>
+                                        </p:tgtEl>
+                                        <p:attrNameLst>
+                                          <p:attrName>style.visibility</p:attrName>
+                                        </p:attrNameLst>
+                                      </p:cBhvr>
+                                      <p:to>
+                                        <p:strVal val="visible"/>
+                                      </p:to>
+                                    </p:set>
+                                  </p:childTnLst>
+                                </p:cTn>
+                              </p:par>
+                              <p:par>
+                                <p:cTn id="9" presetID="1" presetClass="entr" presetSubtype="0" fill="hold" grpId="0" nodeType="withEffect">
+                                  <p:stCondLst>
+                                    <p:cond delay="0"/>
+                                  </p:stCondLst>
+                                  <p:childTnLst>
+                                    <p:set>
+                                      <p:cBhvr>
+                                        <p:cTn id="10" dur="1" fill="hold">
+                                          <p:stCondLst>
+                                            <p:cond delay="0"/>
+                                          </p:stCondLst>
+                                        </p:cTn>
+                                        <p:tgtEl>
+                                          <p:spTgt spid="13"/>
+                                        </p:tgtEl>
+                                        <p:attrNameLst>
+                                          <p:attrName>style.visibility</p:attrName>
+                                        </p:attrNameLst>
+                                      </p:cBhvr>
+                                      <p:to>
+                                        <p:strVal val="visible"/>
+                                      </p:to>
+                                    </p:set>
+                                  </p:childTnLst>
+                                </p:cTn>
+                              </p:par>
+                            </p:childTnLst>
+                          </p:cTn>
+                        </p:par>
+                      </p:childTnLst>
+                    </p:cTn>
+                  </p:par>
+                  <p:par>
+                    <p:cTn id="11" fill="hold">
+                      <p:stCondLst>
+                        <p:cond delay="indefinite"/>
+                      </p:stCondLst>
+                      <p:childTnLst>
+                        <p:par>
+                          <p:cTn id="12" fill="hold">
+                            <p:stCondLst>
+                              <p:cond delay="0"/>
+                            </p:stCondLst>
+                            <p:childTnLst>
+                              <p:par>
+                                <p:cTn id="13" presetID="1" presetClass="entr" presetSubtype="0" fill="hold" grpId="0" nodeType="clickEffect">
+                                  <p:stCondLst>
+                                    <p:cond delay="0"/>
+                                  </p:stCondLst>
+                                  <p:childTnLst>
+                                    <p:set>
+                                      <p:cBhvr>
+                                        <p:cTn id="14" dur="1" fill="hold">
+                                          <p:stCondLst>
+                                            <p:cond delay="0"/>
+                                          </p:stCondLst>
+                                        </p:cTn>
+                                        <p:tgtEl>
+                                          <p:spTgt spid="17"/>
+                                        </p:tgtEl>
+                                        <p:attrNameLst>
+                                          <p:attrName>style.visibility</p:attrName>
+                                        </p:attrNameLst>
+                                      </p:cBhvr>
+                                      <p:to>
+                                        <p:strVal val="visible"/>
+                                      </p:to>
+                                    </p:set>
+                                  </p:childTnLst>
+                                </p:cTn>
+                              </p:par>
+                              <p:par>
+                                <p:cTn id="15" presetID="1" presetClass="entr" presetSubtype="0" fill="hold" nodeType="withEffect">
+                                  <p:stCondLst>
+                                    <p:cond delay="0"/>
+                                  </p:stCondLst>
+                                  <p:childTnLst>
+                                    <p:set>
+                                      <p:cBhvr>
+                                        <p:cTn id="16" dur="1" fill="hold">
+                                          <p:stCondLst>
+                                            <p:cond delay="0"/>
+                                          </p:stCondLst>
+                                        </p:cTn>
+                                        <p:tgtEl>
+                                          <p:spTgt spid="18"/>
+                                        </p:tgtEl>
+                                        <p:attrNameLst>
+                                          <p:attrName>style.visibility</p:attrName>
+                                        </p:attrNameLst>
+                                      </p:cBhvr>
+                                      <p:to>
+                                        <p:strVal val="visible"/>
+                                      </p:to>
+                                    </p:set>
+                                  </p:childTnLst>
+                                </p:cTn>
+                              </p:par>
+                            </p:childTnLst>
+                          </p:cTn>
+                        </p:par>
+                      </p:childTnLst>
+                    </p:cTn>
+                  </p:par>
+                  <p:par>
+                    <p:cTn id="17" fill="hold">
+                      <p:stCondLst>
+                        <p:cond delay="indefinite"/>
+                      </p:stCondLst>
+                      <p:childTnLst>
+                        <p:par>
+                          <p:cTn id="18" fill="hold">
+                            <p:stCondLst>
+                              <p:cond delay="0"/>
+                            </p:stCondLst>
+                            <p:childTnLst>
+                              <p:par>
+                                <p:cTn id="19" presetID="1" presetClass="entr" presetSubtype="0" fill="hold" grpId="0" nodeType="clickEffect">
+                                  <p:stCondLst>
+                                    <p:cond delay="0"/>
+                                  </p:stCondLst>
+                                  <p:childTnLst>
+                                    <p:set>
+                                      <p:cBhvr>
+                                        <p:cTn id="20" dur="1" fill="hold">
+                                          <p:stCondLst>
+                                            <p:cond delay="0"/>
+                                          </p:stCondLst>
+                                        </p:cTn>
+                                        <p:tgtEl>
+                                          <p:spTgt spid="20"/>
+                                        </p:tgtEl>
+                                        <p:attrNameLst>
+                                          <p:attrName>style.visibility</p:attrName>
+                                        </p:attrNameLst>
+                                      </p:cBhvr>
+                                      <p:to>
+                                        <p:strVal val="visible"/>
+                                      </p:to>
+                                    </p:set>
+                                  </p:childTnLst>
+                                </p:cTn>
+                              </p:par>
+                              <p:par>
+                                <p:cTn id="21" presetID="1" presetClass="entr" presetSubtype="0" fill="hold" nodeType="withEffect">
+                                  <p:stCondLst>
+                                    <p:cond delay="0"/>
+                                  </p:stCondLst>
+                                  <p:childTnLst>
+                                    <p:set>
+                                      <p:cBhvr>
+                                        <p:cTn id="22" dur="1" fill="hold">
+                                          <p:stCondLst>
+                                            <p:cond delay="0"/>
+                                          </p:stCondLst>
+                                        </p:cTn>
+                                        <p:tgtEl>
+                                          <p:spTgt spid="21"/>
+                                        </p:tgtEl>
+                                        <p:attrNameLst>
+                                          <p:attrName>style.visibility</p:attrName>
+                                        </p:attrNameLst>
+                                      </p:cBhvr>
+                                      <p:to>
+                                        <p:strVal val="visible"/>
+                                      </p:to>
+                                    </p:set>
+                                  </p:childTnLst>
+                                </p:cTn>
+                              </p:par>
+                            </p:childTnLst>
+                          </p:cTn>
+                        </p:par>
+                      </p:childTnLst>
+                    </p:cTn>
+                  </p:par>
+                </p:childTnLst>
+              </p:cTn>
+              <p:prevCondLst>
+                <p:cond evt="onPrev" delay="0">
+                  <p:tgtEl>
+                    <p:sldTgt/>
+                  </p:tgtEl>
+                </p:cond>
+              </p:prevCondLst>
+              <p:nextCondLst>
+                <p:cond evt="onNext" delay="0">
+                  <p:tgtEl>
+                    <p:sldTgt/>
+                  </p:tgtEl>
+                </p:cond>
+              </p:nextCondLst>
+            </p:seq>
+          </p:childTnLst>
+        </p:cTn>
+      </p:par>
+    </p:tnLst>
+    <p:bldLst>
+      <p:bldP spid="11" grpId="0" animBg="1"/>
+      <p:bldP spid="13" grpId="0"/>
+      <p:bldP spid="17" grpId="0" animBg="1"/>
+      <p:bldP spid="20" grpId="0" animBg="1"/>
+    </p:bldLst>
+  </p:timing>
 </p:sld>
 </file>
 
@@ -4854,6 +5882,189 @@
           <a:p>
             <a:r>
               <a:rPr lang="en-US" dirty="0"/>
+              <a:t>Comparing Pointers</a:t>
+            </a:r>
+          </a:p>
+        </p:txBody>
+      </p:sp>
+      <p:sp>
+        <p:nvSpPr>
+          <p:cNvPr id="3" name="Content Placeholder 2"/>
+          <p:cNvSpPr>
+            <a:spLocks noGrp="1"/>
+          </p:cNvSpPr>
+          <p:nvPr>
+            <p:ph idx="1"/>
+          </p:nvPr>
+        </p:nvSpPr>
+        <p:spPr>
+          <a:xfrm>
+            <a:off x="457200" y="1600200"/>
+            <a:ext cx="8229600" cy="4648200"/>
+          </a:xfrm>
+        </p:spPr>
+        <p:txBody>
+          <a:bodyPr>
+            <a:normAutofit/>
+          </a:bodyPr>
+          <a:lstStyle/>
+          <a:p>
+            <a:r>
+              <a:rPr lang="en-US" sz="3000" dirty="0"/>
+              <a:t>Can compare pointers using:</a:t>
+            </a:r>
+          </a:p>
+          <a:p>
+            <a:pPr lvl="1"/>
+            <a:r>
+              <a:rPr lang="en-US" dirty="0"/>
+              <a:t>Relational operators: &lt;, &lt;=, &gt;, &gt;= </a:t>
+            </a:r>
+          </a:p>
+          <a:p>
+            <a:pPr lvl="1"/>
+            <a:r>
+              <a:rPr lang="en-US" dirty="0"/>
+              <a:t>Equality operators: !=, ==</a:t>
+            </a:r>
+          </a:p>
+          <a:p>
+            <a:r>
+              <a:rPr lang="en-US" sz="3000" dirty="0"/>
+              <a:t>With relational operators:</a:t>
+            </a:r>
+          </a:p>
+          <a:p>
+            <a:pPr lvl="1"/>
+            <a:r>
+              <a:rPr lang="en-US" sz="2600" dirty="0"/>
+              <a:t>the result is meaningful if both pointer point to elements of the same array</a:t>
+            </a:r>
+          </a:p>
+          <a:p>
+            <a:pPr lvl="1"/>
+            <a:r>
+              <a:rPr lang="en-US" dirty="0">
+                <a:solidFill>
+                  <a:srgbClr val="000099"/>
+                </a:solidFill>
+              </a:rPr>
+              <a:t>p &lt; q</a:t>
+            </a:r>
+            <a:r>
+              <a:rPr lang="en-US" dirty="0"/>
+              <a:t>: the element that p points to comes before the element that q points to in the array</a:t>
+            </a:r>
+          </a:p>
+          <a:p>
+            <a:r>
+              <a:rPr lang="en-US" sz="3000" dirty="0"/>
+              <a:t>Equality Operators: </a:t>
+            </a:r>
+          </a:p>
+          <a:p>
+            <a:pPr lvl="1"/>
+            <a:r>
+              <a:rPr lang="en-US" dirty="0">
+                <a:solidFill>
+                  <a:srgbClr val="000099"/>
+                </a:solidFill>
+              </a:rPr>
+              <a:t>p == q</a:t>
+            </a:r>
+            <a:r>
+              <a:rPr lang="en-US" dirty="0"/>
+              <a:t>: p and q point to the same variable</a:t>
+            </a:r>
+          </a:p>
+          <a:p>
+            <a:pPr lvl="1"/>
+            <a:r>
+              <a:rPr lang="en-US" dirty="0">
+                <a:solidFill>
+                  <a:srgbClr val="000099"/>
+                </a:solidFill>
+              </a:rPr>
+              <a:t>p != q </a:t>
+            </a:r>
+            <a:r>
+              <a:rPr lang="en-US" dirty="0"/>
+              <a:t>: p and q point to different variables.</a:t>
+            </a:r>
+          </a:p>
+        </p:txBody>
+      </p:sp>
+      <p:sp>
+        <p:nvSpPr>
+          <p:cNvPr id="4" name="Slide Number Placeholder 3"/>
+          <p:cNvSpPr>
+            <a:spLocks noGrp="1"/>
+          </p:cNvSpPr>
+          <p:nvPr>
+            <p:ph type="sldNum" sz="quarter" idx="12"/>
+          </p:nvPr>
+        </p:nvSpPr>
+        <p:spPr/>
+        <p:txBody>
+          <a:bodyPr/>
+          <a:lstStyle/>
+          <a:p>
+            <a:fld id="{B6F15528-21DE-4FAA-801E-634DDDAF4B2B}" type="slidenum">
+              <a:rPr lang="en-US" smtClean="0"/>
+              <a:pPr/>
+              <a:t>12</a:t>
+            </a:fld>
+            <a:endParaRPr lang="en-US" dirty="0"/>
+          </a:p>
+        </p:txBody>
+      </p:sp>
+    </p:spTree>
+    <p:extLst>
+      <p:ext uri="{BB962C8B-B14F-4D97-AF65-F5344CB8AC3E}">
+        <p14:creationId xmlns:p14="http://schemas.microsoft.com/office/powerpoint/2010/main" val="173192204"/>
+      </p:ext>
+    </p:extLst>
+  </p:cSld>
+  <p:clrMapOvr>
+    <a:masterClrMapping/>
+  </p:clrMapOvr>
+</p:sld>
+</file>
+
+<file path=ppt/slides/slide13.xml><?xml version="1.0" encoding="utf-8"?>
+<p:sld xmlns:a="http://schemas.openxmlformats.org/drawingml/2006/main" xmlns:r="http://schemas.openxmlformats.org/officeDocument/2006/relationships" xmlns:p="http://schemas.openxmlformats.org/presentationml/2006/main">
+  <p:cSld>
+    <p:spTree>
+      <p:nvGrpSpPr>
+        <p:cNvPr id="1" name=""/>
+        <p:cNvGrpSpPr/>
+        <p:nvPr/>
+      </p:nvGrpSpPr>
+      <p:grpSpPr>
+        <a:xfrm>
+          <a:off x="0" y="0"/>
+          <a:ext cx="0" cy="0"/>
+          <a:chOff x="0" y="0"/>
+          <a:chExt cx="0" cy="0"/>
+        </a:xfrm>
+      </p:grpSpPr>
+      <p:sp>
+        <p:nvSpPr>
+          <p:cNvPr id="2" name="Title 1"/>
+          <p:cNvSpPr>
+            <a:spLocks noGrp="1"/>
+          </p:cNvSpPr>
+          <p:nvPr>
+            <p:ph type="title"/>
+          </p:nvPr>
+        </p:nvSpPr>
+        <p:spPr/>
+        <p:txBody>
+          <a:bodyPr/>
+          <a:lstStyle/>
+          <a:p>
+            <a:r>
+              <a:rPr lang="en-US" dirty="0"/>
               <a:t>Pointers and Arrays</a:t>
             </a:r>
           </a:p>
@@ -4902,7 +6113,7 @@
             <a:fld id="{B6F15528-21DE-4FAA-801E-634DDDAF4B2B}" type="slidenum">
               <a:rPr lang="en-US" smtClean="0"/>
               <a:pPr/>
-              <a:t>12</a:t>
+              <a:t>13</a:t>
             </a:fld>
             <a:endParaRPr lang="en-US" dirty="0"/>
           </a:p>
@@ -5237,7 +6448,7 @@
 </p:sld>
 </file>
 
-<file path=ppt/slides/slide13.xml><?xml version="1.0" encoding="utf-8"?>
+<file path=ppt/slides/slide14.xml><?xml version="1.0" encoding="utf-8"?>
 <p:sld xmlns:a="http://schemas.openxmlformats.org/drawingml/2006/main" xmlns:r="http://schemas.openxmlformats.org/officeDocument/2006/relationships" xmlns:p="http://schemas.openxmlformats.org/presentationml/2006/main">
   <p:cSld>
     <p:spTree>
@@ -5508,7 +6719,7 @@
             <a:fld id="{B6F15528-21DE-4FAA-801E-634DDDAF4B2B}" type="slidenum">
               <a:rPr lang="en-US" smtClean="0"/>
               <a:pPr/>
-              <a:t>13</a:t>
+              <a:t>14</a:t>
             </a:fld>
             <a:endParaRPr lang="en-US" dirty="0"/>
           </a:p>
@@ -5755,7 +6966,7 @@
 </p:sld>
 </file>
 
-<file path=ppt/slides/slide14.xml><?xml version="1.0" encoding="utf-8"?>
+<file path=ppt/slides/slide15.xml><?xml version="1.0" encoding="utf-8"?>
 <p:sld xmlns:a="http://schemas.openxmlformats.org/drawingml/2006/main" xmlns:r="http://schemas.openxmlformats.org/officeDocument/2006/relationships" xmlns:p="http://schemas.openxmlformats.org/presentationml/2006/main">
   <p:cSld>
     <p:spTree>
@@ -6046,7 +7257,7 @@
             <a:fld id="{B6F15528-21DE-4FAA-801E-634DDDAF4B2B}" type="slidenum">
               <a:rPr lang="en-US" smtClean="0"/>
               <a:pPr/>
-              <a:t>14</a:t>
+              <a:t>15</a:t>
             </a:fld>
             <a:endParaRPr lang="en-US" dirty="0"/>
           </a:p>
@@ -6203,513 +7414,6 @@
 </p:sld>
 </file>
 
-<file path=ppt/slides/slide15.xml><?xml version="1.0" encoding="utf-8"?>
-<p:sld xmlns:a="http://schemas.openxmlformats.org/drawingml/2006/main" xmlns:r="http://schemas.openxmlformats.org/officeDocument/2006/relationships" xmlns:p="http://schemas.openxmlformats.org/presentationml/2006/main">
-  <p:cSld>
-    <p:spTree>
-      <p:nvGrpSpPr>
-        <p:cNvPr id="1" name=""/>
-        <p:cNvGrpSpPr/>
-        <p:nvPr/>
-      </p:nvGrpSpPr>
-      <p:grpSpPr>
-        <a:xfrm>
-          <a:off x="0" y="0"/>
-          <a:ext cx="0" cy="0"/>
-          <a:chOff x="0" y="0"/>
-          <a:chExt cx="0" cy="0"/>
-        </a:xfrm>
-      </p:grpSpPr>
-      <p:sp>
-        <p:nvSpPr>
-          <p:cNvPr id="7" name="Rectangle 6"/>
-          <p:cNvSpPr/>
-          <p:nvPr/>
-        </p:nvSpPr>
-        <p:spPr>
-          <a:xfrm>
-            <a:off x="0" y="0"/>
-            <a:ext cx="8441055" cy="6858000"/>
-          </a:xfrm>
-          <a:prstGeom prst="rect">
-            <a:avLst/>
-          </a:prstGeom>
-        </p:spPr>
-        <p:style>
-          <a:lnRef idx="2">
-            <a:schemeClr val="accent1">
-              <a:shade val="50000"/>
-            </a:schemeClr>
-          </a:lnRef>
-          <a:fillRef idx="1">
-            <a:schemeClr val="accent1"/>
-          </a:fillRef>
-          <a:effectRef idx="0">
-            <a:schemeClr val="accent1"/>
-          </a:effectRef>
-          <a:fontRef idx="minor">
-            <a:schemeClr val="lt1"/>
-          </a:fontRef>
-        </p:style>
-        <p:txBody>
-          <a:bodyPr rtlCol="0" anchor="ctr"/>
-          <a:lstStyle/>
-          <a:p>
-            <a:pPr algn="ctr"/>
-            <a:endParaRPr lang="en-US"/>
-          </a:p>
-        </p:txBody>
-      </p:sp>
-      <p:sp>
-        <p:nvSpPr>
-          <p:cNvPr id="2" name="Title 1"/>
-          <p:cNvSpPr>
-            <a:spLocks noGrp="1"/>
-          </p:cNvSpPr>
-          <p:nvPr>
-            <p:ph type="title"/>
-          </p:nvPr>
-        </p:nvSpPr>
-        <p:spPr>
-          <a:xfrm>
-            <a:off x="0" y="-76200"/>
-            <a:ext cx="8441055" cy="914400"/>
-          </a:xfrm>
-        </p:spPr>
-        <p:txBody>
-          <a:bodyPr>
-            <a:normAutofit/>
-          </a:bodyPr>
-          <a:lstStyle/>
-          <a:p>
-            <a:r>
-              <a:rPr lang="en-US" sz="3600" dirty="0">
-                <a:solidFill>
-                  <a:schemeClr val="bg1"/>
-                </a:solidFill>
-              </a:rPr>
-              <a:t>What is the state of the array?</a:t>
-            </a:r>
-          </a:p>
-        </p:txBody>
-      </p:sp>
-      <p:sp>
-        <p:nvSpPr>
-          <p:cNvPr id="3" name="Content Placeholder 2"/>
-          <p:cNvSpPr>
-            <a:spLocks noGrp="1"/>
-          </p:cNvSpPr>
-          <p:nvPr>
-            <p:ph idx="1"/>
-          </p:nvPr>
-        </p:nvSpPr>
-        <p:spPr>
-          <a:xfrm>
-            <a:off x="228600" y="1249362"/>
-            <a:ext cx="7239000" cy="2173720"/>
-          </a:xfrm>
-        </p:spPr>
-        <p:txBody>
-          <a:bodyPr>
-            <a:normAutofit/>
-          </a:bodyPr>
-          <a:lstStyle/>
-          <a:p>
-            <a:pPr>
-              <a:spcBef>
-                <a:spcPts val="0"/>
-              </a:spcBef>
-              <a:spcAft>
-                <a:spcPts val="0"/>
-              </a:spcAft>
-            </a:pPr>
-            <a:r>
-              <a:rPr lang="en-US" sz="2800" dirty="0" err="1">
-                <a:solidFill>
-                  <a:schemeClr val="bg1"/>
-                </a:solidFill>
-                <a:latin typeface="Consolas" charset="0"/>
-                <a:ea typeface="Consolas" charset="0"/>
-                <a:cs typeface="Consolas" charset="0"/>
-              </a:rPr>
-              <a:t>int</a:t>
-            </a:r>
-            <a:r>
-              <a:rPr lang="en-US" sz="2800" dirty="0">
-                <a:solidFill>
-                  <a:schemeClr val="bg1"/>
-                </a:solidFill>
-                <a:latin typeface="Consolas" charset="0"/>
-                <a:ea typeface="Consolas" charset="0"/>
-                <a:cs typeface="Consolas" charset="0"/>
-              </a:rPr>
-              <a:t> array[] = {1, 3, 5, 7};</a:t>
-            </a:r>
-          </a:p>
-          <a:p>
-            <a:pPr>
-              <a:spcBef>
-                <a:spcPts val="0"/>
-              </a:spcBef>
-              <a:spcAft>
-                <a:spcPts val="0"/>
-              </a:spcAft>
-            </a:pPr>
-            <a:r>
-              <a:rPr lang="en-US" sz="2800" dirty="0" err="1">
-                <a:solidFill>
-                  <a:schemeClr val="bg1"/>
-                </a:solidFill>
-                <a:latin typeface="Consolas" charset="0"/>
-                <a:ea typeface="Consolas" charset="0"/>
-                <a:cs typeface="Consolas" charset="0"/>
-              </a:rPr>
-              <a:t>int</a:t>
-            </a:r>
-            <a:r>
-              <a:rPr lang="en-US" sz="2800" dirty="0">
-                <a:solidFill>
-                  <a:schemeClr val="bg1"/>
-                </a:solidFill>
-                <a:latin typeface="Consolas" charset="0"/>
-                <a:ea typeface="Consolas" charset="0"/>
-                <a:cs typeface="Consolas" charset="0"/>
-              </a:rPr>
-              <a:t> * </a:t>
-            </a:r>
-            <a:r>
-              <a:rPr lang="en-US" sz="2800" dirty="0" err="1">
-                <a:solidFill>
-                  <a:schemeClr val="bg1"/>
-                </a:solidFill>
-                <a:latin typeface="Consolas" charset="0"/>
-                <a:ea typeface="Consolas" charset="0"/>
-                <a:cs typeface="Consolas" charset="0"/>
-              </a:rPr>
-              <a:t>ptr</a:t>
-            </a:r>
-            <a:r>
-              <a:rPr lang="en-US" sz="2800" dirty="0">
-                <a:solidFill>
-                  <a:schemeClr val="bg1"/>
-                </a:solidFill>
-                <a:latin typeface="Consolas" charset="0"/>
-                <a:ea typeface="Consolas" charset="0"/>
-                <a:cs typeface="Consolas" charset="0"/>
-              </a:rPr>
-              <a:t> = &amp;array[1];</a:t>
-            </a:r>
-          </a:p>
-          <a:p>
-            <a:pPr>
-              <a:spcBef>
-                <a:spcPts val="0"/>
-              </a:spcBef>
-              <a:spcAft>
-                <a:spcPts val="0"/>
-              </a:spcAft>
-            </a:pPr>
-            <a:r>
-              <a:rPr lang="en-US" sz="2800" dirty="0">
-                <a:solidFill>
-                  <a:schemeClr val="bg1"/>
-                </a:solidFill>
-                <a:latin typeface="Consolas" charset="0"/>
-                <a:ea typeface="Consolas" charset="0"/>
-                <a:cs typeface="Consolas" charset="0"/>
-              </a:rPr>
-              <a:t>*(</a:t>
-            </a:r>
-            <a:r>
-              <a:rPr lang="en-US" sz="2800" dirty="0" err="1">
-                <a:solidFill>
-                  <a:schemeClr val="bg1"/>
-                </a:solidFill>
-                <a:latin typeface="Consolas" charset="0"/>
-                <a:ea typeface="Consolas" charset="0"/>
-                <a:cs typeface="Consolas" charset="0"/>
-              </a:rPr>
-              <a:t>ptr</a:t>
-            </a:r>
-            <a:r>
-              <a:rPr lang="en-US" sz="2800" dirty="0">
-                <a:solidFill>
-                  <a:schemeClr val="bg1"/>
-                </a:solidFill>
-                <a:latin typeface="Consolas" charset="0"/>
-                <a:ea typeface="Consolas" charset="0"/>
-                <a:cs typeface="Consolas" charset="0"/>
-              </a:rPr>
-              <a:t>++) = 99;</a:t>
-            </a:r>
-          </a:p>
-        </p:txBody>
-      </p:sp>
-      <p:sp>
-        <p:nvSpPr>
-          <p:cNvPr id="12" name="Slide Number Placeholder 11"/>
-          <p:cNvSpPr>
-            <a:spLocks noGrp="1"/>
-          </p:cNvSpPr>
-          <p:nvPr>
-            <p:ph type="sldNum" sz="quarter" idx="12"/>
-          </p:nvPr>
-        </p:nvSpPr>
-        <p:spPr/>
-        <p:txBody>
-          <a:bodyPr/>
-          <a:lstStyle/>
-          <a:p>
-            <a:fld id="{B6F15528-21DE-4FAA-801E-634DDDAF4B2B}" type="slidenum">
-              <a:rPr lang="en-US" smtClean="0"/>
-              <a:pPr/>
-              <a:t>15</a:t>
-            </a:fld>
-            <a:endParaRPr lang="en-US" dirty="0"/>
-          </a:p>
-        </p:txBody>
-      </p:sp>
-      <p:sp>
-        <p:nvSpPr>
-          <p:cNvPr id="6" name="Content Placeholder 2"/>
-          <p:cNvSpPr txBox="1">
-            <a:spLocks/>
-          </p:cNvSpPr>
-          <p:nvPr/>
-        </p:nvSpPr>
-        <p:spPr>
-          <a:xfrm>
-            <a:off x="256082" y="3423082"/>
-            <a:ext cx="8394383" cy="2755035"/>
-          </a:xfrm>
-          <a:prstGeom prst="rect">
-            <a:avLst/>
-          </a:prstGeom>
-        </p:spPr>
-        <p:txBody>
-          <a:bodyPr vert="horz" lIns="91440" tIns="45720" rIns="91440" bIns="45720" rtlCol="0">
-            <a:normAutofit/>
-          </a:bodyPr>
-          <a:lstStyle>
-            <a:lvl1pPr marL="342900" indent="-342900" algn="l" defTabSz="914400" rtl="0" eaLnBrk="1" latinLnBrk="0" hangingPunct="1">
-              <a:spcBef>
-                <a:spcPct val="20000"/>
-              </a:spcBef>
-              <a:buFont typeface="Arial" pitchFamily="34" charset="0"/>
-              <a:buChar char="•"/>
-              <a:defRPr sz="3200" kern="1200">
-                <a:solidFill>
-                  <a:schemeClr val="tx1"/>
-                </a:solidFill>
-                <a:latin typeface="+mn-lt"/>
-                <a:ea typeface="+mn-ea"/>
-                <a:cs typeface="+mn-cs"/>
-              </a:defRPr>
-            </a:lvl1pPr>
-            <a:lvl2pPr marL="742950" indent="-285750" algn="l" defTabSz="914400" rtl="0" eaLnBrk="1" latinLnBrk="0" hangingPunct="1">
-              <a:spcBef>
-                <a:spcPct val="20000"/>
-              </a:spcBef>
-              <a:buFont typeface="Arial" pitchFamily="34" charset="0"/>
-              <a:buChar char="–"/>
-              <a:defRPr sz="2800" kern="1200">
-                <a:solidFill>
-                  <a:schemeClr val="tx1"/>
-                </a:solidFill>
-                <a:latin typeface="+mn-lt"/>
-                <a:ea typeface="+mn-ea"/>
-                <a:cs typeface="+mn-cs"/>
-              </a:defRPr>
-            </a:lvl2pPr>
-            <a:lvl3pPr marL="1143000" indent="-228600" algn="l" defTabSz="914400" rtl="0" eaLnBrk="1" latinLnBrk="0" hangingPunct="1">
-              <a:spcBef>
-                <a:spcPct val="20000"/>
-              </a:spcBef>
-              <a:buFont typeface="Arial" pitchFamily="34" charset="0"/>
-              <a:buChar char="•"/>
-              <a:defRPr sz="2400" kern="1200">
-                <a:solidFill>
-                  <a:schemeClr val="tx1"/>
-                </a:solidFill>
-                <a:latin typeface="+mn-lt"/>
-                <a:ea typeface="+mn-ea"/>
-                <a:cs typeface="+mn-cs"/>
-              </a:defRPr>
-            </a:lvl3pPr>
-            <a:lvl4pPr marL="1600200" indent="-228600" algn="l" defTabSz="914400" rtl="0" eaLnBrk="1" latinLnBrk="0" hangingPunct="1">
-              <a:spcBef>
-                <a:spcPct val="20000"/>
-              </a:spcBef>
-              <a:buFont typeface="Arial" pitchFamily="34" charset="0"/>
-              <a:buChar char="–"/>
-              <a:defRPr sz="2000" kern="1200">
-                <a:solidFill>
-                  <a:schemeClr val="tx1"/>
-                </a:solidFill>
-                <a:latin typeface="+mn-lt"/>
-                <a:ea typeface="+mn-ea"/>
-                <a:cs typeface="+mn-cs"/>
-              </a:defRPr>
-            </a:lvl4pPr>
-            <a:lvl5pPr marL="2057400" indent="-228600" algn="l" defTabSz="914400" rtl="0" eaLnBrk="1" latinLnBrk="0" hangingPunct="1">
-              <a:spcBef>
-                <a:spcPct val="20000"/>
-              </a:spcBef>
-              <a:buFont typeface="Arial" pitchFamily="34" charset="0"/>
-              <a:buChar char="»"/>
-              <a:defRPr sz="2000" kern="1200">
-                <a:solidFill>
-                  <a:schemeClr val="tx1"/>
-                </a:solidFill>
-                <a:latin typeface="+mn-lt"/>
-                <a:ea typeface="+mn-ea"/>
-                <a:cs typeface="+mn-cs"/>
-              </a:defRPr>
-            </a:lvl5pPr>
-            <a:lvl6pPr marL="2514600" indent="-228600" algn="l" defTabSz="914400" rtl="0" eaLnBrk="1" latinLnBrk="0" hangingPunct="1">
-              <a:spcBef>
-                <a:spcPct val="20000"/>
-              </a:spcBef>
-              <a:buFont typeface="Arial" pitchFamily="34" charset="0"/>
-              <a:buChar char="•"/>
-              <a:defRPr sz="2000" kern="1200">
-                <a:solidFill>
-                  <a:schemeClr val="tx1"/>
-                </a:solidFill>
-                <a:latin typeface="+mn-lt"/>
-                <a:ea typeface="+mn-ea"/>
-                <a:cs typeface="+mn-cs"/>
-              </a:defRPr>
-            </a:lvl6pPr>
-            <a:lvl7pPr marL="2971800" indent="-228600" algn="l" defTabSz="914400" rtl="0" eaLnBrk="1" latinLnBrk="0" hangingPunct="1">
-              <a:spcBef>
-                <a:spcPct val="20000"/>
-              </a:spcBef>
-              <a:buFont typeface="Arial" pitchFamily="34" charset="0"/>
-              <a:buChar char="•"/>
-              <a:defRPr sz="2000" kern="1200">
-                <a:solidFill>
-                  <a:schemeClr val="tx1"/>
-                </a:solidFill>
-                <a:latin typeface="+mn-lt"/>
-                <a:ea typeface="+mn-ea"/>
-                <a:cs typeface="+mn-cs"/>
-              </a:defRPr>
-            </a:lvl7pPr>
-            <a:lvl8pPr marL="3429000" indent="-228600" algn="l" defTabSz="914400" rtl="0" eaLnBrk="1" latinLnBrk="0" hangingPunct="1">
-              <a:spcBef>
-                <a:spcPct val="20000"/>
-              </a:spcBef>
-              <a:buFont typeface="Arial" pitchFamily="34" charset="0"/>
-              <a:buChar char="•"/>
-              <a:defRPr sz="2000" kern="1200">
-                <a:solidFill>
-                  <a:schemeClr val="tx1"/>
-                </a:solidFill>
-                <a:latin typeface="+mn-lt"/>
-                <a:ea typeface="+mn-ea"/>
-                <a:cs typeface="+mn-cs"/>
-              </a:defRPr>
-            </a:lvl8pPr>
-            <a:lvl9pPr marL="3886200" indent="-228600" algn="l" defTabSz="914400" rtl="0" eaLnBrk="1" latinLnBrk="0" hangingPunct="1">
-              <a:spcBef>
-                <a:spcPct val="20000"/>
-              </a:spcBef>
-              <a:buFont typeface="Arial" pitchFamily="34" charset="0"/>
-              <a:buChar char="•"/>
-              <a:defRPr sz="2000" kern="1200">
-                <a:solidFill>
-                  <a:schemeClr val="tx1"/>
-                </a:solidFill>
-                <a:latin typeface="+mn-lt"/>
-                <a:ea typeface="+mn-ea"/>
-                <a:cs typeface="+mn-cs"/>
-              </a:defRPr>
-            </a:lvl9pPr>
-          </a:lstStyle>
-          <a:p>
-            <a:pPr marL="742950" indent="-742950">
-              <a:buFont typeface="+mj-lt"/>
-              <a:buAutoNum type="arabicPeriod"/>
-            </a:pPr>
-            <a:r>
-              <a:rPr lang="en-US" sz="3600" dirty="0">
-                <a:solidFill>
-                  <a:srgbClr val="0CFA02"/>
-                </a:solidFill>
-                <a:latin typeface="Consolas" charset="0"/>
-                <a:ea typeface="Consolas" charset="0"/>
-                <a:cs typeface="Consolas" charset="0"/>
-              </a:rPr>
-              <a:t>Error</a:t>
-            </a:r>
-          </a:p>
-          <a:p>
-            <a:pPr marL="742950" indent="-742950">
-              <a:buFont typeface="+mj-lt"/>
-              <a:buAutoNum type="arabicPeriod"/>
-            </a:pPr>
-            <a:r>
-              <a:rPr lang="en-US" sz="3600" dirty="0">
-                <a:solidFill>
-                  <a:srgbClr val="FEFB01"/>
-                </a:solidFill>
-                <a:latin typeface="Consolas" charset="0"/>
-                <a:ea typeface="Consolas" charset="0"/>
-                <a:cs typeface="Consolas" charset="0"/>
-              </a:rPr>
-              <a:t>1, 3, 99, 7</a:t>
-            </a:r>
-          </a:p>
-          <a:p>
-            <a:pPr marL="742950" indent="-742950">
-              <a:buFont typeface="+mj-lt"/>
-              <a:buAutoNum type="arabicPeriod"/>
-            </a:pPr>
-            <a:r>
-              <a:rPr lang="en-US" sz="3600" dirty="0">
-                <a:solidFill>
-                  <a:srgbClr val="F5A007"/>
-                </a:solidFill>
-                <a:latin typeface="Consolas" charset="0"/>
-                <a:ea typeface="Consolas" charset="0"/>
-                <a:cs typeface="Consolas" charset="0"/>
-              </a:rPr>
-              <a:t>1, 99, 5, 7</a:t>
-            </a:r>
-          </a:p>
-          <a:p>
-            <a:pPr marL="742950" indent="-742950">
-              <a:buFont typeface="+mj-lt"/>
-              <a:buAutoNum type="arabicPeriod"/>
-            </a:pPr>
-            <a:r>
-              <a:rPr lang="en-US" sz="3600" dirty="0">
-                <a:solidFill>
-                  <a:srgbClr val="F21AF1"/>
-                </a:solidFill>
-                <a:latin typeface="Consolas" charset="0"/>
-                <a:ea typeface="Consolas" charset="0"/>
-                <a:cs typeface="Consolas" charset="0"/>
-              </a:rPr>
-              <a:t>I don't know</a:t>
-            </a:r>
-          </a:p>
-        </p:txBody>
-      </p:sp>
-    </p:spTree>
-    <p:extLst>
-      <p:ext uri="{BB962C8B-B14F-4D97-AF65-F5344CB8AC3E}">
-        <p14:creationId xmlns:p14="http://schemas.microsoft.com/office/powerpoint/2010/main" val="1823333867"/>
-      </p:ext>
-    </p:extLst>
-  </p:cSld>
-  <p:clrMapOvr>
-    <a:masterClrMapping/>
-  </p:clrMapOvr>
-</p:sld>
-</file>
-
 <file path=ppt/slides/slide16.xml><?xml version="1.0" encoding="utf-8"?>
 <p:sld xmlns:a="http://schemas.openxmlformats.org/drawingml/2006/main" xmlns:r="http://schemas.openxmlformats.org/officeDocument/2006/relationships" xmlns:p="http://schemas.openxmlformats.org/presentationml/2006/main">
   <p:cSld>
@@ -6925,7 +7629,7 @@
                 <a:ea typeface="Consolas" charset="0"/>
                 <a:cs typeface="Consolas" charset="0"/>
               </a:rPr>
-              <a:t>(*</a:t>
+              <a:t>*(</a:t>
             </a:r>
             <a:r>
               <a:rPr lang="en-US" sz="2800" dirty="0" err="1">
@@ -6947,7 +7651,7 @@
                 <a:ea typeface="Consolas" charset="0"/>
                 <a:cs typeface="Consolas" charset="0"/>
               </a:rPr>
-              <a:t>)++;</a:t>
+              <a:t>++) = 99;</a:t>
             </a:r>
           </a:p>
         </p:txBody>
@@ -7165,6 +7869,513 @@
                 <a:ea typeface="Consolas" charset="0"/>
                 <a:cs typeface="Consolas" charset="0"/>
               </a:rPr>
+              <a:t>1, 3, 99, 7</a:t>
+            </a:r>
+          </a:p>
+          <a:p>
+            <a:pPr marL="742950" indent="-742950">
+              <a:buFont typeface="+mj-lt"/>
+              <a:buAutoNum type="arabicPeriod"/>
+            </a:pPr>
+            <a:r>
+              <a:rPr lang="en-US" sz="3600" dirty="0">
+                <a:solidFill>
+                  <a:srgbClr val="F5A007"/>
+                </a:solidFill>
+                <a:latin typeface="Consolas" charset="0"/>
+                <a:ea typeface="Consolas" charset="0"/>
+                <a:cs typeface="Consolas" charset="0"/>
+              </a:rPr>
+              <a:t>1, 99, 5, 7</a:t>
+            </a:r>
+          </a:p>
+          <a:p>
+            <a:pPr marL="742950" indent="-742950">
+              <a:buFont typeface="+mj-lt"/>
+              <a:buAutoNum type="arabicPeriod"/>
+            </a:pPr>
+            <a:r>
+              <a:rPr lang="en-US" sz="3600" dirty="0">
+                <a:solidFill>
+                  <a:srgbClr val="F21AF1"/>
+                </a:solidFill>
+                <a:latin typeface="Consolas" charset="0"/>
+                <a:ea typeface="Consolas" charset="0"/>
+                <a:cs typeface="Consolas" charset="0"/>
+              </a:rPr>
+              <a:t>I don't know</a:t>
+            </a:r>
+          </a:p>
+        </p:txBody>
+      </p:sp>
+    </p:spTree>
+    <p:extLst>
+      <p:ext uri="{BB962C8B-B14F-4D97-AF65-F5344CB8AC3E}">
+        <p14:creationId xmlns:p14="http://schemas.microsoft.com/office/powerpoint/2010/main" val="1823333867"/>
+      </p:ext>
+    </p:extLst>
+  </p:cSld>
+  <p:clrMapOvr>
+    <a:masterClrMapping/>
+  </p:clrMapOvr>
+</p:sld>
+</file>
+
+<file path=ppt/slides/slide17.xml><?xml version="1.0" encoding="utf-8"?>
+<p:sld xmlns:a="http://schemas.openxmlformats.org/drawingml/2006/main" xmlns:r="http://schemas.openxmlformats.org/officeDocument/2006/relationships" xmlns:p="http://schemas.openxmlformats.org/presentationml/2006/main">
+  <p:cSld>
+    <p:spTree>
+      <p:nvGrpSpPr>
+        <p:cNvPr id="1" name=""/>
+        <p:cNvGrpSpPr/>
+        <p:nvPr/>
+      </p:nvGrpSpPr>
+      <p:grpSpPr>
+        <a:xfrm>
+          <a:off x="0" y="0"/>
+          <a:ext cx="0" cy="0"/>
+          <a:chOff x="0" y="0"/>
+          <a:chExt cx="0" cy="0"/>
+        </a:xfrm>
+      </p:grpSpPr>
+      <p:sp>
+        <p:nvSpPr>
+          <p:cNvPr id="7" name="Rectangle 6"/>
+          <p:cNvSpPr/>
+          <p:nvPr/>
+        </p:nvSpPr>
+        <p:spPr>
+          <a:xfrm>
+            <a:off x="0" y="0"/>
+            <a:ext cx="8441055" cy="6858000"/>
+          </a:xfrm>
+          <a:prstGeom prst="rect">
+            <a:avLst/>
+          </a:prstGeom>
+        </p:spPr>
+        <p:style>
+          <a:lnRef idx="2">
+            <a:schemeClr val="accent1">
+              <a:shade val="50000"/>
+            </a:schemeClr>
+          </a:lnRef>
+          <a:fillRef idx="1">
+            <a:schemeClr val="accent1"/>
+          </a:fillRef>
+          <a:effectRef idx="0">
+            <a:schemeClr val="accent1"/>
+          </a:effectRef>
+          <a:fontRef idx="minor">
+            <a:schemeClr val="lt1"/>
+          </a:fontRef>
+        </p:style>
+        <p:txBody>
+          <a:bodyPr rtlCol="0" anchor="ctr"/>
+          <a:lstStyle/>
+          <a:p>
+            <a:pPr algn="ctr"/>
+            <a:endParaRPr lang="en-US"/>
+          </a:p>
+        </p:txBody>
+      </p:sp>
+      <p:sp>
+        <p:nvSpPr>
+          <p:cNvPr id="2" name="Title 1"/>
+          <p:cNvSpPr>
+            <a:spLocks noGrp="1"/>
+          </p:cNvSpPr>
+          <p:nvPr>
+            <p:ph type="title"/>
+          </p:nvPr>
+        </p:nvSpPr>
+        <p:spPr>
+          <a:xfrm>
+            <a:off x="0" y="-76200"/>
+            <a:ext cx="8441055" cy="914400"/>
+          </a:xfrm>
+        </p:spPr>
+        <p:txBody>
+          <a:bodyPr>
+            <a:normAutofit/>
+          </a:bodyPr>
+          <a:lstStyle/>
+          <a:p>
+            <a:r>
+              <a:rPr lang="en-US" sz="3600" dirty="0">
+                <a:solidFill>
+                  <a:schemeClr val="bg1"/>
+                </a:solidFill>
+              </a:rPr>
+              <a:t>What is the state of the array?</a:t>
+            </a:r>
+          </a:p>
+        </p:txBody>
+      </p:sp>
+      <p:sp>
+        <p:nvSpPr>
+          <p:cNvPr id="3" name="Content Placeholder 2"/>
+          <p:cNvSpPr>
+            <a:spLocks noGrp="1"/>
+          </p:cNvSpPr>
+          <p:nvPr>
+            <p:ph idx="1"/>
+          </p:nvPr>
+        </p:nvSpPr>
+        <p:spPr>
+          <a:xfrm>
+            <a:off x="228600" y="1249362"/>
+            <a:ext cx="7239000" cy="2173720"/>
+          </a:xfrm>
+        </p:spPr>
+        <p:txBody>
+          <a:bodyPr>
+            <a:normAutofit/>
+          </a:bodyPr>
+          <a:lstStyle/>
+          <a:p>
+            <a:pPr>
+              <a:spcBef>
+                <a:spcPts val="0"/>
+              </a:spcBef>
+              <a:spcAft>
+                <a:spcPts val="0"/>
+              </a:spcAft>
+            </a:pPr>
+            <a:r>
+              <a:rPr lang="en-US" sz="2800" dirty="0" err="1">
+                <a:solidFill>
+                  <a:schemeClr val="bg1"/>
+                </a:solidFill>
+                <a:latin typeface="Consolas" charset="0"/>
+                <a:ea typeface="Consolas" charset="0"/>
+                <a:cs typeface="Consolas" charset="0"/>
+              </a:rPr>
+              <a:t>int</a:t>
+            </a:r>
+            <a:r>
+              <a:rPr lang="en-US" sz="2800" dirty="0">
+                <a:solidFill>
+                  <a:schemeClr val="bg1"/>
+                </a:solidFill>
+                <a:latin typeface="Consolas" charset="0"/>
+                <a:ea typeface="Consolas" charset="0"/>
+                <a:cs typeface="Consolas" charset="0"/>
+              </a:rPr>
+              <a:t> array[] = {1, 3, 5, 7};</a:t>
+            </a:r>
+          </a:p>
+          <a:p>
+            <a:pPr>
+              <a:spcBef>
+                <a:spcPts val="0"/>
+              </a:spcBef>
+              <a:spcAft>
+                <a:spcPts val="0"/>
+              </a:spcAft>
+            </a:pPr>
+            <a:r>
+              <a:rPr lang="en-US" sz="2800" dirty="0" err="1">
+                <a:solidFill>
+                  <a:schemeClr val="bg1"/>
+                </a:solidFill>
+                <a:latin typeface="Consolas" charset="0"/>
+                <a:ea typeface="Consolas" charset="0"/>
+                <a:cs typeface="Consolas" charset="0"/>
+              </a:rPr>
+              <a:t>int</a:t>
+            </a:r>
+            <a:r>
+              <a:rPr lang="en-US" sz="2800" dirty="0">
+                <a:solidFill>
+                  <a:schemeClr val="bg1"/>
+                </a:solidFill>
+                <a:latin typeface="Consolas" charset="0"/>
+                <a:ea typeface="Consolas" charset="0"/>
+                <a:cs typeface="Consolas" charset="0"/>
+              </a:rPr>
+              <a:t> * </a:t>
+            </a:r>
+            <a:r>
+              <a:rPr lang="en-US" sz="2800" dirty="0" err="1">
+                <a:solidFill>
+                  <a:schemeClr val="bg1"/>
+                </a:solidFill>
+                <a:latin typeface="Consolas" charset="0"/>
+                <a:ea typeface="Consolas" charset="0"/>
+                <a:cs typeface="Consolas" charset="0"/>
+              </a:rPr>
+              <a:t>ptr</a:t>
+            </a:r>
+            <a:r>
+              <a:rPr lang="en-US" sz="2800" dirty="0">
+                <a:solidFill>
+                  <a:schemeClr val="bg1"/>
+                </a:solidFill>
+                <a:latin typeface="Consolas" charset="0"/>
+                <a:ea typeface="Consolas" charset="0"/>
+                <a:cs typeface="Consolas" charset="0"/>
+              </a:rPr>
+              <a:t> = &amp;array[1];</a:t>
+            </a:r>
+          </a:p>
+          <a:p>
+            <a:pPr>
+              <a:spcBef>
+                <a:spcPts val="0"/>
+              </a:spcBef>
+              <a:spcAft>
+                <a:spcPts val="0"/>
+              </a:spcAft>
+            </a:pPr>
+            <a:r>
+              <a:rPr lang="en-US" sz="2800" dirty="0">
+                <a:solidFill>
+                  <a:schemeClr val="bg1"/>
+                </a:solidFill>
+                <a:latin typeface="Consolas" charset="0"/>
+                <a:ea typeface="Consolas" charset="0"/>
+                <a:cs typeface="Consolas" charset="0"/>
+              </a:rPr>
+              <a:t>(*</a:t>
+            </a:r>
+            <a:r>
+              <a:rPr lang="en-US" sz="2800" dirty="0" err="1">
+                <a:solidFill>
+                  <a:schemeClr val="bg1"/>
+                </a:solidFill>
+                <a:latin typeface="Consolas" charset="0"/>
+                <a:ea typeface="Consolas" charset="0"/>
+                <a:cs typeface="Consolas" charset="0"/>
+              </a:rPr>
+              <a:t>ptr</a:t>
+            </a:r>
+            <a:r>
+              <a:rPr lang="en-US" sz="2800" dirty="0">
+                <a:solidFill>
+                  <a:schemeClr val="bg1"/>
+                </a:solidFill>
+                <a:latin typeface="Consolas" charset="0"/>
+                <a:ea typeface="Consolas" charset="0"/>
+                <a:cs typeface="Consolas" charset="0"/>
+              </a:rPr>
+              <a:t>)++;</a:t>
+            </a:r>
+          </a:p>
+        </p:txBody>
+      </p:sp>
+      <p:sp>
+        <p:nvSpPr>
+          <p:cNvPr id="12" name="Slide Number Placeholder 11"/>
+          <p:cNvSpPr>
+            <a:spLocks noGrp="1"/>
+          </p:cNvSpPr>
+          <p:nvPr>
+            <p:ph type="sldNum" sz="quarter" idx="12"/>
+          </p:nvPr>
+        </p:nvSpPr>
+        <p:spPr/>
+        <p:txBody>
+          <a:bodyPr/>
+          <a:lstStyle/>
+          <a:p>
+            <a:fld id="{B6F15528-21DE-4FAA-801E-634DDDAF4B2B}" type="slidenum">
+              <a:rPr lang="en-US" smtClean="0"/>
+              <a:pPr/>
+              <a:t>17</a:t>
+            </a:fld>
+            <a:endParaRPr lang="en-US" dirty="0"/>
+          </a:p>
+        </p:txBody>
+      </p:sp>
+      <p:sp>
+        <p:nvSpPr>
+          <p:cNvPr id="6" name="Content Placeholder 2"/>
+          <p:cNvSpPr txBox="1">
+            <a:spLocks/>
+          </p:cNvSpPr>
+          <p:nvPr/>
+        </p:nvSpPr>
+        <p:spPr>
+          <a:xfrm>
+            <a:off x="256082" y="3423082"/>
+            <a:ext cx="8394383" cy="2755035"/>
+          </a:xfrm>
+          <a:prstGeom prst="rect">
+            <a:avLst/>
+          </a:prstGeom>
+        </p:spPr>
+        <p:txBody>
+          <a:bodyPr vert="horz" lIns="91440" tIns="45720" rIns="91440" bIns="45720" rtlCol="0">
+            <a:normAutofit/>
+          </a:bodyPr>
+          <a:lstStyle>
+            <a:lvl1pPr marL="342900" indent="-342900" algn="l" defTabSz="914400" rtl="0" eaLnBrk="1" latinLnBrk="0" hangingPunct="1">
+              <a:spcBef>
+                <a:spcPct val="20000"/>
+              </a:spcBef>
+              <a:buFont typeface="Arial" pitchFamily="34" charset="0"/>
+              <a:buChar char="•"/>
+              <a:defRPr sz="3200" kern="1200">
+                <a:solidFill>
+                  <a:schemeClr val="tx1"/>
+                </a:solidFill>
+                <a:latin typeface="+mn-lt"/>
+                <a:ea typeface="+mn-ea"/>
+                <a:cs typeface="+mn-cs"/>
+              </a:defRPr>
+            </a:lvl1pPr>
+            <a:lvl2pPr marL="742950" indent="-285750" algn="l" defTabSz="914400" rtl="0" eaLnBrk="1" latinLnBrk="0" hangingPunct="1">
+              <a:spcBef>
+                <a:spcPct val="20000"/>
+              </a:spcBef>
+              <a:buFont typeface="Arial" pitchFamily="34" charset="0"/>
+              <a:buChar char="–"/>
+              <a:defRPr sz="2800" kern="1200">
+                <a:solidFill>
+                  <a:schemeClr val="tx1"/>
+                </a:solidFill>
+                <a:latin typeface="+mn-lt"/>
+                <a:ea typeface="+mn-ea"/>
+                <a:cs typeface="+mn-cs"/>
+              </a:defRPr>
+            </a:lvl2pPr>
+            <a:lvl3pPr marL="1143000" indent="-228600" algn="l" defTabSz="914400" rtl="0" eaLnBrk="1" latinLnBrk="0" hangingPunct="1">
+              <a:spcBef>
+                <a:spcPct val="20000"/>
+              </a:spcBef>
+              <a:buFont typeface="Arial" pitchFamily="34" charset="0"/>
+              <a:buChar char="•"/>
+              <a:defRPr sz="2400" kern="1200">
+                <a:solidFill>
+                  <a:schemeClr val="tx1"/>
+                </a:solidFill>
+                <a:latin typeface="+mn-lt"/>
+                <a:ea typeface="+mn-ea"/>
+                <a:cs typeface="+mn-cs"/>
+              </a:defRPr>
+            </a:lvl3pPr>
+            <a:lvl4pPr marL="1600200" indent="-228600" algn="l" defTabSz="914400" rtl="0" eaLnBrk="1" latinLnBrk="0" hangingPunct="1">
+              <a:spcBef>
+                <a:spcPct val="20000"/>
+              </a:spcBef>
+              <a:buFont typeface="Arial" pitchFamily="34" charset="0"/>
+              <a:buChar char="–"/>
+              <a:defRPr sz="2000" kern="1200">
+                <a:solidFill>
+                  <a:schemeClr val="tx1"/>
+                </a:solidFill>
+                <a:latin typeface="+mn-lt"/>
+                <a:ea typeface="+mn-ea"/>
+                <a:cs typeface="+mn-cs"/>
+              </a:defRPr>
+            </a:lvl4pPr>
+            <a:lvl5pPr marL="2057400" indent="-228600" algn="l" defTabSz="914400" rtl="0" eaLnBrk="1" latinLnBrk="0" hangingPunct="1">
+              <a:spcBef>
+                <a:spcPct val="20000"/>
+              </a:spcBef>
+              <a:buFont typeface="Arial" pitchFamily="34" charset="0"/>
+              <a:buChar char="»"/>
+              <a:defRPr sz="2000" kern="1200">
+                <a:solidFill>
+                  <a:schemeClr val="tx1"/>
+                </a:solidFill>
+                <a:latin typeface="+mn-lt"/>
+                <a:ea typeface="+mn-ea"/>
+                <a:cs typeface="+mn-cs"/>
+              </a:defRPr>
+            </a:lvl5pPr>
+            <a:lvl6pPr marL="2514600" indent="-228600" algn="l" defTabSz="914400" rtl="0" eaLnBrk="1" latinLnBrk="0" hangingPunct="1">
+              <a:spcBef>
+                <a:spcPct val="20000"/>
+              </a:spcBef>
+              <a:buFont typeface="Arial" pitchFamily="34" charset="0"/>
+              <a:buChar char="•"/>
+              <a:defRPr sz="2000" kern="1200">
+                <a:solidFill>
+                  <a:schemeClr val="tx1"/>
+                </a:solidFill>
+                <a:latin typeface="+mn-lt"/>
+                <a:ea typeface="+mn-ea"/>
+                <a:cs typeface="+mn-cs"/>
+              </a:defRPr>
+            </a:lvl6pPr>
+            <a:lvl7pPr marL="2971800" indent="-228600" algn="l" defTabSz="914400" rtl="0" eaLnBrk="1" latinLnBrk="0" hangingPunct="1">
+              <a:spcBef>
+                <a:spcPct val="20000"/>
+              </a:spcBef>
+              <a:buFont typeface="Arial" pitchFamily="34" charset="0"/>
+              <a:buChar char="•"/>
+              <a:defRPr sz="2000" kern="1200">
+                <a:solidFill>
+                  <a:schemeClr val="tx1"/>
+                </a:solidFill>
+                <a:latin typeface="+mn-lt"/>
+                <a:ea typeface="+mn-ea"/>
+                <a:cs typeface="+mn-cs"/>
+              </a:defRPr>
+            </a:lvl7pPr>
+            <a:lvl8pPr marL="3429000" indent="-228600" algn="l" defTabSz="914400" rtl="0" eaLnBrk="1" latinLnBrk="0" hangingPunct="1">
+              <a:spcBef>
+                <a:spcPct val="20000"/>
+              </a:spcBef>
+              <a:buFont typeface="Arial" pitchFamily="34" charset="0"/>
+              <a:buChar char="•"/>
+              <a:defRPr sz="2000" kern="1200">
+                <a:solidFill>
+                  <a:schemeClr val="tx1"/>
+                </a:solidFill>
+                <a:latin typeface="+mn-lt"/>
+                <a:ea typeface="+mn-ea"/>
+                <a:cs typeface="+mn-cs"/>
+              </a:defRPr>
+            </a:lvl8pPr>
+            <a:lvl9pPr marL="3886200" indent="-228600" algn="l" defTabSz="914400" rtl="0" eaLnBrk="1" latinLnBrk="0" hangingPunct="1">
+              <a:spcBef>
+                <a:spcPct val="20000"/>
+              </a:spcBef>
+              <a:buFont typeface="Arial" pitchFamily="34" charset="0"/>
+              <a:buChar char="•"/>
+              <a:defRPr sz="2000" kern="1200">
+                <a:solidFill>
+                  <a:schemeClr val="tx1"/>
+                </a:solidFill>
+                <a:latin typeface="+mn-lt"/>
+                <a:ea typeface="+mn-ea"/>
+                <a:cs typeface="+mn-cs"/>
+              </a:defRPr>
+            </a:lvl9pPr>
+          </a:lstStyle>
+          <a:p>
+            <a:pPr marL="742950" indent="-742950">
+              <a:buFont typeface="+mj-lt"/>
+              <a:buAutoNum type="arabicPeriod"/>
+            </a:pPr>
+            <a:r>
+              <a:rPr lang="en-US" sz="3600" dirty="0">
+                <a:solidFill>
+                  <a:srgbClr val="0CFA02"/>
+                </a:solidFill>
+                <a:latin typeface="Consolas" charset="0"/>
+                <a:ea typeface="Consolas" charset="0"/>
+                <a:cs typeface="Consolas" charset="0"/>
+              </a:rPr>
+              <a:t>Error</a:t>
+            </a:r>
+          </a:p>
+          <a:p>
+            <a:pPr marL="742950" indent="-742950">
+              <a:buFont typeface="+mj-lt"/>
+              <a:buAutoNum type="arabicPeriod"/>
+            </a:pPr>
+            <a:r>
+              <a:rPr lang="en-US" sz="3600" dirty="0">
+                <a:solidFill>
+                  <a:srgbClr val="FEFB01"/>
+                </a:solidFill>
+                <a:latin typeface="Consolas" charset="0"/>
+                <a:ea typeface="Consolas" charset="0"/>
+                <a:cs typeface="Consolas" charset="0"/>
+              </a:rPr>
               <a:t>1, 3, 5, 7</a:t>
             </a:r>
           </a:p>
@@ -7217,7 +8428,7 @@
 </p:sld>
 </file>
 
-<file path=ppt/slides/slide17.xml><?xml version="1.0" encoding="utf-8"?>
+<file path=ppt/slides/slide18.xml><?xml version="1.0" encoding="utf-8"?>
 <p:sld xmlns:a="http://schemas.openxmlformats.org/drawingml/2006/main" xmlns:r="http://schemas.openxmlformats.org/officeDocument/2006/relationships" xmlns:p="http://schemas.openxmlformats.org/presentationml/2006/main">
   <p:cSld>
     <p:spTree>
@@ -7298,7 +8509,7 @@
             <a:fld id="{B6F15528-21DE-4FAA-801E-634DDDAF4B2B}" type="slidenum">
               <a:rPr lang="en-US" smtClean="0"/>
               <a:pPr/>
-              <a:t>17</a:t>
+              <a:t>18</a:t>
             </a:fld>
             <a:endParaRPr lang="en-US" dirty="0"/>
           </a:p>
@@ -8195,7 +9406,7 @@
 </p:sld>
 </file>
 
-<file path=ppt/slides/slide18.xml><?xml version="1.0" encoding="utf-8"?>
+<file path=ppt/slides/slide19.xml><?xml version="1.0" encoding="utf-8"?>
 <p:sld xmlns:a="http://schemas.openxmlformats.org/drawingml/2006/main" xmlns:r="http://schemas.openxmlformats.org/officeDocument/2006/relationships" xmlns:p="http://schemas.openxmlformats.org/presentationml/2006/main">
   <p:cSld>
     <p:spTree>
@@ -8252,7 +9463,7 @@
             <a:fld id="{B6F15528-21DE-4FAA-801E-634DDDAF4B2B}" type="slidenum">
               <a:rPr lang="en-US" smtClean="0"/>
               <a:pPr/>
-              <a:t>18</a:t>
+              <a:t>19</a:t>
             </a:fld>
             <a:endParaRPr lang="en-US" dirty="0"/>
           </a:p>
@@ -9328,513 +10539,6 @@
       <p:bldP spid="20" grpId="0" animBg="1"/>
     </p:bldLst>
   </p:timing>
-</p:sld>
-</file>
-
-<file path=ppt/slides/slide19.xml><?xml version="1.0" encoding="utf-8"?>
-<p:sld xmlns:a="http://schemas.openxmlformats.org/drawingml/2006/main" xmlns:r="http://schemas.openxmlformats.org/officeDocument/2006/relationships" xmlns:p="http://schemas.openxmlformats.org/presentationml/2006/main">
-  <p:cSld>
-    <p:spTree>
-      <p:nvGrpSpPr>
-        <p:cNvPr id="1" name=""/>
-        <p:cNvGrpSpPr/>
-        <p:nvPr/>
-      </p:nvGrpSpPr>
-      <p:grpSpPr>
-        <a:xfrm>
-          <a:off x="0" y="0"/>
-          <a:ext cx="0" cy="0"/>
-          <a:chOff x="0" y="0"/>
-          <a:chExt cx="0" cy="0"/>
-        </a:xfrm>
-      </p:grpSpPr>
-      <p:sp>
-        <p:nvSpPr>
-          <p:cNvPr id="7" name="Rectangle 6"/>
-          <p:cNvSpPr/>
-          <p:nvPr/>
-        </p:nvSpPr>
-        <p:spPr>
-          <a:xfrm>
-            <a:off x="0" y="0"/>
-            <a:ext cx="8441055" cy="6858000"/>
-          </a:xfrm>
-          <a:prstGeom prst="rect">
-            <a:avLst/>
-          </a:prstGeom>
-        </p:spPr>
-        <p:style>
-          <a:lnRef idx="2">
-            <a:schemeClr val="accent1">
-              <a:shade val="50000"/>
-            </a:schemeClr>
-          </a:lnRef>
-          <a:fillRef idx="1">
-            <a:schemeClr val="accent1"/>
-          </a:fillRef>
-          <a:effectRef idx="0">
-            <a:schemeClr val="accent1"/>
-          </a:effectRef>
-          <a:fontRef idx="minor">
-            <a:schemeClr val="lt1"/>
-          </a:fontRef>
-        </p:style>
-        <p:txBody>
-          <a:bodyPr rtlCol="0" anchor="ctr"/>
-          <a:lstStyle/>
-          <a:p>
-            <a:pPr algn="ctr"/>
-            <a:endParaRPr lang="en-US"/>
-          </a:p>
-        </p:txBody>
-      </p:sp>
-      <p:sp>
-        <p:nvSpPr>
-          <p:cNvPr id="2" name="Title 1"/>
-          <p:cNvSpPr>
-            <a:spLocks noGrp="1"/>
-          </p:cNvSpPr>
-          <p:nvPr>
-            <p:ph type="title"/>
-          </p:nvPr>
-        </p:nvSpPr>
-        <p:spPr>
-          <a:xfrm>
-            <a:off x="0" y="-76200"/>
-            <a:ext cx="8441055" cy="914400"/>
-          </a:xfrm>
-        </p:spPr>
-        <p:txBody>
-          <a:bodyPr>
-            <a:normAutofit/>
-          </a:bodyPr>
-          <a:lstStyle/>
-          <a:p>
-            <a:r>
-              <a:rPr lang="en-US" sz="3600" dirty="0">
-                <a:solidFill>
-                  <a:schemeClr val="bg1"/>
-                </a:solidFill>
-              </a:rPr>
-              <a:t>What is the state of the array?</a:t>
-            </a:r>
-          </a:p>
-        </p:txBody>
-      </p:sp>
-      <p:sp>
-        <p:nvSpPr>
-          <p:cNvPr id="3" name="Content Placeholder 2"/>
-          <p:cNvSpPr>
-            <a:spLocks noGrp="1"/>
-          </p:cNvSpPr>
-          <p:nvPr>
-            <p:ph idx="1"/>
-          </p:nvPr>
-        </p:nvSpPr>
-        <p:spPr>
-          <a:xfrm>
-            <a:off x="228600" y="1249362"/>
-            <a:ext cx="7239000" cy="2173720"/>
-          </a:xfrm>
-        </p:spPr>
-        <p:txBody>
-          <a:bodyPr>
-            <a:normAutofit/>
-          </a:bodyPr>
-          <a:lstStyle/>
-          <a:p>
-            <a:pPr>
-              <a:spcBef>
-                <a:spcPts val="0"/>
-              </a:spcBef>
-              <a:spcAft>
-                <a:spcPts val="0"/>
-              </a:spcAft>
-            </a:pPr>
-            <a:r>
-              <a:rPr lang="en-US" sz="2800" dirty="0" err="1">
-                <a:solidFill>
-                  <a:schemeClr val="bg1"/>
-                </a:solidFill>
-                <a:latin typeface="Consolas" charset="0"/>
-                <a:ea typeface="Consolas" charset="0"/>
-                <a:cs typeface="Consolas" charset="0"/>
-              </a:rPr>
-              <a:t>int</a:t>
-            </a:r>
-            <a:r>
-              <a:rPr lang="en-US" sz="2800" dirty="0">
-                <a:solidFill>
-                  <a:schemeClr val="bg1"/>
-                </a:solidFill>
-                <a:latin typeface="Consolas" charset="0"/>
-                <a:ea typeface="Consolas" charset="0"/>
-                <a:cs typeface="Consolas" charset="0"/>
-              </a:rPr>
-              <a:t> array[] = {1, 3, 5, 7};</a:t>
-            </a:r>
-          </a:p>
-          <a:p>
-            <a:pPr>
-              <a:spcBef>
-                <a:spcPts val="0"/>
-              </a:spcBef>
-              <a:spcAft>
-                <a:spcPts val="0"/>
-              </a:spcAft>
-            </a:pPr>
-            <a:r>
-              <a:rPr lang="en-US" sz="2800" dirty="0" err="1">
-                <a:solidFill>
-                  <a:schemeClr val="bg1"/>
-                </a:solidFill>
-                <a:latin typeface="Consolas" charset="0"/>
-                <a:ea typeface="Consolas" charset="0"/>
-                <a:cs typeface="Consolas" charset="0"/>
-              </a:rPr>
-              <a:t>int</a:t>
-            </a:r>
-            <a:r>
-              <a:rPr lang="en-US" sz="2800" dirty="0">
-                <a:solidFill>
-                  <a:schemeClr val="bg1"/>
-                </a:solidFill>
-                <a:latin typeface="Consolas" charset="0"/>
-                <a:ea typeface="Consolas" charset="0"/>
-                <a:cs typeface="Consolas" charset="0"/>
-              </a:rPr>
-              <a:t> * </a:t>
-            </a:r>
-            <a:r>
-              <a:rPr lang="en-US" sz="2800" dirty="0" err="1">
-                <a:solidFill>
-                  <a:schemeClr val="bg1"/>
-                </a:solidFill>
-                <a:latin typeface="Consolas" charset="0"/>
-                <a:ea typeface="Consolas" charset="0"/>
-                <a:cs typeface="Consolas" charset="0"/>
-              </a:rPr>
-              <a:t>ptr</a:t>
-            </a:r>
-            <a:r>
-              <a:rPr lang="en-US" sz="2800" dirty="0">
-                <a:solidFill>
-                  <a:schemeClr val="bg1"/>
-                </a:solidFill>
-                <a:latin typeface="Consolas" charset="0"/>
-                <a:ea typeface="Consolas" charset="0"/>
-                <a:cs typeface="Consolas" charset="0"/>
-              </a:rPr>
-              <a:t> = &amp;array[1];</a:t>
-            </a:r>
-          </a:p>
-          <a:p>
-            <a:pPr>
-              <a:spcBef>
-                <a:spcPts val="0"/>
-              </a:spcBef>
-              <a:spcAft>
-                <a:spcPts val="0"/>
-              </a:spcAft>
-            </a:pPr>
-            <a:r>
-              <a:rPr lang="en-US" sz="2800" dirty="0">
-                <a:solidFill>
-                  <a:schemeClr val="bg1"/>
-                </a:solidFill>
-                <a:latin typeface="Consolas" charset="0"/>
-                <a:ea typeface="Consolas" charset="0"/>
-                <a:cs typeface="Consolas" charset="0"/>
-              </a:rPr>
-              <a:t>array = </a:t>
-            </a:r>
-            <a:r>
-              <a:rPr lang="en-US" sz="2800" dirty="0" err="1">
-                <a:solidFill>
-                  <a:schemeClr val="bg1"/>
-                </a:solidFill>
-                <a:latin typeface="Consolas" charset="0"/>
-                <a:ea typeface="Consolas" charset="0"/>
-                <a:cs typeface="Consolas" charset="0"/>
-              </a:rPr>
-              <a:t>ptr</a:t>
-            </a:r>
-            <a:r>
-              <a:rPr lang="en-US" sz="2800" dirty="0">
-                <a:solidFill>
-                  <a:schemeClr val="bg1"/>
-                </a:solidFill>
-                <a:latin typeface="Consolas" charset="0"/>
-                <a:ea typeface="Consolas" charset="0"/>
-                <a:cs typeface="Consolas" charset="0"/>
-              </a:rPr>
-              <a:t>;</a:t>
-            </a:r>
-          </a:p>
-        </p:txBody>
-      </p:sp>
-      <p:sp>
-        <p:nvSpPr>
-          <p:cNvPr id="12" name="Slide Number Placeholder 11"/>
-          <p:cNvSpPr>
-            <a:spLocks noGrp="1"/>
-          </p:cNvSpPr>
-          <p:nvPr>
-            <p:ph type="sldNum" sz="quarter" idx="12"/>
-          </p:nvPr>
-        </p:nvSpPr>
-        <p:spPr/>
-        <p:txBody>
-          <a:bodyPr/>
-          <a:lstStyle/>
-          <a:p>
-            <a:fld id="{B6F15528-21DE-4FAA-801E-634DDDAF4B2B}" type="slidenum">
-              <a:rPr lang="en-US" smtClean="0"/>
-              <a:pPr/>
-              <a:t>19</a:t>
-            </a:fld>
-            <a:endParaRPr lang="en-US" dirty="0"/>
-          </a:p>
-        </p:txBody>
-      </p:sp>
-      <p:sp>
-        <p:nvSpPr>
-          <p:cNvPr id="6" name="Content Placeholder 2"/>
-          <p:cNvSpPr txBox="1">
-            <a:spLocks/>
-          </p:cNvSpPr>
-          <p:nvPr/>
-        </p:nvSpPr>
-        <p:spPr>
-          <a:xfrm>
-            <a:off x="256082" y="3423082"/>
-            <a:ext cx="8394383" cy="2755035"/>
-          </a:xfrm>
-          <a:prstGeom prst="rect">
-            <a:avLst/>
-          </a:prstGeom>
-        </p:spPr>
-        <p:txBody>
-          <a:bodyPr vert="horz" lIns="91440" tIns="45720" rIns="91440" bIns="45720" rtlCol="0">
-            <a:normAutofit/>
-          </a:bodyPr>
-          <a:lstStyle>
-            <a:lvl1pPr marL="342900" indent="-342900" algn="l" defTabSz="914400" rtl="0" eaLnBrk="1" latinLnBrk="0" hangingPunct="1">
-              <a:spcBef>
-                <a:spcPct val="20000"/>
-              </a:spcBef>
-              <a:buFont typeface="Arial" pitchFamily="34" charset="0"/>
-              <a:buChar char="•"/>
-              <a:defRPr sz="3200" kern="1200">
-                <a:solidFill>
-                  <a:schemeClr val="tx1"/>
-                </a:solidFill>
-                <a:latin typeface="+mn-lt"/>
-                <a:ea typeface="+mn-ea"/>
-                <a:cs typeface="+mn-cs"/>
-              </a:defRPr>
-            </a:lvl1pPr>
-            <a:lvl2pPr marL="742950" indent="-285750" algn="l" defTabSz="914400" rtl="0" eaLnBrk="1" latinLnBrk="0" hangingPunct="1">
-              <a:spcBef>
-                <a:spcPct val="20000"/>
-              </a:spcBef>
-              <a:buFont typeface="Arial" pitchFamily="34" charset="0"/>
-              <a:buChar char="–"/>
-              <a:defRPr sz="2800" kern="1200">
-                <a:solidFill>
-                  <a:schemeClr val="tx1"/>
-                </a:solidFill>
-                <a:latin typeface="+mn-lt"/>
-                <a:ea typeface="+mn-ea"/>
-                <a:cs typeface="+mn-cs"/>
-              </a:defRPr>
-            </a:lvl2pPr>
-            <a:lvl3pPr marL="1143000" indent="-228600" algn="l" defTabSz="914400" rtl="0" eaLnBrk="1" latinLnBrk="0" hangingPunct="1">
-              <a:spcBef>
-                <a:spcPct val="20000"/>
-              </a:spcBef>
-              <a:buFont typeface="Arial" pitchFamily="34" charset="0"/>
-              <a:buChar char="•"/>
-              <a:defRPr sz="2400" kern="1200">
-                <a:solidFill>
-                  <a:schemeClr val="tx1"/>
-                </a:solidFill>
-                <a:latin typeface="+mn-lt"/>
-                <a:ea typeface="+mn-ea"/>
-                <a:cs typeface="+mn-cs"/>
-              </a:defRPr>
-            </a:lvl3pPr>
-            <a:lvl4pPr marL="1600200" indent="-228600" algn="l" defTabSz="914400" rtl="0" eaLnBrk="1" latinLnBrk="0" hangingPunct="1">
-              <a:spcBef>
-                <a:spcPct val="20000"/>
-              </a:spcBef>
-              <a:buFont typeface="Arial" pitchFamily="34" charset="0"/>
-              <a:buChar char="–"/>
-              <a:defRPr sz="2000" kern="1200">
-                <a:solidFill>
-                  <a:schemeClr val="tx1"/>
-                </a:solidFill>
-                <a:latin typeface="+mn-lt"/>
-                <a:ea typeface="+mn-ea"/>
-                <a:cs typeface="+mn-cs"/>
-              </a:defRPr>
-            </a:lvl4pPr>
-            <a:lvl5pPr marL="2057400" indent="-228600" algn="l" defTabSz="914400" rtl="0" eaLnBrk="1" latinLnBrk="0" hangingPunct="1">
-              <a:spcBef>
-                <a:spcPct val="20000"/>
-              </a:spcBef>
-              <a:buFont typeface="Arial" pitchFamily="34" charset="0"/>
-              <a:buChar char="»"/>
-              <a:defRPr sz="2000" kern="1200">
-                <a:solidFill>
-                  <a:schemeClr val="tx1"/>
-                </a:solidFill>
-                <a:latin typeface="+mn-lt"/>
-                <a:ea typeface="+mn-ea"/>
-                <a:cs typeface="+mn-cs"/>
-              </a:defRPr>
-            </a:lvl5pPr>
-            <a:lvl6pPr marL="2514600" indent="-228600" algn="l" defTabSz="914400" rtl="0" eaLnBrk="1" latinLnBrk="0" hangingPunct="1">
-              <a:spcBef>
-                <a:spcPct val="20000"/>
-              </a:spcBef>
-              <a:buFont typeface="Arial" pitchFamily="34" charset="0"/>
-              <a:buChar char="•"/>
-              <a:defRPr sz="2000" kern="1200">
-                <a:solidFill>
-                  <a:schemeClr val="tx1"/>
-                </a:solidFill>
-                <a:latin typeface="+mn-lt"/>
-                <a:ea typeface="+mn-ea"/>
-                <a:cs typeface="+mn-cs"/>
-              </a:defRPr>
-            </a:lvl6pPr>
-            <a:lvl7pPr marL="2971800" indent="-228600" algn="l" defTabSz="914400" rtl="0" eaLnBrk="1" latinLnBrk="0" hangingPunct="1">
-              <a:spcBef>
-                <a:spcPct val="20000"/>
-              </a:spcBef>
-              <a:buFont typeface="Arial" pitchFamily="34" charset="0"/>
-              <a:buChar char="•"/>
-              <a:defRPr sz="2000" kern="1200">
-                <a:solidFill>
-                  <a:schemeClr val="tx1"/>
-                </a:solidFill>
-                <a:latin typeface="+mn-lt"/>
-                <a:ea typeface="+mn-ea"/>
-                <a:cs typeface="+mn-cs"/>
-              </a:defRPr>
-            </a:lvl7pPr>
-            <a:lvl8pPr marL="3429000" indent="-228600" algn="l" defTabSz="914400" rtl="0" eaLnBrk="1" latinLnBrk="0" hangingPunct="1">
-              <a:spcBef>
-                <a:spcPct val="20000"/>
-              </a:spcBef>
-              <a:buFont typeface="Arial" pitchFamily="34" charset="0"/>
-              <a:buChar char="•"/>
-              <a:defRPr sz="2000" kern="1200">
-                <a:solidFill>
-                  <a:schemeClr val="tx1"/>
-                </a:solidFill>
-                <a:latin typeface="+mn-lt"/>
-                <a:ea typeface="+mn-ea"/>
-                <a:cs typeface="+mn-cs"/>
-              </a:defRPr>
-            </a:lvl8pPr>
-            <a:lvl9pPr marL="3886200" indent="-228600" algn="l" defTabSz="914400" rtl="0" eaLnBrk="1" latinLnBrk="0" hangingPunct="1">
-              <a:spcBef>
-                <a:spcPct val="20000"/>
-              </a:spcBef>
-              <a:buFont typeface="Arial" pitchFamily="34" charset="0"/>
-              <a:buChar char="•"/>
-              <a:defRPr sz="2000" kern="1200">
-                <a:solidFill>
-                  <a:schemeClr val="tx1"/>
-                </a:solidFill>
-                <a:latin typeface="+mn-lt"/>
-                <a:ea typeface="+mn-ea"/>
-                <a:cs typeface="+mn-cs"/>
-              </a:defRPr>
-            </a:lvl9pPr>
-          </a:lstStyle>
-          <a:p>
-            <a:pPr marL="742950" indent="-742950">
-              <a:buFont typeface="+mj-lt"/>
-              <a:buAutoNum type="arabicPeriod"/>
-            </a:pPr>
-            <a:r>
-              <a:rPr lang="en-US" sz="3600" dirty="0">
-                <a:solidFill>
-                  <a:srgbClr val="0CFA02"/>
-                </a:solidFill>
-                <a:latin typeface="Consolas" charset="0"/>
-                <a:ea typeface="Consolas" charset="0"/>
-                <a:cs typeface="Consolas" charset="0"/>
-              </a:rPr>
-              <a:t>Error</a:t>
-            </a:r>
-          </a:p>
-          <a:p>
-            <a:pPr marL="742950" indent="-742950">
-              <a:buFont typeface="+mj-lt"/>
-              <a:buAutoNum type="arabicPeriod"/>
-            </a:pPr>
-            <a:r>
-              <a:rPr lang="en-US" sz="3600" dirty="0">
-                <a:solidFill>
-                  <a:srgbClr val="FEFB01"/>
-                </a:solidFill>
-                <a:latin typeface="Consolas" charset="0"/>
-                <a:ea typeface="Consolas" charset="0"/>
-                <a:cs typeface="Consolas" charset="0"/>
-              </a:rPr>
-              <a:t>3, 5, 7</a:t>
-            </a:r>
-          </a:p>
-          <a:p>
-            <a:pPr marL="742950" indent="-742950">
-              <a:buFont typeface="+mj-lt"/>
-              <a:buAutoNum type="arabicPeriod"/>
-            </a:pPr>
-            <a:r>
-              <a:rPr lang="en-US" sz="3600" dirty="0">
-                <a:solidFill>
-                  <a:srgbClr val="F5A007"/>
-                </a:solidFill>
-                <a:latin typeface="Consolas" charset="0"/>
-                <a:ea typeface="Consolas" charset="0"/>
-                <a:cs typeface="Consolas" charset="0"/>
-              </a:rPr>
-              <a:t>1, 3, 5</a:t>
-            </a:r>
-          </a:p>
-          <a:p>
-            <a:pPr marL="742950" indent="-742950">
-              <a:buFont typeface="+mj-lt"/>
-              <a:buAutoNum type="arabicPeriod"/>
-            </a:pPr>
-            <a:r>
-              <a:rPr lang="en-US" sz="3600" dirty="0">
-                <a:solidFill>
-                  <a:srgbClr val="F21AF1"/>
-                </a:solidFill>
-                <a:latin typeface="Consolas" charset="0"/>
-                <a:ea typeface="Consolas" charset="0"/>
-                <a:cs typeface="Consolas" charset="0"/>
-              </a:rPr>
-              <a:t>I don't know</a:t>
-            </a:r>
-          </a:p>
-        </p:txBody>
-      </p:sp>
-    </p:spTree>
-    <p:extLst>
-      <p:ext uri="{BB962C8B-B14F-4D97-AF65-F5344CB8AC3E}">
-        <p14:creationId xmlns:p14="http://schemas.microsoft.com/office/powerpoint/2010/main" val="1073457453"/>
-      </p:ext>
-    </p:extLst>
-  </p:cSld>
-  <p:clrMapOvr>
-    <a:masterClrMapping/>
-  </p:clrMapOvr>
 </p:sld>
 </file>
 
@@ -10856,6 +11560,513 @@
       </p:grpSpPr>
       <p:sp>
         <p:nvSpPr>
+          <p:cNvPr id="7" name="Rectangle 6"/>
+          <p:cNvSpPr/>
+          <p:nvPr/>
+        </p:nvSpPr>
+        <p:spPr>
+          <a:xfrm>
+            <a:off x="0" y="0"/>
+            <a:ext cx="8441055" cy="6858000"/>
+          </a:xfrm>
+          <a:prstGeom prst="rect">
+            <a:avLst/>
+          </a:prstGeom>
+        </p:spPr>
+        <p:style>
+          <a:lnRef idx="2">
+            <a:schemeClr val="accent1">
+              <a:shade val="50000"/>
+            </a:schemeClr>
+          </a:lnRef>
+          <a:fillRef idx="1">
+            <a:schemeClr val="accent1"/>
+          </a:fillRef>
+          <a:effectRef idx="0">
+            <a:schemeClr val="accent1"/>
+          </a:effectRef>
+          <a:fontRef idx="minor">
+            <a:schemeClr val="lt1"/>
+          </a:fontRef>
+        </p:style>
+        <p:txBody>
+          <a:bodyPr rtlCol="0" anchor="ctr"/>
+          <a:lstStyle/>
+          <a:p>
+            <a:pPr algn="ctr"/>
+            <a:endParaRPr lang="en-US"/>
+          </a:p>
+        </p:txBody>
+      </p:sp>
+      <p:sp>
+        <p:nvSpPr>
+          <p:cNvPr id="2" name="Title 1"/>
+          <p:cNvSpPr>
+            <a:spLocks noGrp="1"/>
+          </p:cNvSpPr>
+          <p:nvPr>
+            <p:ph type="title"/>
+          </p:nvPr>
+        </p:nvSpPr>
+        <p:spPr>
+          <a:xfrm>
+            <a:off x="0" y="-76200"/>
+            <a:ext cx="8441055" cy="914400"/>
+          </a:xfrm>
+        </p:spPr>
+        <p:txBody>
+          <a:bodyPr>
+            <a:normAutofit/>
+          </a:bodyPr>
+          <a:lstStyle/>
+          <a:p>
+            <a:r>
+              <a:rPr lang="en-US" sz="3600" dirty="0">
+                <a:solidFill>
+                  <a:schemeClr val="bg1"/>
+                </a:solidFill>
+              </a:rPr>
+              <a:t>What is the state of the array?</a:t>
+            </a:r>
+          </a:p>
+        </p:txBody>
+      </p:sp>
+      <p:sp>
+        <p:nvSpPr>
+          <p:cNvPr id="3" name="Content Placeholder 2"/>
+          <p:cNvSpPr>
+            <a:spLocks noGrp="1"/>
+          </p:cNvSpPr>
+          <p:nvPr>
+            <p:ph idx="1"/>
+          </p:nvPr>
+        </p:nvSpPr>
+        <p:spPr>
+          <a:xfrm>
+            <a:off x="228600" y="1249362"/>
+            <a:ext cx="7239000" cy="2173720"/>
+          </a:xfrm>
+        </p:spPr>
+        <p:txBody>
+          <a:bodyPr>
+            <a:normAutofit/>
+          </a:bodyPr>
+          <a:lstStyle/>
+          <a:p>
+            <a:pPr>
+              <a:spcBef>
+                <a:spcPts val="0"/>
+              </a:spcBef>
+              <a:spcAft>
+                <a:spcPts val="0"/>
+              </a:spcAft>
+            </a:pPr>
+            <a:r>
+              <a:rPr lang="en-US" sz="2800" dirty="0" err="1">
+                <a:solidFill>
+                  <a:schemeClr val="bg1"/>
+                </a:solidFill>
+                <a:latin typeface="Consolas" charset="0"/>
+                <a:ea typeface="Consolas" charset="0"/>
+                <a:cs typeface="Consolas" charset="0"/>
+              </a:rPr>
+              <a:t>int</a:t>
+            </a:r>
+            <a:r>
+              <a:rPr lang="en-US" sz="2800" dirty="0">
+                <a:solidFill>
+                  <a:schemeClr val="bg1"/>
+                </a:solidFill>
+                <a:latin typeface="Consolas" charset="0"/>
+                <a:ea typeface="Consolas" charset="0"/>
+                <a:cs typeface="Consolas" charset="0"/>
+              </a:rPr>
+              <a:t> array[] = {1, 3, 5, 7};</a:t>
+            </a:r>
+          </a:p>
+          <a:p>
+            <a:pPr>
+              <a:spcBef>
+                <a:spcPts val="0"/>
+              </a:spcBef>
+              <a:spcAft>
+                <a:spcPts val="0"/>
+              </a:spcAft>
+            </a:pPr>
+            <a:r>
+              <a:rPr lang="en-US" sz="2800" dirty="0" err="1">
+                <a:solidFill>
+                  <a:schemeClr val="bg1"/>
+                </a:solidFill>
+                <a:latin typeface="Consolas" charset="0"/>
+                <a:ea typeface="Consolas" charset="0"/>
+                <a:cs typeface="Consolas" charset="0"/>
+              </a:rPr>
+              <a:t>int</a:t>
+            </a:r>
+            <a:r>
+              <a:rPr lang="en-US" sz="2800" dirty="0">
+                <a:solidFill>
+                  <a:schemeClr val="bg1"/>
+                </a:solidFill>
+                <a:latin typeface="Consolas" charset="0"/>
+                <a:ea typeface="Consolas" charset="0"/>
+                <a:cs typeface="Consolas" charset="0"/>
+              </a:rPr>
+              <a:t> * </a:t>
+            </a:r>
+            <a:r>
+              <a:rPr lang="en-US" sz="2800" dirty="0" err="1">
+                <a:solidFill>
+                  <a:schemeClr val="bg1"/>
+                </a:solidFill>
+                <a:latin typeface="Consolas" charset="0"/>
+                <a:ea typeface="Consolas" charset="0"/>
+                <a:cs typeface="Consolas" charset="0"/>
+              </a:rPr>
+              <a:t>ptr</a:t>
+            </a:r>
+            <a:r>
+              <a:rPr lang="en-US" sz="2800" dirty="0">
+                <a:solidFill>
+                  <a:schemeClr val="bg1"/>
+                </a:solidFill>
+                <a:latin typeface="Consolas" charset="0"/>
+                <a:ea typeface="Consolas" charset="0"/>
+                <a:cs typeface="Consolas" charset="0"/>
+              </a:rPr>
+              <a:t> = &amp;array[1];</a:t>
+            </a:r>
+          </a:p>
+          <a:p>
+            <a:pPr>
+              <a:spcBef>
+                <a:spcPts val="0"/>
+              </a:spcBef>
+              <a:spcAft>
+                <a:spcPts val="0"/>
+              </a:spcAft>
+            </a:pPr>
+            <a:r>
+              <a:rPr lang="en-US" sz="2800" dirty="0">
+                <a:solidFill>
+                  <a:schemeClr val="bg1"/>
+                </a:solidFill>
+                <a:latin typeface="Consolas" charset="0"/>
+                <a:ea typeface="Consolas" charset="0"/>
+                <a:cs typeface="Consolas" charset="0"/>
+              </a:rPr>
+              <a:t>array = </a:t>
+            </a:r>
+            <a:r>
+              <a:rPr lang="en-US" sz="2800" dirty="0" err="1">
+                <a:solidFill>
+                  <a:schemeClr val="bg1"/>
+                </a:solidFill>
+                <a:latin typeface="Consolas" charset="0"/>
+                <a:ea typeface="Consolas" charset="0"/>
+                <a:cs typeface="Consolas" charset="0"/>
+              </a:rPr>
+              <a:t>ptr</a:t>
+            </a:r>
+            <a:r>
+              <a:rPr lang="en-US" sz="2800" dirty="0">
+                <a:solidFill>
+                  <a:schemeClr val="bg1"/>
+                </a:solidFill>
+                <a:latin typeface="Consolas" charset="0"/>
+                <a:ea typeface="Consolas" charset="0"/>
+                <a:cs typeface="Consolas" charset="0"/>
+              </a:rPr>
+              <a:t>;</a:t>
+            </a:r>
+          </a:p>
+        </p:txBody>
+      </p:sp>
+      <p:sp>
+        <p:nvSpPr>
+          <p:cNvPr id="12" name="Slide Number Placeholder 11"/>
+          <p:cNvSpPr>
+            <a:spLocks noGrp="1"/>
+          </p:cNvSpPr>
+          <p:nvPr>
+            <p:ph type="sldNum" sz="quarter" idx="12"/>
+          </p:nvPr>
+        </p:nvSpPr>
+        <p:spPr/>
+        <p:txBody>
+          <a:bodyPr/>
+          <a:lstStyle/>
+          <a:p>
+            <a:fld id="{B6F15528-21DE-4FAA-801E-634DDDAF4B2B}" type="slidenum">
+              <a:rPr lang="en-US" smtClean="0"/>
+              <a:pPr/>
+              <a:t>20</a:t>
+            </a:fld>
+            <a:endParaRPr lang="en-US" dirty="0"/>
+          </a:p>
+        </p:txBody>
+      </p:sp>
+      <p:sp>
+        <p:nvSpPr>
+          <p:cNvPr id="6" name="Content Placeholder 2"/>
+          <p:cNvSpPr txBox="1">
+            <a:spLocks/>
+          </p:cNvSpPr>
+          <p:nvPr/>
+        </p:nvSpPr>
+        <p:spPr>
+          <a:xfrm>
+            <a:off x="256082" y="3423082"/>
+            <a:ext cx="8394383" cy="2755035"/>
+          </a:xfrm>
+          <a:prstGeom prst="rect">
+            <a:avLst/>
+          </a:prstGeom>
+        </p:spPr>
+        <p:txBody>
+          <a:bodyPr vert="horz" lIns="91440" tIns="45720" rIns="91440" bIns="45720" rtlCol="0">
+            <a:normAutofit/>
+          </a:bodyPr>
+          <a:lstStyle>
+            <a:lvl1pPr marL="342900" indent="-342900" algn="l" defTabSz="914400" rtl="0" eaLnBrk="1" latinLnBrk="0" hangingPunct="1">
+              <a:spcBef>
+                <a:spcPct val="20000"/>
+              </a:spcBef>
+              <a:buFont typeface="Arial" pitchFamily="34" charset="0"/>
+              <a:buChar char="•"/>
+              <a:defRPr sz="3200" kern="1200">
+                <a:solidFill>
+                  <a:schemeClr val="tx1"/>
+                </a:solidFill>
+                <a:latin typeface="+mn-lt"/>
+                <a:ea typeface="+mn-ea"/>
+                <a:cs typeface="+mn-cs"/>
+              </a:defRPr>
+            </a:lvl1pPr>
+            <a:lvl2pPr marL="742950" indent="-285750" algn="l" defTabSz="914400" rtl="0" eaLnBrk="1" latinLnBrk="0" hangingPunct="1">
+              <a:spcBef>
+                <a:spcPct val="20000"/>
+              </a:spcBef>
+              <a:buFont typeface="Arial" pitchFamily="34" charset="0"/>
+              <a:buChar char="–"/>
+              <a:defRPr sz="2800" kern="1200">
+                <a:solidFill>
+                  <a:schemeClr val="tx1"/>
+                </a:solidFill>
+                <a:latin typeface="+mn-lt"/>
+                <a:ea typeface="+mn-ea"/>
+                <a:cs typeface="+mn-cs"/>
+              </a:defRPr>
+            </a:lvl2pPr>
+            <a:lvl3pPr marL="1143000" indent="-228600" algn="l" defTabSz="914400" rtl="0" eaLnBrk="1" latinLnBrk="0" hangingPunct="1">
+              <a:spcBef>
+                <a:spcPct val="20000"/>
+              </a:spcBef>
+              <a:buFont typeface="Arial" pitchFamily="34" charset="0"/>
+              <a:buChar char="•"/>
+              <a:defRPr sz="2400" kern="1200">
+                <a:solidFill>
+                  <a:schemeClr val="tx1"/>
+                </a:solidFill>
+                <a:latin typeface="+mn-lt"/>
+                <a:ea typeface="+mn-ea"/>
+                <a:cs typeface="+mn-cs"/>
+              </a:defRPr>
+            </a:lvl3pPr>
+            <a:lvl4pPr marL="1600200" indent="-228600" algn="l" defTabSz="914400" rtl="0" eaLnBrk="1" latinLnBrk="0" hangingPunct="1">
+              <a:spcBef>
+                <a:spcPct val="20000"/>
+              </a:spcBef>
+              <a:buFont typeface="Arial" pitchFamily="34" charset="0"/>
+              <a:buChar char="–"/>
+              <a:defRPr sz="2000" kern="1200">
+                <a:solidFill>
+                  <a:schemeClr val="tx1"/>
+                </a:solidFill>
+                <a:latin typeface="+mn-lt"/>
+                <a:ea typeface="+mn-ea"/>
+                <a:cs typeface="+mn-cs"/>
+              </a:defRPr>
+            </a:lvl4pPr>
+            <a:lvl5pPr marL="2057400" indent="-228600" algn="l" defTabSz="914400" rtl="0" eaLnBrk="1" latinLnBrk="0" hangingPunct="1">
+              <a:spcBef>
+                <a:spcPct val="20000"/>
+              </a:spcBef>
+              <a:buFont typeface="Arial" pitchFamily="34" charset="0"/>
+              <a:buChar char="»"/>
+              <a:defRPr sz="2000" kern="1200">
+                <a:solidFill>
+                  <a:schemeClr val="tx1"/>
+                </a:solidFill>
+                <a:latin typeface="+mn-lt"/>
+                <a:ea typeface="+mn-ea"/>
+                <a:cs typeface="+mn-cs"/>
+              </a:defRPr>
+            </a:lvl5pPr>
+            <a:lvl6pPr marL="2514600" indent="-228600" algn="l" defTabSz="914400" rtl="0" eaLnBrk="1" latinLnBrk="0" hangingPunct="1">
+              <a:spcBef>
+                <a:spcPct val="20000"/>
+              </a:spcBef>
+              <a:buFont typeface="Arial" pitchFamily="34" charset="0"/>
+              <a:buChar char="•"/>
+              <a:defRPr sz="2000" kern="1200">
+                <a:solidFill>
+                  <a:schemeClr val="tx1"/>
+                </a:solidFill>
+                <a:latin typeface="+mn-lt"/>
+                <a:ea typeface="+mn-ea"/>
+                <a:cs typeface="+mn-cs"/>
+              </a:defRPr>
+            </a:lvl6pPr>
+            <a:lvl7pPr marL="2971800" indent="-228600" algn="l" defTabSz="914400" rtl="0" eaLnBrk="1" latinLnBrk="0" hangingPunct="1">
+              <a:spcBef>
+                <a:spcPct val="20000"/>
+              </a:spcBef>
+              <a:buFont typeface="Arial" pitchFamily="34" charset="0"/>
+              <a:buChar char="•"/>
+              <a:defRPr sz="2000" kern="1200">
+                <a:solidFill>
+                  <a:schemeClr val="tx1"/>
+                </a:solidFill>
+                <a:latin typeface="+mn-lt"/>
+                <a:ea typeface="+mn-ea"/>
+                <a:cs typeface="+mn-cs"/>
+              </a:defRPr>
+            </a:lvl7pPr>
+            <a:lvl8pPr marL="3429000" indent="-228600" algn="l" defTabSz="914400" rtl="0" eaLnBrk="1" latinLnBrk="0" hangingPunct="1">
+              <a:spcBef>
+                <a:spcPct val="20000"/>
+              </a:spcBef>
+              <a:buFont typeface="Arial" pitchFamily="34" charset="0"/>
+              <a:buChar char="•"/>
+              <a:defRPr sz="2000" kern="1200">
+                <a:solidFill>
+                  <a:schemeClr val="tx1"/>
+                </a:solidFill>
+                <a:latin typeface="+mn-lt"/>
+                <a:ea typeface="+mn-ea"/>
+                <a:cs typeface="+mn-cs"/>
+              </a:defRPr>
+            </a:lvl8pPr>
+            <a:lvl9pPr marL="3886200" indent="-228600" algn="l" defTabSz="914400" rtl="0" eaLnBrk="1" latinLnBrk="0" hangingPunct="1">
+              <a:spcBef>
+                <a:spcPct val="20000"/>
+              </a:spcBef>
+              <a:buFont typeface="Arial" pitchFamily="34" charset="0"/>
+              <a:buChar char="•"/>
+              <a:defRPr sz="2000" kern="1200">
+                <a:solidFill>
+                  <a:schemeClr val="tx1"/>
+                </a:solidFill>
+                <a:latin typeface="+mn-lt"/>
+                <a:ea typeface="+mn-ea"/>
+                <a:cs typeface="+mn-cs"/>
+              </a:defRPr>
+            </a:lvl9pPr>
+          </a:lstStyle>
+          <a:p>
+            <a:pPr marL="742950" indent="-742950">
+              <a:buFont typeface="+mj-lt"/>
+              <a:buAutoNum type="arabicPeriod"/>
+            </a:pPr>
+            <a:r>
+              <a:rPr lang="en-US" sz="3600" dirty="0">
+                <a:solidFill>
+                  <a:srgbClr val="0CFA02"/>
+                </a:solidFill>
+                <a:latin typeface="Consolas" charset="0"/>
+                <a:ea typeface="Consolas" charset="0"/>
+                <a:cs typeface="Consolas" charset="0"/>
+              </a:rPr>
+              <a:t>Error</a:t>
+            </a:r>
+          </a:p>
+          <a:p>
+            <a:pPr marL="742950" indent="-742950">
+              <a:buFont typeface="+mj-lt"/>
+              <a:buAutoNum type="arabicPeriod"/>
+            </a:pPr>
+            <a:r>
+              <a:rPr lang="en-US" sz="3600" dirty="0">
+                <a:solidFill>
+                  <a:srgbClr val="FEFB01"/>
+                </a:solidFill>
+                <a:latin typeface="Consolas" charset="0"/>
+                <a:ea typeface="Consolas" charset="0"/>
+                <a:cs typeface="Consolas" charset="0"/>
+              </a:rPr>
+              <a:t>3, 5, 7</a:t>
+            </a:r>
+          </a:p>
+          <a:p>
+            <a:pPr marL="742950" indent="-742950">
+              <a:buFont typeface="+mj-lt"/>
+              <a:buAutoNum type="arabicPeriod"/>
+            </a:pPr>
+            <a:r>
+              <a:rPr lang="en-US" sz="3600" dirty="0">
+                <a:solidFill>
+                  <a:srgbClr val="F5A007"/>
+                </a:solidFill>
+                <a:latin typeface="Consolas" charset="0"/>
+                <a:ea typeface="Consolas" charset="0"/>
+                <a:cs typeface="Consolas" charset="0"/>
+              </a:rPr>
+              <a:t>1, 3, 5</a:t>
+            </a:r>
+          </a:p>
+          <a:p>
+            <a:pPr marL="742950" indent="-742950">
+              <a:buFont typeface="+mj-lt"/>
+              <a:buAutoNum type="arabicPeriod"/>
+            </a:pPr>
+            <a:r>
+              <a:rPr lang="en-US" sz="3600" dirty="0">
+                <a:solidFill>
+                  <a:srgbClr val="F21AF1"/>
+                </a:solidFill>
+                <a:latin typeface="Consolas" charset="0"/>
+                <a:ea typeface="Consolas" charset="0"/>
+                <a:cs typeface="Consolas" charset="0"/>
+              </a:rPr>
+              <a:t>I don't know</a:t>
+            </a:r>
+          </a:p>
+        </p:txBody>
+      </p:sp>
+    </p:spTree>
+    <p:extLst>
+      <p:ext uri="{BB962C8B-B14F-4D97-AF65-F5344CB8AC3E}">
+        <p14:creationId xmlns:p14="http://schemas.microsoft.com/office/powerpoint/2010/main" val="1073457453"/>
+      </p:ext>
+    </p:extLst>
+  </p:cSld>
+  <p:clrMapOvr>
+    <a:masterClrMapping/>
+  </p:clrMapOvr>
+</p:sld>
+</file>
+
+<file path=ppt/slides/slide21.xml><?xml version="1.0" encoding="utf-8"?>
+<p:sld xmlns:a="http://schemas.openxmlformats.org/drawingml/2006/main" xmlns:r="http://schemas.openxmlformats.org/officeDocument/2006/relationships" xmlns:p="http://schemas.openxmlformats.org/presentationml/2006/main">
+  <p:cSld>
+    <p:spTree>
+      <p:nvGrpSpPr>
+        <p:cNvPr id="1" name=""/>
+        <p:cNvGrpSpPr/>
+        <p:nvPr/>
+      </p:nvGrpSpPr>
+      <p:grpSpPr>
+        <a:xfrm>
+          <a:off x="0" y="0"/>
+          <a:ext cx="0" cy="0"/>
+          <a:chOff x="0" y="0"/>
+          <a:chExt cx="0" cy="0"/>
+        </a:xfrm>
+      </p:grpSpPr>
+      <p:sp>
+        <p:nvSpPr>
           <p:cNvPr id="2" name="Title 1"/>
           <p:cNvSpPr>
             <a:spLocks noGrp="1"/>
@@ -10919,7 +12130,7 @@
             <a:fld id="{B6F15528-21DE-4FAA-801E-634DDDAF4B2B}" type="slidenum">
               <a:rPr lang="en-US" smtClean="0"/>
               <a:pPr/>
-              <a:t>20</a:t>
+              <a:t>21</a:t>
             </a:fld>
             <a:endParaRPr lang="en-US" dirty="0"/>
           </a:p>
@@ -11168,299 +12379,6 @@
 </p:sld>
 </file>
 
-<file path=ppt/slides/slide21.xml><?xml version="1.0" encoding="utf-8"?>
-<p:sld xmlns:a="http://schemas.openxmlformats.org/drawingml/2006/main" xmlns:r="http://schemas.openxmlformats.org/officeDocument/2006/relationships" xmlns:p="http://schemas.openxmlformats.org/presentationml/2006/main">
-  <p:cSld>
-    <p:spTree>
-      <p:nvGrpSpPr>
-        <p:cNvPr id="1" name=""/>
-        <p:cNvGrpSpPr/>
-        <p:nvPr/>
-      </p:nvGrpSpPr>
-      <p:grpSpPr>
-        <a:xfrm>
-          <a:off x="0" y="0"/>
-          <a:ext cx="0" cy="0"/>
-          <a:chOff x="0" y="0"/>
-          <a:chExt cx="0" cy="0"/>
-        </a:xfrm>
-      </p:grpSpPr>
-      <p:sp>
-        <p:nvSpPr>
-          <p:cNvPr id="2" name="Title 1"/>
-          <p:cNvSpPr>
-            <a:spLocks noGrp="1"/>
-          </p:cNvSpPr>
-          <p:nvPr>
-            <p:ph type="title"/>
-          </p:nvPr>
-        </p:nvSpPr>
-        <p:spPr/>
-        <p:txBody>
-          <a:bodyPr/>
-          <a:lstStyle/>
-          <a:p>
-            <a:r>
-              <a:rPr lang="en-US" dirty="0"/>
-              <a:t>Pointers and Arrays</a:t>
-            </a:r>
-          </a:p>
-        </p:txBody>
-      </p:sp>
-      <p:sp>
-        <p:nvSpPr>
-          <p:cNvPr id="3" name="Content Placeholder 2"/>
-          <p:cNvSpPr>
-            <a:spLocks noGrp="1"/>
-          </p:cNvSpPr>
-          <p:nvPr>
-            <p:ph idx="1"/>
-          </p:nvPr>
-        </p:nvSpPr>
-        <p:spPr/>
-        <p:txBody>
-          <a:bodyPr>
-            <a:normAutofit/>
-          </a:bodyPr>
-          <a:lstStyle/>
-          <a:p>
-            <a:r>
-              <a:rPr lang="en-US" sz="3200" dirty="0"/>
-              <a:t>Use a pointer to visit elements of an array</a:t>
-            </a:r>
-            <a:endParaRPr lang="en-US" dirty="0"/>
-          </a:p>
-        </p:txBody>
-      </p:sp>
-      <p:sp>
-        <p:nvSpPr>
-          <p:cNvPr id="12" name="Slide Number Placeholder 11"/>
-          <p:cNvSpPr>
-            <a:spLocks noGrp="1"/>
-          </p:cNvSpPr>
-          <p:nvPr>
-            <p:ph type="sldNum" sz="quarter" idx="12"/>
-          </p:nvPr>
-        </p:nvSpPr>
-        <p:spPr/>
-        <p:txBody>
-          <a:bodyPr/>
-          <a:lstStyle/>
-          <a:p>
-            <a:fld id="{B6F15528-21DE-4FAA-801E-634DDDAF4B2B}" type="slidenum">
-              <a:rPr lang="en-US" smtClean="0"/>
-              <a:pPr/>
-              <a:t>21</a:t>
-            </a:fld>
-            <a:endParaRPr lang="en-US" dirty="0"/>
-          </a:p>
-        </p:txBody>
-      </p:sp>
-      <p:sp>
-        <p:nvSpPr>
-          <p:cNvPr id="6" name="TextBox 5"/>
-          <p:cNvSpPr txBox="1"/>
-          <p:nvPr/>
-        </p:nvSpPr>
-        <p:spPr>
-          <a:xfrm>
-            <a:off x="533400" y="2833946"/>
-            <a:ext cx="7682484" cy="2400657"/>
-          </a:xfrm>
-          <a:prstGeom prst="rect">
-            <a:avLst/>
-          </a:prstGeom>
-          <a:noFill/>
-        </p:spPr>
-        <p:txBody>
-          <a:bodyPr wrap="square" rtlCol="0">
-            <a:spAutoFit/>
-          </a:bodyPr>
-          <a:lstStyle/>
-          <a:p>
-            <a:r>
-              <a:rPr lang="en-US" sz="3000" dirty="0" err="1">
-                <a:solidFill>
-                  <a:srgbClr val="0B2B91"/>
-                </a:solidFill>
-                <a:latin typeface="Consolas" charset="0"/>
-                <a:ea typeface="Consolas" charset="0"/>
-                <a:cs typeface="Consolas" charset="0"/>
-              </a:rPr>
-              <a:t>int</a:t>
-            </a:r>
-            <a:r>
-              <a:rPr lang="en-US" sz="3000" dirty="0">
-                <a:solidFill>
-                  <a:srgbClr val="0B2B91"/>
-                </a:solidFill>
-                <a:latin typeface="Consolas" charset="0"/>
-                <a:ea typeface="Consolas" charset="0"/>
-                <a:cs typeface="Consolas" charset="0"/>
-              </a:rPr>
-              <a:t> sum = 0, a[10];</a:t>
-            </a:r>
-          </a:p>
-          <a:p>
-            <a:r>
-              <a:rPr lang="en-US" sz="3000" dirty="0">
-                <a:solidFill>
-                  <a:srgbClr val="0B2B91"/>
-                </a:solidFill>
-                <a:latin typeface="Consolas" charset="0"/>
-                <a:ea typeface="Consolas" charset="0"/>
-                <a:cs typeface="Consolas" charset="0"/>
-              </a:rPr>
-              <a:t>…	   </a:t>
-            </a:r>
-            <a:r>
-              <a:rPr lang="en-US" sz="3000" dirty="0">
-                <a:solidFill>
-                  <a:srgbClr val="00B050"/>
-                </a:solidFill>
-                <a:latin typeface="Consolas" charset="0"/>
-                <a:ea typeface="Consolas" charset="0"/>
-                <a:cs typeface="Consolas" charset="0"/>
-              </a:rPr>
-              <a:t>//initialize array content</a:t>
-            </a:r>
-          </a:p>
-          <a:p>
-            <a:r>
-              <a:rPr lang="en-US" sz="3000" dirty="0">
-                <a:solidFill>
-                  <a:srgbClr val="0B2B91"/>
-                </a:solidFill>
-                <a:latin typeface="Consolas" charset="0"/>
-                <a:ea typeface="Consolas" charset="0"/>
-                <a:cs typeface="Consolas" charset="0"/>
-              </a:rPr>
-              <a:t>for (</a:t>
-            </a:r>
-            <a:r>
-              <a:rPr lang="en-US" sz="3000" dirty="0" err="1">
-                <a:solidFill>
-                  <a:srgbClr val="0B2B91"/>
-                </a:solidFill>
-                <a:latin typeface="Consolas" charset="0"/>
-                <a:ea typeface="Consolas" charset="0"/>
-                <a:cs typeface="Consolas" charset="0"/>
-              </a:rPr>
-              <a:t>int</a:t>
-            </a:r>
-            <a:r>
-              <a:rPr lang="en-US" sz="3000" dirty="0">
-                <a:solidFill>
-                  <a:srgbClr val="0B2B91"/>
-                </a:solidFill>
-                <a:latin typeface="Consolas" charset="0"/>
-                <a:ea typeface="Consolas" charset="0"/>
-                <a:cs typeface="Consolas" charset="0"/>
-              </a:rPr>
-              <a:t> *p=</a:t>
-            </a:r>
-            <a:r>
-              <a:rPr lang="en-US" sz="3000" dirty="0">
-                <a:solidFill>
-                  <a:srgbClr val="FF0000"/>
-                </a:solidFill>
-                <a:latin typeface="Consolas" charset="0"/>
-                <a:ea typeface="Consolas" charset="0"/>
-                <a:cs typeface="Consolas" charset="0"/>
-              </a:rPr>
-              <a:t>a</a:t>
-            </a:r>
-            <a:r>
-              <a:rPr lang="en-US" sz="3000" dirty="0">
-                <a:solidFill>
-                  <a:srgbClr val="0B2B91"/>
-                </a:solidFill>
-                <a:latin typeface="Consolas" charset="0"/>
-                <a:ea typeface="Consolas" charset="0"/>
-                <a:cs typeface="Consolas" charset="0"/>
-              </a:rPr>
-              <a:t>; p&lt;</a:t>
-            </a:r>
-            <a:r>
-              <a:rPr lang="en-US" sz="3000" dirty="0">
-                <a:solidFill>
-                  <a:srgbClr val="FF0000"/>
-                </a:solidFill>
-                <a:latin typeface="Consolas" charset="0"/>
-                <a:ea typeface="Consolas" charset="0"/>
-                <a:cs typeface="Consolas" charset="0"/>
-              </a:rPr>
-              <a:t>(a+10)</a:t>
-            </a:r>
-            <a:r>
-              <a:rPr lang="en-US" sz="3000" dirty="0">
-                <a:solidFill>
-                  <a:srgbClr val="0B2B91"/>
-                </a:solidFill>
-                <a:latin typeface="Consolas" charset="0"/>
-                <a:ea typeface="Consolas" charset="0"/>
-                <a:cs typeface="Consolas" charset="0"/>
-              </a:rPr>
-              <a:t>; p++){</a:t>
-            </a:r>
-            <a:endParaRPr lang="en-US" sz="3000" dirty="0">
-              <a:solidFill>
-                <a:srgbClr val="00B050"/>
-              </a:solidFill>
-              <a:latin typeface="Consolas" charset="0"/>
-              <a:ea typeface="Consolas" charset="0"/>
-              <a:cs typeface="Consolas" charset="0"/>
-            </a:endParaRPr>
-          </a:p>
-          <a:p>
-            <a:r>
-              <a:rPr lang="en-US" sz="3000" dirty="0">
-                <a:solidFill>
-                  <a:srgbClr val="0B2B91"/>
-                </a:solidFill>
-                <a:latin typeface="Consolas" charset="0"/>
-                <a:ea typeface="Consolas" charset="0"/>
-                <a:cs typeface="Consolas" charset="0"/>
-              </a:rPr>
-              <a:t>   sum += *p;</a:t>
-            </a:r>
-          </a:p>
-          <a:p>
-            <a:r>
-              <a:rPr lang="en-US" sz="3000" dirty="0">
-                <a:solidFill>
-                  <a:srgbClr val="0B2B91"/>
-                </a:solidFill>
-                <a:latin typeface="Consolas" charset="0"/>
-                <a:ea typeface="Consolas" charset="0"/>
-                <a:cs typeface="Consolas" charset="0"/>
-              </a:rPr>
-              <a:t>}</a:t>
-            </a:r>
-            <a:endParaRPr lang="en-US" sz="3000" dirty="0">
-              <a:solidFill>
-                <a:srgbClr val="00B050"/>
-              </a:solidFill>
-              <a:latin typeface="Consolas" charset="0"/>
-              <a:ea typeface="Consolas" charset="0"/>
-              <a:cs typeface="Consolas" charset="0"/>
-            </a:endParaRPr>
-          </a:p>
-        </p:txBody>
-      </p:sp>
-    </p:spTree>
-    <p:extLst>
-      <p:ext uri="{BB962C8B-B14F-4D97-AF65-F5344CB8AC3E}">
-        <p14:creationId xmlns:p14="http://schemas.microsoft.com/office/powerpoint/2010/main" val="142181960"/>
-      </p:ext>
-    </p:extLst>
-  </p:cSld>
-  <p:clrMapOvr>
-    <a:masterClrMapping/>
-  </p:clrMapOvr>
-</p:sld>
-</file>
-
 <file path=ppt/slides/slide22.xml><?xml version="1.0" encoding="utf-8"?>
 <p:sld xmlns:a="http://schemas.openxmlformats.org/drawingml/2006/main" xmlns:r="http://schemas.openxmlformats.org/officeDocument/2006/relationships" xmlns:p="http://schemas.openxmlformats.org/presentationml/2006/main">
   <p:cSld>
@@ -11519,7 +12437,7 @@
           <a:p>
             <a:r>
               <a:rPr lang="en-US" sz="3200" dirty="0"/>
-              <a:t>Repeat until element with value 0:</a:t>
+              <a:t>Use a pointer to visit elements of an array</a:t>
             </a:r>
             <a:endParaRPr lang="en-US" dirty="0"/>
           </a:p>
@@ -11551,26 +12469,19 @@
       </p:sp>
       <p:sp>
         <p:nvSpPr>
-          <p:cNvPr id="5" name="TextBox 4"/>
+          <p:cNvPr id="6" name="TextBox 5"/>
           <p:cNvSpPr txBox="1"/>
           <p:nvPr/>
         </p:nvSpPr>
         <p:spPr>
           <a:xfrm>
-            <a:off x="152400" y="3051486"/>
-            <a:ext cx="3887724" cy="2400657"/>
+            <a:off x="533400" y="2833946"/>
+            <a:ext cx="7682484" cy="2400657"/>
           </a:xfrm>
           <a:prstGeom prst="rect">
             <a:avLst/>
           </a:prstGeom>
           <a:noFill/>
-          <a:ln>
-            <a:solidFill>
-              <a:schemeClr val="bg1">
-                <a:lumMod val="85000"/>
-              </a:schemeClr>
-            </a:solidFill>
-          </a:ln>
         </p:spPr>
         <p:txBody>
           <a:bodyPr wrap="square" rtlCol="0">
@@ -11598,7 +12509,7 @@
                 <a:ea typeface="Consolas" charset="0"/>
                 <a:cs typeface="Consolas" charset="0"/>
               </a:rPr>
-              <a:t> a[10];</a:t>
+              <a:t> sum = 0, a[10];</a:t>
             </a:r>
           </a:p>
           <a:p>
@@ -11611,24 +12522,43 @@
                 <a:ea typeface="Consolas" charset="0"/>
                 <a:cs typeface="Consolas" charset="0"/>
               </a:rPr>
-              <a:t>…</a:t>
-            </a:r>
-          </a:p>
-          <a:p>
+              <a:t>…	   </a:t>
+            </a:r>
             <a:r>
               <a:rPr lang="en-US" sz="3000" dirty="0">
                 <a:solidFill>
+                  <a:srgbClr val="00B050"/>
+                </a:solidFill>
+                <a:latin typeface="Consolas" charset="0"/>
+                <a:ea typeface="Consolas" charset="0"/>
+                <a:cs typeface="Consolas" charset="0"/>
+              </a:rPr>
+              <a:t>//initialize array content</a:t>
+            </a:r>
+          </a:p>
+          <a:p>
+            <a:r>
+              <a:rPr lang="en-US" sz="3000" dirty="0">
+                <a:solidFill>
                   <a:srgbClr val="0B2B91"/>
                 </a:solidFill>
                 <a:latin typeface="Consolas" charset="0"/>
                 <a:ea typeface="Consolas" charset="0"/>
                 <a:cs typeface="Consolas" charset="0"/>
               </a:rPr>
-              <a:t>while (*a != 0) {</a:t>
-            </a:r>
-          </a:p>
-          <a:p>
-            <a:pPr defTabSz="461963"/>
+              <a:t>for (</a:t>
+            </a:r>
+            <a:r>
+              <a:rPr lang="en-US" sz="3000" dirty="0" err="1">
+                <a:solidFill>
+                  <a:srgbClr val="0B2B91"/>
+                </a:solidFill>
+                <a:latin typeface="Consolas" charset="0"/>
+                <a:ea typeface="Consolas" charset="0"/>
+                <a:cs typeface="Consolas" charset="0"/>
+              </a:rPr>
+              <a:t>int</a:t>
+            </a:r>
             <a:r>
               <a:rPr lang="en-US" sz="3000" dirty="0">
                 <a:solidFill>
@@ -11638,21 +12568,51 @@
                 <a:ea typeface="Consolas" charset="0"/>
                 <a:cs typeface="Consolas" charset="0"/>
               </a:rPr>
-              <a:t>	a++;</a:t>
-            </a:r>
-          </a:p>
-          <a:p>
-            <a:pPr defTabSz="461963"/>
+              <a:t> *p=</a:t>
+            </a:r>
             <a:r>
               <a:rPr lang="en-US" sz="3000" dirty="0">
                 <a:solidFill>
+                  <a:srgbClr val="FF0000"/>
+                </a:solidFill>
+                <a:latin typeface="Consolas" charset="0"/>
+                <a:ea typeface="Consolas" charset="0"/>
+                <a:cs typeface="Consolas" charset="0"/>
+              </a:rPr>
+              <a:t>a</a:t>
+            </a:r>
+            <a:r>
+              <a:rPr lang="en-US" sz="3000" dirty="0">
+                <a:solidFill>
                   <a:srgbClr val="0B2B91"/>
                 </a:solidFill>
                 <a:latin typeface="Consolas" charset="0"/>
                 <a:ea typeface="Consolas" charset="0"/>
                 <a:cs typeface="Consolas" charset="0"/>
               </a:rPr>
-              <a:t>} </a:t>
+              <a:t>; p&lt;</a:t>
+            </a:r>
+            <a:r>
+              <a:rPr lang="en-US" sz="3000" dirty="0">
+                <a:solidFill>
+                  <a:srgbClr val="FF0000"/>
+                </a:solidFill>
+                <a:latin typeface="Consolas" charset="0"/>
+                <a:ea typeface="Consolas" charset="0"/>
+                <a:cs typeface="Consolas" charset="0"/>
+              </a:rPr>
+              <a:t>(a+10)</a:t>
+            </a:r>
+            <a:r>
+              <a:rPr lang="en-US" sz="3000" dirty="0">
+                <a:solidFill>
+                  <a:srgbClr val="0B2B91"/>
+                </a:solidFill>
+                <a:latin typeface="Consolas" charset="0"/>
+                <a:ea typeface="Consolas" charset="0"/>
+                <a:cs typeface="Consolas" charset="0"/>
+              </a:rPr>
+              <a:t>; p++){</a:t>
             </a:r>
             <a:endParaRPr lang="en-US" sz="3000" dirty="0">
               <a:solidFill>
@@ -11663,39 +12623,9 @@
               <a:cs typeface="Consolas" charset="0"/>
             </a:endParaRPr>
           </a:p>
-        </p:txBody>
-      </p:sp>
-      <p:sp>
-        <p:nvSpPr>
-          <p:cNvPr id="6" name="TextBox 5"/>
-          <p:cNvSpPr txBox="1"/>
-          <p:nvPr/>
-        </p:nvSpPr>
-        <p:spPr>
-          <a:xfrm>
-            <a:off x="4419600" y="2819400"/>
-            <a:ext cx="3796284" cy="2862322"/>
-          </a:xfrm>
-          <a:prstGeom prst="rect">
-            <a:avLst/>
-          </a:prstGeom>
-          <a:noFill/>
-          <a:ln w="6350">
-            <a:solidFill>
-              <a:schemeClr val="bg1">
-                <a:lumMod val="85000"/>
-              </a:schemeClr>
-            </a:solidFill>
-          </a:ln>
-        </p:spPr>
-        <p:txBody>
-          <a:bodyPr wrap="square" rtlCol="0">
-            <a:spAutoFit/>
-          </a:bodyPr>
-          <a:lstStyle/>
-          <a:p>
-            <a:r>
-              <a:rPr lang="en-US" sz="3000" dirty="0" err="1">
+          <a:p>
+            <a:r>
+              <a:rPr lang="en-US" sz="3000" dirty="0">
                 <a:solidFill>
                   <a:srgbClr val="0B2B91"/>
                 </a:solidFill>
@@ -11703,86 +12633,10 @@
                 <a:ea typeface="Consolas" charset="0"/>
                 <a:cs typeface="Consolas" charset="0"/>
               </a:rPr>
-              <a:t>int</a:t>
-            </a:r>
-            <a:r>
-              <a:rPr lang="en-US" sz="3000" dirty="0">
-                <a:solidFill>
-                  <a:srgbClr val="0B2B91"/>
-                </a:solidFill>
-                <a:latin typeface="Consolas" charset="0"/>
-                <a:ea typeface="Consolas" charset="0"/>
-                <a:cs typeface="Consolas" charset="0"/>
-              </a:rPr>
-              <a:t> a[10];</a:t>
-            </a:r>
-          </a:p>
-          <a:p>
-            <a:r>
-              <a:rPr lang="en-US" sz="3000" dirty="0">
-                <a:solidFill>
-                  <a:srgbClr val="0B2B91"/>
-                </a:solidFill>
-                <a:latin typeface="Consolas" charset="0"/>
-                <a:ea typeface="Consolas" charset="0"/>
-                <a:cs typeface="Consolas" charset="0"/>
-              </a:rPr>
-              <a:t>…</a:t>
-            </a:r>
-          </a:p>
-          <a:p>
-            <a:r>
-              <a:rPr lang="en-US" sz="3000" dirty="0" err="1">
-                <a:solidFill>
-                  <a:srgbClr val="0B2B91"/>
-                </a:solidFill>
-                <a:latin typeface="Consolas" charset="0"/>
-                <a:ea typeface="Consolas" charset="0"/>
-                <a:cs typeface="Consolas" charset="0"/>
-              </a:rPr>
-              <a:t>int</a:t>
-            </a:r>
-            <a:r>
-              <a:rPr lang="en-US" sz="3000" dirty="0">
-                <a:solidFill>
-                  <a:srgbClr val="0B2B91"/>
-                </a:solidFill>
-                <a:latin typeface="Consolas" charset="0"/>
-                <a:ea typeface="Consolas" charset="0"/>
-                <a:cs typeface="Consolas" charset="0"/>
-              </a:rPr>
-              <a:t> *p = a;</a:t>
-            </a:r>
-          </a:p>
-          <a:p>
-            <a:r>
-              <a:rPr lang="en-US" sz="3000" dirty="0">
-                <a:solidFill>
-                  <a:srgbClr val="0B2B91"/>
-                </a:solidFill>
-                <a:latin typeface="Consolas" charset="0"/>
-                <a:ea typeface="Consolas" charset="0"/>
-                <a:cs typeface="Consolas" charset="0"/>
-              </a:rPr>
-              <a:t>while (*p != 0) {</a:t>
-            </a:r>
-          </a:p>
-          <a:p>
-            <a:pPr defTabSz="461963"/>
-            <a:r>
-              <a:rPr lang="en-US" sz="3000" dirty="0">
-                <a:solidFill>
-                  <a:srgbClr val="0B2B91"/>
-                </a:solidFill>
-                <a:latin typeface="Consolas" charset="0"/>
-                <a:ea typeface="Consolas" charset="0"/>
-                <a:cs typeface="Consolas" charset="0"/>
-              </a:rPr>
-              <a:t>	p++; </a:t>
-            </a:r>
-          </a:p>
-          <a:p>
-            <a:pPr defTabSz="461963"/>
+              <a:t>   sum += *p;</a:t>
+            </a:r>
+          </a:p>
+          <a:p>
             <a:r>
               <a:rPr lang="en-US" sz="3000" dirty="0">
                 <a:solidFill>
@@ -11805,90 +12659,10 @@
           </a:p>
         </p:txBody>
       </p:sp>
-      <p:sp>
-        <p:nvSpPr>
-          <p:cNvPr id="4" name="TextBox 3"/>
-          <p:cNvSpPr txBox="1"/>
-          <p:nvPr/>
-        </p:nvSpPr>
-        <p:spPr>
-          <a:xfrm>
-            <a:off x="952500" y="5603565"/>
-            <a:ext cx="1905000" cy="461665"/>
-          </a:xfrm>
-          <a:prstGeom prst="rect">
-            <a:avLst/>
-          </a:prstGeom>
-          <a:solidFill>
-            <a:schemeClr val="accent2">
-              <a:lumMod val="20000"/>
-              <a:lumOff val="80000"/>
-            </a:schemeClr>
-          </a:solidFill>
-        </p:spPr>
-        <p:txBody>
-          <a:bodyPr wrap="square" rtlCol="0">
-            <a:spAutoFit/>
-          </a:bodyPr>
-          <a:lstStyle/>
-          <a:p>
-            <a:pPr algn="ctr"/>
-            <a:r>
-              <a:rPr lang="en-US" sz="2400" dirty="0">
-                <a:solidFill>
-                  <a:srgbClr val="C00000"/>
-                </a:solidFill>
-              </a:rPr>
-              <a:t>Wrong</a:t>
-            </a:r>
-          </a:p>
-        </p:txBody>
-      </p:sp>
-      <p:sp>
-        <p:nvSpPr>
-          <p:cNvPr id="8" name="TextBox 7"/>
-          <p:cNvSpPr txBox="1"/>
-          <p:nvPr/>
-        </p:nvSpPr>
-        <p:spPr>
-          <a:xfrm>
-            <a:off x="5332713" y="5754116"/>
-            <a:ext cx="1905000" cy="461665"/>
-          </a:xfrm>
-          <a:prstGeom prst="rect">
-            <a:avLst/>
-          </a:prstGeom>
-          <a:solidFill>
-            <a:schemeClr val="accent3">
-              <a:lumMod val="20000"/>
-              <a:lumOff val="80000"/>
-            </a:schemeClr>
-          </a:solidFill>
-        </p:spPr>
-        <p:txBody>
-          <a:bodyPr wrap="square" rtlCol="0">
-            <a:spAutoFit/>
-          </a:bodyPr>
-          <a:lstStyle/>
-          <a:p>
-            <a:pPr algn="ctr"/>
-            <a:r>
-              <a:rPr lang="en-US" sz="2400" dirty="0">
-                <a:solidFill>
-                  <a:schemeClr val="accent3">
-                    <a:lumMod val="50000"/>
-                  </a:schemeClr>
-                </a:solidFill>
-              </a:rPr>
-              <a:t>Correct</a:t>
-            </a:r>
-          </a:p>
-        </p:txBody>
-      </p:sp>
     </p:spTree>
     <p:extLst>
       <p:ext uri="{BB962C8B-B14F-4D97-AF65-F5344CB8AC3E}">
-        <p14:creationId xmlns:p14="http://schemas.microsoft.com/office/powerpoint/2010/main" val="1650386256"/>
+        <p14:creationId xmlns:p14="http://schemas.microsoft.com/office/powerpoint/2010/main" val="142181960"/>
       </p:ext>
     </p:extLst>
   </p:cSld>
@@ -11932,7 +12706,7 @@
           <a:p>
             <a:r>
               <a:rPr lang="en-US" dirty="0"/>
-              <a:t>Exercise</a:t>
+              <a:t>Pointers and Arrays</a:t>
             </a:r>
           </a:p>
         </p:txBody>
@@ -11955,9 +12729,10 @@
           <a:lstStyle/>
           <a:p>
             <a:r>
-              <a:rPr lang="en-US" sz="2800" dirty="0"/>
-              <a:t>Consider the following declarations:</a:t>
-            </a:r>
+              <a:rPr lang="en-US" sz="3200" dirty="0"/>
+              <a:t>Repeat until element with value 0:</a:t>
+            </a:r>
+            <a:endParaRPr lang="en-US" dirty="0"/>
           </a:p>
         </p:txBody>
       </p:sp>
@@ -11980,6 +12755,442 @@
               <a:rPr lang="en-US" smtClean="0"/>
               <a:pPr/>
               <a:t>23</a:t>
+            </a:fld>
+            <a:endParaRPr lang="en-US" dirty="0"/>
+          </a:p>
+        </p:txBody>
+      </p:sp>
+      <p:sp>
+        <p:nvSpPr>
+          <p:cNvPr id="5" name="TextBox 4"/>
+          <p:cNvSpPr txBox="1"/>
+          <p:nvPr/>
+        </p:nvSpPr>
+        <p:spPr>
+          <a:xfrm>
+            <a:off x="152400" y="3051486"/>
+            <a:ext cx="3887724" cy="2400657"/>
+          </a:xfrm>
+          <a:prstGeom prst="rect">
+            <a:avLst/>
+          </a:prstGeom>
+          <a:noFill/>
+          <a:ln>
+            <a:solidFill>
+              <a:schemeClr val="bg1">
+                <a:lumMod val="85000"/>
+              </a:schemeClr>
+            </a:solidFill>
+          </a:ln>
+        </p:spPr>
+        <p:txBody>
+          <a:bodyPr wrap="square" rtlCol="0">
+            <a:spAutoFit/>
+          </a:bodyPr>
+          <a:lstStyle/>
+          <a:p>
+            <a:r>
+              <a:rPr lang="en-US" sz="3000" dirty="0" err="1">
+                <a:solidFill>
+                  <a:srgbClr val="0B2B91"/>
+                </a:solidFill>
+                <a:latin typeface="Consolas" charset="0"/>
+                <a:ea typeface="Consolas" charset="0"/>
+                <a:cs typeface="Consolas" charset="0"/>
+              </a:rPr>
+              <a:t>int</a:t>
+            </a:r>
+            <a:r>
+              <a:rPr lang="en-US" sz="3000" dirty="0">
+                <a:solidFill>
+                  <a:srgbClr val="0B2B91"/>
+                </a:solidFill>
+                <a:latin typeface="Consolas" charset="0"/>
+                <a:ea typeface="Consolas" charset="0"/>
+                <a:cs typeface="Consolas" charset="0"/>
+              </a:rPr>
+              <a:t> a[10];</a:t>
+            </a:r>
+          </a:p>
+          <a:p>
+            <a:r>
+              <a:rPr lang="en-US" sz="3000" dirty="0">
+                <a:solidFill>
+                  <a:srgbClr val="0B2B91"/>
+                </a:solidFill>
+                <a:latin typeface="Consolas" charset="0"/>
+                <a:ea typeface="Consolas" charset="0"/>
+                <a:cs typeface="Consolas" charset="0"/>
+              </a:rPr>
+              <a:t>…</a:t>
+            </a:r>
+          </a:p>
+          <a:p>
+            <a:r>
+              <a:rPr lang="en-US" sz="3000" dirty="0">
+                <a:solidFill>
+                  <a:srgbClr val="0B2B91"/>
+                </a:solidFill>
+                <a:latin typeface="Consolas" charset="0"/>
+                <a:ea typeface="Consolas" charset="0"/>
+                <a:cs typeface="Consolas" charset="0"/>
+              </a:rPr>
+              <a:t>while (*a != 0) {</a:t>
+            </a:r>
+          </a:p>
+          <a:p>
+            <a:pPr defTabSz="461963"/>
+            <a:r>
+              <a:rPr lang="en-US" sz="3000" dirty="0">
+                <a:solidFill>
+                  <a:srgbClr val="0B2B91"/>
+                </a:solidFill>
+                <a:latin typeface="Consolas" charset="0"/>
+                <a:ea typeface="Consolas" charset="0"/>
+                <a:cs typeface="Consolas" charset="0"/>
+              </a:rPr>
+              <a:t>	a++;</a:t>
+            </a:r>
+          </a:p>
+          <a:p>
+            <a:pPr defTabSz="461963"/>
+            <a:r>
+              <a:rPr lang="en-US" sz="3000" dirty="0">
+                <a:solidFill>
+                  <a:srgbClr val="0B2B91"/>
+                </a:solidFill>
+                <a:latin typeface="Consolas" charset="0"/>
+                <a:ea typeface="Consolas" charset="0"/>
+                <a:cs typeface="Consolas" charset="0"/>
+              </a:rPr>
+              <a:t>} </a:t>
+            </a:r>
+            <a:endParaRPr lang="en-US" sz="3000" dirty="0">
+              <a:solidFill>
+                <a:srgbClr val="00B050"/>
+              </a:solidFill>
+              <a:latin typeface="Consolas" charset="0"/>
+              <a:ea typeface="Consolas" charset="0"/>
+              <a:cs typeface="Consolas" charset="0"/>
+            </a:endParaRPr>
+          </a:p>
+        </p:txBody>
+      </p:sp>
+      <p:sp>
+        <p:nvSpPr>
+          <p:cNvPr id="6" name="TextBox 5"/>
+          <p:cNvSpPr txBox="1"/>
+          <p:nvPr/>
+        </p:nvSpPr>
+        <p:spPr>
+          <a:xfrm>
+            <a:off x="4419600" y="2819400"/>
+            <a:ext cx="3796284" cy="2862322"/>
+          </a:xfrm>
+          <a:prstGeom prst="rect">
+            <a:avLst/>
+          </a:prstGeom>
+          <a:noFill/>
+          <a:ln w="6350">
+            <a:solidFill>
+              <a:schemeClr val="bg1">
+                <a:lumMod val="85000"/>
+              </a:schemeClr>
+            </a:solidFill>
+          </a:ln>
+        </p:spPr>
+        <p:txBody>
+          <a:bodyPr wrap="square" rtlCol="0">
+            <a:spAutoFit/>
+          </a:bodyPr>
+          <a:lstStyle/>
+          <a:p>
+            <a:r>
+              <a:rPr lang="en-US" sz="3000" dirty="0" err="1">
+                <a:solidFill>
+                  <a:srgbClr val="0B2B91"/>
+                </a:solidFill>
+                <a:latin typeface="Consolas" charset="0"/>
+                <a:ea typeface="Consolas" charset="0"/>
+                <a:cs typeface="Consolas" charset="0"/>
+              </a:rPr>
+              <a:t>int</a:t>
+            </a:r>
+            <a:r>
+              <a:rPr lang="en-US" sz="3000" dirty="0">
+                <a:solidFill>
+                  <a:srgbClr val="0B2B91"/>
+                </a:solidFill>
+                <a:latin typeface="Consolas" charset="0"/>
+                <a:ea typeface="Consolas" charset="0"/>
+                <a:cs typeface="Consolas" charset="0"/>
+              </a:rPr>
+              <a:t> a[10];</a:t>
+            </a:r>
+          </a:p>
+          <a:p>
+            <a:r>
+              <a:rPr lang="en-US" sz="3000" dirty="0">
+                <a:solidFill>
+                  <a:srgbClr val="0B2B91"/>
+                </a:solidFill>
+                <a:latin typeface="Consolas" charset="0"/>
+                <a:ea typeface="Consolas" charset="0"/>
+                <a:cs typeface="Consolas" charset="0"/>
+              </a:rPr>
+              <a:t>…</a:t>
+            </a:r>
+          </a:p>
+          <a:p>
+            <a:r>
+              <a:rPr lang="en-US" sz="3000" dirty="0" err="1">
+                <a:solidFill>
+                  <a:srgbClr val="0B2B91"/>
+                </a:solidFill>
+                <a:latin typeface="Consolas" charset="0"/>
+                <a:ea typeface="Consolas" charset="0"/>
+                <a:cs typeface="Consolas" charset="0"/>
+              </a:rPr>
+              <a:t>int</a:t>
+            </a:r>
+            <a:r>
+              <a:rPr lang="en-US" sz="3000" dirty="0">
+                <a:solidFill>
+                  <a:srgbClr val="0B2B91"/>
+                </a:solidFill>
+                <a:latin typeface="Consolas" charset="0"/>
+                <a:ea typeface="Consolas" charset="0"/>
+                <a:cs typeface="Consolas" charset="0"/>
+              </a:rPr>
+              <a:t> *p = a;</a:t>
+            </a:r>
+          </a:p>
+          <a:p>
+            <a:r>
+              <a:rPr lang="en-US" sz="3000" dirty="0">
+                <a:solidFill>
+                  <a:srgbClr val="0B2B91"/>
+                </a:solidFill>
+                <a:latin typeface="Consolas" charset="0"/>
+                <a:ea typeface="Consolas" charset="0"/>
+                <a:cs typeface="Consolas" charset="0"/>
+              </a:rPr>
+              <a:t>while (*p != 0) {</a:t>
+            </a:r>
+          </a:p>
+          <a:p>
+            <a:pPr defTabSz="461963"/>
+            <a:r>
+              <a:rPr lang="en-US" sz="3000" dirty="0">
+                <a:solidFill>
+                  <a:srgbClr val="0B2B91"/>
+                </a:solidFill>
+                <a:latin typeface="Consolas" charset="0"/>
+                <a:ea typeface="Consolas" charset="0"/>
+                <a:cs typeface="Consolas" charset="0"/>
+              </a:rPr>
+              <a:t>	p++; </a:t>
+            </a:r>
+          </a:p>
+          <a:p>
+            <a:pPr defTabSz="461963"/>
+            <a:r>
+              <a:rPr lang="en-US" sz="3000" dirty="0">
+                <a:solidFill>
+                  <a:srgbClr val="0B2B91"/>
+                </a:solidFill>
+                <a:latin typeface="Consolas" charset="0"/>
+                <a:ea typeface="Consolas" charset="0"/>
+                <a:cs typeface="Consolas" charset="0"/>
+              </a:rPr>
+              <a:t>}</a:t>
+            </a:r>
+            <a:endParaRPr lang="en-US" sz="3000" dirty="0">
+              <a:solidFill>
+                <a:srgbClr val="00B050"/>
+              </a:solidFill>
+              <a:latin typeface="Consolas" charset="0"/>
+              <a:ea typeface="Consolas" charset="0"/>
+              <a:cs typeface="Consolas" charset="0"/>
+            </a:endParaRPr>
+          </a:p>
+        </p:txBody>
+      </p:sp>
+      <p:sp>
+        <p:nvSpPr>
+          <p:cNvPr id="4" name="TextBox 3"/>
+          <p:cNvSpPr txBox="1"/>
+          <p:nvPr/>
+        </p:nvSpPr>
+        <p:spPr>
+          <a:xfrm>
+            <a:off x="952500" y="5603565"/>
+            <a:ext cx="1905000" cy="461665"/>
+          </a:xfrm>
+          <a:prstGeom prst="rect">
+            <a:avLst/>
+          </a:prstGeom>
+          <a:solidFill>
+            <a:schemeClr val="accent2">
+              <a:lumMod val="20000"/>
+              <a:lumOff val="80000"/>
+            </a:schemeClr>
+          </a:solidFill>
+        </p:spPr>
+        <p:txBody>
+          <a:bodyPr wrap="square" rtlCol="0">
+            <a:spAutoFit/>
+          </a:bodyPr>
+          <a:lstStyle/>
+          <a:p>
+            <a:pPr algn="ctr"/>
+            <a:r>
+              <a:rPr lang="en-US" sz="2400" dirty="0">
+                <a:solidFill>
+                  <a:srgbClr val="C00000"/>
+                </a:solidFill>
+              </a:rPr>
+              <a:t>Wrong</a:t>
+            </a:r>
+          </a:p>
+        </p:txBody>
+      </p:sp>
+      <p:sp>
+        <p:nvSpPr>
+          <p:cNvPr id="8" name="TextBox 7"/>
+          <p:cNvSpPr txBox="1"/>
+          <p:nvPr/>
+        </p:nvSpPr>
+        <p:spPr>
+          <a:xfrm>
+            <a:off x="5332713" y="5754116"/>
+            <a:ext cx="1905000" cy="461665"/>
+          </a:xfrm>
+          <a:prstGeom prst="rect">
+            <a:avLst/>
+          </a:prstGeom>
+          <a:solidFill>
+            <a:schemeClr val="accent3">
+              <a:lumMod val="20000"/>
+              <a:lumOff val="80000"/>
+            </a:schemeClr>
+          </a:solidFill>
+        </p:spPr>
+        <p:txBody>
+          <a:bodyPr wrap="square" rtlCol="0">
+            <a:spAutoFit/>
+          </a:bodyPr>
+          <a:lstStyle/>
+          <a:p>
+            <a:pPr algn="ctr"/>
+            <a:r>
+              <a:rPr lang="en-US" sz="2400" dirty="0">
+                <a:solidFill>
+                  <a:schemeClr val="accent3">
+                    <a:lumMod val="50000"/>
+                  </a:schemeClr>
+                </a:solidFill>
+              </a:rPr>
+              <a:t>Correct</a:t>
+            </a:r>
+          </a:p>
+        </p:txBody>
+      </p:sp>
+    </p:spTree>
+    <p:extLst>
+      <p:ext uri="{BB962C8B-B14F-4D97-AF65-F5344CB8AC3E}">
+        <p14:creationId xmlns:p14="http://schemas.microsoft.com/office/powerpoint/2010/main" val="1650386256"/>
+      </p:ext>
+    </p:extLst>
+  </p:cSld>
+  <p:clrMapOvr>
+    <a:masterClrMapping/>
+  </p:clrMapOvr>
+</p:sld>
+</file>
+
+<file path=ppt/slides/slide24.xml><?xml version="1.0" encoding="utf-8"?>
+<p:sld xmlns:a="http://schemas.openxmlformats.org/drawingml/2006/main" xmlns:r="http://schemas.openxmlformats.org/officeDocument/2006/relationships" xmlns:p="http://schemas.openxmlformats.org/presentationml/2006/main">
+  <p:cSld>
+    <p:spTree>
+      <p:nvGrpSpPr>
+        <p:cNvPr id="1" name=""/>
+        <p:cNvGrpSpPr/>
+        <p:nvPr/>
+      </p:nvGrpSpPr>
+      <p:grpSpPr>
+        <a:xfrm>
+          <a:off x="0" y="0"/>
+          <a:ext cx="0" cy="0"/>
+          <a:chOff x="0" y="0"/>
+          <a:chExt cx="0" cy="0"/>
+        </a:xfrm>
+      </p:grpSpPr>
+      <p:sp>
+        <p:nvSpPr>
+          <p:cNvPr id="2" name="Title 1"/>
+          <p:cNvSpPr>
+            <a:spLocks noGrp="1"/>
+          </p:cNvSpPr>
+          <p:nvPr>
+            <p:ph type="title"/>
+          </p:nvPr>
+        </p:nvSpPr>
+        <p:spPr/>
+        <p:txBody>
+          <a:bodyPr/>
+          <a:lstStyle/>
+          <a:p>
+            <a:r>
+              <a:rPr lang="en-US" dirty="0"/>
+              <a:t>Exercise</a:t>
+            </a:r>
+          </a:p>
+        </p:txBody>
+      </p:sp>
+      <p:sp>
+        <p:nvSpPr>
+          <p:cNvPr id="3" name="Content Placeholder 2"/>
+          <p:cNvSpPr>
+            <a:spLocks noGrp="1"/>
+          </p:cNvSpPr>
+          <p:nvPr>
+            <p:ph idx="1"/>
+          </p:nvPr>
+        </p:nvSpPr>
+        <p:spPr/>
+        <p:txBody>
+          <a:bodyPr>
+            <a:normAutofit/>
+          </a:bodyPr>
+          <a:lstStyle/>
+          <a:p>
+            <a:r>
+              <a:rPr lang="en-US" sz="2800" dirty="0"/>
+              <a:t>Consider the following declarations:</a:t>
+            </a:r>
+          </a:p>
+        </p:txBody>
+      </p:sp>
+      <p:sp>
+        <p:nvSpPr>
+          <p:cNvPr id="12" name="Slide Number Placeholder 11"/>
+          <p:cNvSpPr>
+            <a:spLocks noGrp="1"/>
+          </p:cNvSpPr>
+          <p:nvPr>
+            <p:ph type="sldNum" sz="quarter" idx="12"/>
+          </p:nvPr>
+        </p:nvSpPr>
+        <p:spPr/>
+        <p:txBody>
+          <a:bodyPr/>
+          <a:lstStyle/>
+          <a:p>
+            <a:fld id="{B6F15528-21DE-4FAA-801E-634DDDAF4B2B}" type="slidenum">
+              <a:rPr lang="en-US" smtClean="0"/>
+              <a:pPr/>
+              <a:t>24</a:t>
             </a:fld>
             <a:endParaRPr lang="en-US" dirty="0"/>
           </a:p>
@@ -12574,456 +13785,6 @@
 </p:sld>
 </file>
 
-<file path=ppt/slides/slide24.xml><?xml version="1.0" encoding="utf-8"?>
-<p:sld xmlns:a="http://schemas.openxmlformats.org/drawingml/2006/main" xmlns:r="http://schemas.openxmlformats.org/officeDocument/2006/relationships" xmlns:p="http://schemas.openxmlformats.org/presentationml/2006/main">
-  <p:cSld>
-    <p:spTree>
-      <p:nvGrpSpPr>
-        <p:cNvPr id="1" name=""/>
-        <p:cNvGrpSpPr/>
-        <p:nvPr/>
-      </p:nvGrpSpPr>
-      <p:grpSpPr>
-        <a:xfrm>
-          <a:off x="0" y="0"/>
-          <a:ext cx="0" cy="0"/>
-          <a:chOff x="0" y="0"/>
-          <a:chExt cx="0" cy="0"/>
-        </a:xfrm>
-      </p:grpSpPr>
-      <p:sp>
-        <p:nvSpPr>
-          <p:cNvPr id="2" name="Title 1"/>
-          <p:cNvSpPr>
-            <a:spLocks noGrp="1"/>
-          </p:cNvSpPr>
-          <p:nvPr>
-            <p:ph type="title"/>
-          </p:nvPr>
-        </p:nvSpPr>
-        <p:spPr/>
-        <p:txBody>
-          <a:bodyPr/>
-          <a:lstStyle/>
-          <a:p>
-            <a:r>
-              <a:rPr lang="en-US" dirty="0"/>
-              <a:t>Arrays as Arguments</a:t>
-            </a:r>
-          </a:p>
-        </p:txBody>
-      </p:sp>
-      <p:sp>
-        <p:nvSpPr>
-          <p:cNvPr id="3" name="Content Placeholder 2"/>
-          <p:cNvSpPr>
-            <a:spLocks noGrp="1"/>
-          </p:cNvSpPr>
-          <p:nvPr>
-            <p:ph idx="1"/>
-          </p:nvPr>
-        </p:nvSpPr>
-        <p:spPr/>
-        <p:txBody>
-          <a:bodyPr>
-            <a:normAutofit/>
-          </a:bodyPr>
-          <a:lstStyle/>
-          <a:p>
-            <a:r>
-              <a:rPr lang="en-US" sz="2800" dirty="0"/>
-              <a:t>When passed to a function, array name is treated as a pointer</a:t>
-            </a:r>
-          </a:p>
-          <a:p>
-            <a:endParaRPr lang="en-US" sz="2800" dirty="0"/>
-          </a:p>
-        </p:txBody>
-      </p:sp>
-      <p:sp>
-        <p:nvSpPr>
-          <p:cNvPr id="12" name="Slide Number Placeholder 11"/>
-          <p:cNvSpPr>
-            <a:spLocks noGrp="1"/>
-          </p:cNvSpPr>
-          <p:nvPr>
-            <p:ph type="sldNum" sz="quarter" idx="12"/>
-          </p:nvPr>
-        </p:nvSpPr>
-        <p:spPr/>
-        <p:txBody>
-          <a:bodyPr/>
-          <a:lstStyle/>
-          <a:p>
-            <a:fld id="{B6F15528-21DE-4FAA-801E-634DDDAF4B2B}" type="slidenum">
-              <a:rPr lang="en-US" smtClean="0"/>
-              <a:pPr/>
-              <a:t>24</a:t>
-            </a:fld>
-            <a:endParaRPr lang="en-US" dirty="0"/>
-          </a:p>
-        </p:txBody>
-      </p:sp>
-      <p:sp>
-        <p:nvSpPr>
-          <p:cNvPr id="5" name="TextBox 4"/>
-          <p:cNvSpPr txBox="1"/>
-          <p:nvPr/>
-        </p:nvSpPr>
-        <p:spPr>
-          <a:xfrm>
-            <a:off x="228600" y="2590800"/>
-            <a:ext cx="7987284" cy="3108543"/>
-          </a:xfrm>
-          <a:prstGeom prst="rect">
-            <a:avLst/>
-          </a:prstGeom>
-          <a:noFill/>
-        </p:spPr>
-        <p:txBody>
-          <a:bodyPr wrap="square" rtlCol="0">
-            <a:spAutoFit/>
-          </a:bodyPr>
-          <a:lstStyle/>
-          <a:p>
-            <a:pPr>
-              <a:tabLst>
-                <a:tab pos="461963" algn="l"/>
-              </a:tabLst>
-            </a:pPr>
-            <a:r>
-              <a:rPr lang="en-US" sz="2800" dirty="0">
-                <a:solidFill>
-                  <a:srgbClr val="000099"/>
-                </a:solidFill>
-                <a:latin typeface="Consolas" charset="0"/>
-                <a:ea typeface="Consolas" charset="0"/>
-                <a:cs typeface="Consolas" charset="0"/>
-              </a:rPr>
-              <a:t>void </a:t>
-            </a:r>
-            <a:r>
-              <a:rPr lang="en-US" sz="2800" dirty="0" err="1">
-                <a:solidFill>
-                  <a:srgbClr val="000099"/>
-                </a:solidFill>
-                <a:latin typeface="Consolas" charset="0"/>
-                <a:ea typeface="Consolas" charset="0"/>
-                <a:cs typeface="Consolas" charset="0"/>
-              </a:rPr>
-              <a:t>resetValues</a:t>
-            </a:r>
-            <a:r>
-              <a:rPr lang="en-US" sz="2800" dirty="0">
-                <a:solidFill>
-                  <a:srgbClr val="000099"/>
-                </a:solidFill>
-                <a:latin typeface="Consolas" charset="0"/>
-                <a:ea typeface="Consolas" charset="0"/>
-                <a:cs typeface="Consolas" charset="0"/>
-              </a:rPr>
-              <a:t>(</a:t>
-            </a:r>
-            <a:r>
-              <a:rPr lang="en-US" sz="2800" dirty="0" err="1">
-                <a:solidFill>
-                  <a:srgbClr val="000099"/>
-                </a:solidFill>
-                <a:latin typeface="Consolas" charset="0"/>
-                <a:ea typeface="Consolas" charset="0"/>
-                <a:cs typeface="Consolas" charset="0"/>
-              </a:rPr>
-              <a:t>int</a:t>
-            </a:r>
-            <a:r>
-              <a:rPr lang="en-US" sz="2800" dirty="0">
-                <a:solidFill>
-                  <a:srgbClr val="000099"/>
-                </a:solidFill>
-                <a:latin typeface="Consolas" charset="0"/>
-                <a:ea typeface="Consolas" charset="0"/>
-                <a:cs typeface="Consolas" charset="0"/>
-              </a:rPr>
-              <a:t> array[], </a:t>
-            </a:r>
-            <a:r>
-              <a:rPr lang="en-US" sz="2800" dirty="0" err="1">
-                <a:solidFill>
-                  <a:srgbClr val="000099"/>
-                </a:solidFill>
-                <a:latin typeface="Consolas" charset="0"/>
-                <a:ea typeface="Consolas" charset="0"/>
-                <a:cs typeface="Consolas" charset="0"/>
-              </a:rPr>
-              <a:t>int</a:t>
-            </a:r>
-            <a:r>
-              <a:rPr lang="en-US" sz="2800" dirty="0">
-                <a:solidFill>
-                  <a:srgbClr val="000099"/>
-                </a:solidFill>
-                <a:latin typeface="Consolas" charset="0"/>
-                <a:ea typeface="Consolas" charset="0"/>
-                <a:cs typeface="Consolas" charset="0"/>
-              </a:rPr>
-              <a:t> n) {</a:t>
-            </a:r>
-          </a:p>
-          <a:p>
-            <a:pPr>
-              <a:tabLst>
-                <a:tab pos="461963" algn="l"/>
-              </a:tabLst>
-            </a:pPr>
-            <a:r>
-              <a:rPr lang="en-US" sz="2800" dirty="0">
-                <a:solidFill>
-                  <a:srgbClr val="000099"/>
-                </a:solidFill>
-                <a:latin typeface="Consolas" charset="0"/>
-                <a:ea typeface="Consolas" charset="0"/>
-                <a:cs typeface="Consolas" charset="0"/>
-              </a:rPr>
-              <a:t>	for (</a:t>
-            </a:r>
-            <a:r>
-              <a:rPr lang="en-US" sz="2800" dirty="0" err="1">
-                <a:solidFill>
-                  <a:srgbClr val="000099"/>
-                </a:solidFill>
-                <a:latin typeface="Consolas" charset="0"/>
-                <a:ea typeface="Consolas" charset="0"/>
-                <a:cs typeface="Consolas" charset="0"/>
-              </a:rPr>
-              <a:t>int</a:t>
-            </a:r>
-            <a:r>
-              <a:rPr lang="en-US" sz="2800" dirty="0">
-                <a:solidFill>
-                  <a:srgbClr val="000099"/>
-                </a:solidFill>
-                <a:latin typeface="Consolas" charset="0"/>
-                <a:ea typeface="Consolas" charset="0"/>
-                <a:cs typeface="Consolas" charset="0"/>
-              </a:rPr>
-              <a:t> </a:t>
-            </a:r>
-            <a:r>
-              <a:rPr lang="en-US" sz="2800" dirty="0" err="1">
-                <a:solidFill>
-                  <a:srgbClr val="000099"/>
-                </a:solidFill>
-                <a:latin typeface="Consolas" charset="0"/>
-                <a:ea typeface="Consolas" charset="0"/>
-                <a:cs typeface="Consolas" charset="0"/>
-              </a:rPr>
-              <a:t>i</a:t>
-            </a:r>
-            <a:r>
-              <a:rPr lang="en-US" sz="2800" dirty="0">
-                <a:solidFill>
-                  <a:srgbClr val="000099"/>
-                </a:solidFill>
-                <a:latin typeface="Consolas" charset="0"/>
-                <a:ea typeface="Consolas" charset="0"/>
-                <a:cs typeface="Consolas" charset="0"/>
-              </a:rPr>
-              <a:t> = 0; </a:t>
-            </a:r>
-            <a:r>
-              <a:rPr lang="en-US" sz="2800" dirty="0" err="1">
-                <a:solidFill>
-                  <a:srgbClr val="000099"/>
-                </a:solidFill>
-                <a:latin typeface="Consolas" charset="0"/>
-                <a:ea typeface="Consolas" charset="0"/>
-                <a:cs typeface="Consolas" charset="0"/>
-              </a:rPr>
-              <a:t>i</a:t>
-            </a:r>
-            <a:r>
-              <a:rPr lang="en-US" sz="2800" dirty="0">
-                <a:solidFill>
-                  <a:srgbClr val="000099"/>
-                </a:solidFill>
-                <a:latin typeface="Consolas" charset="0"/>
-                <a:ea typeface="Consolas" charset="0"/>
-                <a:cs typeface="Consolas" charset="0"/>
-              </a:rPr>
-              <a:t>&lt;n; </a:t>
-            </a:r>
-            <a:r>
-              <a:rPr lang="en-US" sz="2800" dirty="0" err="1">
-                <a:solidFill>
-                  <a:srgbClr val="000099"/>
-                </a:solidFill>
-                <a:latin typeface="Consolas" charset="0"/>
-                <a:ea typeface="Consolas" charset="0"/>
-                <a:cs typeface="Consolas" charset="0"/>
-              </a:rPr>
-              <a:t>i</a:t>
-            </a:r>
-            <a:r>
-              <a:rPr lang="en-US" sz="2800" dirty="0">
-                <a:solidFill>
-                  <a:srgbClr val="000099"/>
-                </a:solidFill>
-                <a:latin typeface="Consolas" charset="0"/>
-                <a:ea typeface="Consolas" charset="0"/>
-                <a:cs typeface="Consolas" charset="0"/>
-              </a:rPr>
-              <a:t>++)</a:t>
-            </a:r>
-          </a:p>
-          <a:p>
-            <a:pPr>
-              <a:tabLst>
-                <a:tab pos="461963" algn="l"/>
-              </a:tabLst>
-            </a:pPr>
-            <a:r>
-              <a:rPr lang="en-US" sz="2800" dirty="0">
-                <a:solidFill>
-                  <a:srgbClr val="000099"/>
-                </a:solidFill>
-                <a:latin typeface="Consolas" charset="0"/>
-                <a:ea typeface="Consolas" charset="0"/>
-                <a:cs typeface="Consolas" charset="0"/>
-              </a:rPr>
-              <a:t>		array[</a:t>
-            </a:r>
-            <a:r>
-              <a:rPr lang="en-US" sz="2800" dirty="0" err="1">
-                <a:solidFill>
-                  <a:srgbClr val="000099"/>
-                </a:solidFill>
-                <a:latin typeface="Consolas" charset="0"/>
-                <a:ea typeface="Consolas" charset="0"/>
-                <a:cs typeface="Consolas" charset="0"/>
-              </a:rPr>
-              <a:t>i</a:t>
-            </a:r>
-            <a:r>
-              <a:rPr lang="en-US" sz="2800" dirty="0">
-                <a:solidFill>
-                  <a:srgbClr val="000099"/>
-                </a:solidFill>
-                <a:latin typeface="Consolas" charset="0"/>
-                <a:ea typeface="Consolas" charset="0"/>
-                <a:cs typeface="Consolas" charset="0"/>
-              </a:rPr>
-              <a:t>] = -1;</a:t>
-            </a:r>
-          </a:p>
-          <a:p>
-            <a:pPr>
-              <a:tabLst>
-                <a:tab pos="461963" algn="l"/>
-              </a:tabLst>
-            </a:pPr>
-            <a:r>
-              <a:rPr lang="en-US" sz="2800" dirty="0">
-                <a:solidFill>
-                  <a:srgbClr val="000099"/>
-                </a:solidFill>
-                <a:latin typeface="Consolas" charset="0"/>
-                <a:ea typeface="Consolas" charset="0"/>
-                <a:cs typeface="Consolas" charset="0"/>
-              </a:rPr>
-              <a:t>}</a:t>
-            </a:r>
-          </a:p>
-          <a:p>
-            <a:pPr>
-              <a:tabLst>
-                <a:tab pos="461963" algn="l"/>
-              </a:tabLst>
-            </a:pPr>
-            <a:r>
-              <a:rPr lang="en-US" sz="2800" dirty="0">
-                <a:solidFill>
-                  <a:srgbClr val="000099"/>
-                </a:solidFill>
-                <a:latin typeface="Consolas" charset="0"/>
-                <a:ea typeface="Consolas" charset="0"/>
-                <a:cs typeface="Consolas" charset="0"/>
-              </a:rPr>
-              <a:t>…</a:t>
-            </a:r>
-          </a:p>
-          <a:p>
-            <a:pPr>
-              <a:tabLst>
-                <a:tab pos="461963" algn="l"/>
-              </a:tabLst>
-            </a:pPr>
-            <a:r>
-              <a:rPr lang="en-US" sz="2800" dirty="0" err="1">
-                <a:solidFill>
-                  <a:srgbClr val="000099"/>
-                </a:solidFill>
-                <a:latin typeface="Consolas" charset="0"/>
-                <a:ea typeface="Consolas" charset="0"/>
-                <a:cs typeface="Consolas" charset="0"/>
-              </a:rPr>
-              <a:t>int</a:t>
-            </a:r>
-            <a:r>
-              <a:rPr lang="en-US" sz="2800" dirty="0">
-                <a:solidFill>
-                  <a:srgbClr val="000099"/>
-                </a:solidFill>
-                <a:latin typeface="Consolas" charset="0"/>
-                <a:ea typeface="Consolas" charset="0"/>
-                <a:cs typeface="Consolas" charset="0"/>
-              </a:rPr>
-              <a:t> totals[] = {100, 52, 71, 98};</a:t>
-            </a:r>
-          </a:p>
-          <a:p>
-            <a:pPr>
-              <a:tabLst>
-                <a:tab pos="461963" algn="l"/>
-              </a:tabLst>
-            </a:pPr>
-            <a:r>
-              <a:rPr lang="en-US" sz="2800" dirty="0" err="1">
-                <a:solidFill>
-                  <a:srgbClr val="000099"/>
-                </a:solidFill>
-                <a:latin typeface="Consolas" charset="0"/>
-                <a:ea typeface="Consolas" charset="0"/>
-                <a:cs typeface="Consolas" charset="0"/>
-              </a:rPr>
-              <a:t>resetValues</a:t>
-            </a:r>
-            <a:r>
-              <a:rPr lang="en-US" sz="2800" dirty="0">
-                <a:solidFill>
-                  <a:srgbClr val="000099"/>
-                </a:solidFill>
-                <a:latin typeface="Consolas" charset="0"/>
-                <a:ea typeface="Consolas" charset="0"/>
-                <a:cs typeface="Consolas" charset="0"/>
-              </a:rPr>
-              <a:t>(totals, 4); </a:t>
-            </a:r>
-          </a:p>
-        </p:txBody>
-      </p:sp>
-    </p:spTree>
-    <p:extLst>
-      <p:ext uri="{BB962C8B-B14F-4D97-AF65-F5344CB8AC3E}">
-        <p14:creationId xmlns:p14="http://schemas.microsoft.com/office/powerpoint/2010/main" val="1494909165"/>
-      </p:ext>
-    </p:extLst>
-  </p:cSld>
-  <p:clrMapOvr>
-    <a:masterClrMapping/>
-  </p:clrMapOvr>
-</p:sld>
-</file>
-
 <file path=ppt/slides/slide25.xml><?xml version="1.0" encoding="utf-8"?>
 <p:sld xmlns:a="http://schemas.openxmlformats.org/drawingml/2006/main" xmlns:r="http://schemas.openxmlformats.org/officeDocument/2006/relationships" xmlns:p="http://schemas.openxmlformats.org/presentationml/2006/main">
   <p:cSld>
@@ -13082,7 +13843,7 @@
           <a:p>
             <a:r>
               <a:rPr lang="en-US" sz="2800" dirty="0"/>
-              <a:t>Can pass the array as a pointer</a:t>
+              <a:t>When passed to a function, array name is treated as a pointer</a:t>
             </a:r>
           </a:p>
           <a:p>
@@ -13116,14 +13877,14 @@
       </p:sp>
       <p:sp>
         <p:nvSpPr>
-          <p:cNvPr id="8" name="TextBox 7"/>
+          <p:cNvPr id="5" name="TextBox 4"/>
           <p:cNvSpPr txBox="1"/>
           <p:nvPr/>
         </p:nvSpPr>
         <p:spPr>
           <a:xfrm>
-            <a:off x="152400" y="2590800"/>
-            <a:ext cx="8153400" cy="3108543"/>
+            <a:off x="228600" y="2590800"/>
+            <a:ext cx="7987284" cy="3108543"/>
           </a:xfrm>
           <a:prstGeom prst="rect">
             <a:avLst/>
@@ -13194,29 +13955,7 @@
                 <a:ea typeface="Consolas" charset="0"/>
                 <a:cs typeface="Consolas" charset="0"/>
               </a:rPr>
-              <a:t> </a:t>
-            </a:r>
-            <a:r>
-              <a:rPr lang="en-US" sz="2800" dirty="0">
-                <a:solidFill>
-                  <a:srgbClr val="FF0000"/>
-                </a:solidFill>
-                <a:latin typeface="Consolas" charset="0"/>
-                <a:ea typeface="Consolas" charset="0"/>
-                <a:cs typeface="Consolas" charset="0"/>
-              </a:rPr>
-              <a:t>*array</a:t>
-            </a:r>
-            <a:r>
-              <a:rPr lang="en-US" sz="2800" dirty="0">
-                <a:solidFill>
-                  <a:srgbClr val="000099"/>
-                </a:solidFill>
-                <a:latin typeface="Consolas" charset="0"/>
-                <a:ea typeface="Consolas" charset="0"/>
-                <a:cs typeface="Consolas" charset="0"/>
-              </a:rPr>
-              <a:t>, </a:t>
+              <a:t> array[], </a:t>
             </a:r>
             <a:r>
               <a:rPr lang="en-US" sz="2800" dirty="0" err="1">
@@ -13384,40 +14123,7 @@
                 <a:ea typeface="Consolas" charset="0"/>
                 <a:cs typeface="Consolas" charset="0"/>
               </a:rPr>
-              <a:t>] = -1; </a:t>
-            </a:r>
-            <a:r>
-              <a:rPr lang="en-US" sz="2800" dirty="0">
-                <a:solidFill>
-                  <a:srgbClr val="00B050"/>
-                </a:solidFill>
-                <a:latin typeface="Consolas" charset="0"/>
-                <a:ea typeface="Consolas" charset="0"/>
-                <a:cs typeface="Consolas" charset="0"/>
-              </a:rPr>
-              <a:t>//*(array + </a:t>
-            </a:r>
-            <a:r>
-              <a:rPr lang="en-US" sz="2800" dirty="0" err="1">
-                <a:solidFill>
-                  <a:srgbClr val="00B050"/>
-                </a:solidFill>
-                <a:latin typeface="Consolas" charset="0"/>
-                <a:ea typeface="Consolas" charset="0"/>
-                <a:cs typeface="Consolas" charset="0"/>
-              </a:rPr>
-              <a:t>i</a:t>
-            </a:r>
-            <a:r>
-              <a:rPr lang="en-US" sz="2800" dirty="0">
-                <a:solidFill>
-                  <a:srgbClr val="00B050"/>
-                </a:solidFill>
-                <a:latin typeface="Consolas" charset="0"/>
-                <a:ea typeface="Consolas" charset="0"/>
-                <a:cs typeface="Consolas" charset="0"/>
-              </a:rPr>
-              <a:t>) = -1 </a:t>
+              <a:t>] = -1;</a:t>
             </a:r>
           </a:p>
           <a:p>
@@ -13482,7 +14188,7 @@
                 <a:ea typeface="Consolas" charset="0"/>
                 <a:cs typeface="Consolas" charset="0"/>
               </a:rPr>
-              <a:t> totals[ ] = {100, 52, 71, 98};</a:t>
+              <a:t> totals[] = {100, 52, 71, 98};</a:t>
             </a:r>
           </a:p>
           <a:p>
@@ -13519,7 +14225,7 @@
     </p:spTree>
     <p:extLst>
       <p:ext uri="{BB962C8B-B14F-4D97-AF65-F5344CB8AC3E}">
-        <p14:creationId xmlns:p14="http://schemas.microsoft.com/office/powerpoint/2010/main" val="1527149902"/>
+        <p14:creationId xmlns:p14="http://schemas.microsoft.com/office/powerpoint/2010/main" val="1494909165"/>
       </p:ext>
     </p:extLst>
   </p:cSld>
@@ -13586,24 +14292,12 @@
           <a:lstStyle/>
           <a:p>
             <a:r>
-              <a:rPr lang="en-US" sz="2000" dirty="0"/>
-              <a:t>Changes to the array made inside the function persist outside the function</a:t>
-            </a:r>
-          </a:p>
-          <a:p>
-            <a:r>
-              <a:rPr lang="en-US" sz="2000" dirty="0"/>
-              <a:t>Passing a large array does not take more time than passing a small array</a:t>
-            </a:r>
-          </a:p>
-          <a:p>
-            <a:r>
-              <a:rPr lang="en-US" sz="2000" dirty="0"/>
-              <a:t>Can pass an array starting at any index, not necessarily from the first element</a:t>
-            </a:r>
-          </a:p>
-          <a:p>
-            <a:endParaRPr lang="en-US" sz="2000" dirty="0"/>
+              <a:rPr lang="en-US" sz="2800" dirty="0"/>
+              <a:t>Can pass the array as a pointer</a:t>
+            </a:r>
+          </a:p>
+          <a:p>
+            <a:endParaRPr lang="en-US" sz="2800" dirty="0"/>
           </a:p>
         </p:txBody>
       </p:sp>
@@ -13626,6 +14320,523 @@
               <a:rPr lang="en-US" smtClean="0"/>
               <a:pPr/>
               <a:t>26</a:t>
+            </a:fld>
+            <a:endParaRPr lang="en-US" dirty="0"/>
+          </a:p>
+        </p:txBody>
+      </p:sp>
+      <p:sp>
+        <p:nvSpPr>
+          <p:cNvPr id="8" name="TextBox 7"/>
+          <p:cNvSpPr txBox="1"/>
+          <p:nvPr/>
+        </p:nvSpPr>
+        <p:spPr>
+          <a:xfrm>
+            <a:off x="152400" y="2590800"/>
+            <a:ext cx="8153400" cy="3108543"/>
+          </a:xfrm>
+          <a:prstGeom prst="rect">
+            <a:avLst/>
+          </a:prstGeom>
+          <a:noFill/>
+        </p:spPr>
+        <p:txBody>
+          <a:bodyPr wrap="square" rtlCol="0">
+            <a:spAutoFit/>
+          </a:bodyPr>
+          <a:lstStyle/>
+          <a:p>
+            <a:pPr>
+              <a:tabLst>
+                <a:tab pos="461963" algn="l"/>
+              </a:tabLst>
+            </a:pPr>
+            <a:r>
+              <a:rPr lang="en-US" sz="2800" dirty="0">
+                <a:solidFill>
+                  <a:srgbClr val="000099"/>
+                </a:solidFill>
+                <a:latin typeface="Consolas" charset="0"/>
+                <a:ea typeface="Consolas" charset="0"/>
+                <a:cs typeface="Consolas" charset="0"/>
+              </a:rPr>
+              <a:t>void </a:t>
+            </a:r>
+            <a:r>
+              <a:rPr lang="en-US" sz="2800" dirty="0" err="1">
+                <a:solidFill>
+                  <a:srgbClr val="000099"/>
+                </a:solidFill>
+                <a:latin typeface="Consolas" charset="0"/>
+                <a:ea typeface="Consolas" charset="0"/>
+                <a:cs typeface="Consolas" charset="0"/>
+              </a:rPr>
+              <a:t>resetValues</a:t>
+            </a:r>
+            <a:r>
+              <a:rPr lang="en-US" sz="2800" dirty="0">
+                <a:solidFill>
+                  <a:srgbClr val="000099"/>
+                </a:solidFill>
+                <a:latin typeface="Consolas" charset="0"/>
+                <a:ea typeface="Consolas" charset="0"/>
+                <a:cs typeface="Consolas" charset="0"/>
+              </a:rPr>
+              <a:t>(</a:t>
+            </a:r>
+            <a:r>
+              <a:rPr lang="en-US" sz="2800" dirty="0" err="1">
+                <a:solidFill>
+                  <a:srgbClr val="000099"/>
+                </a:solidFill>
+                <a:latin typeface="Consolas" charset="0"/>
+                <a:ea typeface="Consolas" charset="0"/>
+                <a:cs typeface="Consolas" charset="0"/>
+              </a:rPr>
+              <a:t>int</a:t>
+            </a:r>
+            <a:r>
+              <a:rPr lang="en-US" sz="2800" dirty="0">
+                <a:solidFill>
+                  <a:srgbClr val="000099"/>
+                </a:solidFill>
+                <a:latin typeface="Consolas" charset="0"/>
+                <a:ea typeface="Consolas" charset="0"/>
+                <a:cs typeface="Consolas" charset="0"/>
+              </a:rPr>
+              <a:t> </a:t>
+            </a:r>
+            <a:r>
+              <a:rPr lang="en-US" sz="2800" dirty="0">
+                <a:solidFill>
+                  <a:srgbClr val="FF0000"/>
+                </a:solidFill>
+                <a:latin typeface="Consolas" charset="0"/>
+                <a:ea typeface="Consolas" charset="0"/>
+                <a:cs typeface="Consolas" charset="0"/>
+              </a:rPr>
+              <a:t>*array</a:t>
+            </a:r>
+            <a:r>
+              <a:rPr lang="en-US" sz="2800" dirty="0">
+                <a:solidFill>
+                  <a:srgbClr val="000099"/>
+                </a:solidFill>
+                <a:latin typeface="Consolas" charset="0"/>
+                <a:ea typeface="Consolas" charset="0"/>
+                <a:cs typeface="Consolas" charset="0"/>
+              </a:rPr>
+              <a:t>, </a:t>
+            </a:r>
+            <a:r>
+              <a:rPr lang="en-US" sz="2800" dirty="0" err="1">
+                <a:solidFill>
+                  <a:srgbClr val="000099"/>
+                </a:solidFill>
+                <a:latin typeface="Consolas" charset="0"/>
+                <a:ea typeface="Consolas" charset="0"/>
+                <a:cs typeface="Consolas" charset="0"/>
+              </a:rPr>
+              <a:t>int</a:t>
+            </a:r>
+            <a:r>
+              <a:rPr lang="en-US" sz="2800" dirty="0">
+                <a:solidFill>
+                  <a:srgbClr val="000099"/>
+                </a:solidFill>
+                <a:latin typeface="Consolas" charset="0"/>
+                <a:ea typeface="Consolas" charset="0"/>
+                <a:cs typeface="Consolas" charset="0"/>
+              </a:rPr>
+              <a:t> n) {</a:t>
+            </a:r>
+          </a:p>
+          <a:p>
+            <a:pPr>
+              <a:tabLst>
+                <a:tab pos="461963" algn="l"/>
+              </a:tabLst>
+            </a:pPr>
+            <a:r>
+              <a:rPr lang="en-US" sz="2800" dirty="0">
+                <a:solidFill>
+                  <a:srgbClr val="000099"/>
+                </a:solidFill>
+                <a:latin typeface="Consolas" charset="0"/>
+                <a:ea typeface="Consolas" charset="0"/>
+                <a:cs typeface="Consolas" charset="0"/>
+              </a:rPr>
+              <a:t>	for (</a:t>
+            </a:r>
+            <a:r>
+              <a:rPr lang="en-US" sz="2800" dirty="0" err="1">
+                <a:solidFill>
+                  <a:srgbClr val="000099"/>
+                </a:solidFill>
+                <a:latin typeface="Consolas" charset="0"/>
+                <a:ea typeface="Consolas" charset="0"/>
+                <a:cs typeface="Consolas" charset="0"/>
+              </a:rPr>
+              <a:t>int</a:t>
+            </a:r>
+            <a:r>
+              <a:rPr lang="en-US" sz="2800" dirty="0">
+                <a:solidFill>
+                  <a:srgbClr val="000099"/>
+                </a:solidFill>
+                <a:latin typeface="Consolas" charset="0"/>
+                <a:ea typeface="Consolas" charset="0"/>
+                <a:cs typeface="Consolas" charset="0"/>
+              </a:rPr>
+              <a:t> </a:t>
+            </a:r>
+            <a:r>
+              <a:rPr lang="en-US" sz="2800" dirty="0" err="1">
+                <a:solidFill>
+                  <a:srgbClr val="000099"/>
+                </a:solidFill>
+                <a:latin typeface="Consolas" charset="0"/>
+                <a:ea typeface="Consolas" charset="0"/>
+                <a:cs typeface="Consolas" charset="0"/>
+              </a:rPr>
+              <a:t>i</a:t>
+            </a:r>
+            <a:r>
+              <a:rPr lang="en-US" sz="2800" dirty="0">
+                <a:solidFill>
+                  <a:srgbClr val="000099"/>
+                </a:solidFill>
+                <a:latin typeface="Consolas" charset="0"/>
+                <a:ea typeface="Consolas" charset="0"/>
+                <a:cs typeface="Consolas" charset="0"/>
+              </a:rPr>
+              <a:t> = 0; </a:t>
+            </a:r>
+            <a:r>
+              <a:rPr lang="en-US" sz="2800" dirty="0" err="1">
+                <a:solidFill>
+                  <a:srgbClr val="000099"/>
+                </a:solidFill>
+                <a:latin typeface="Consolas" charset="0"/>
+                <a:ea typeface="Consolas" charset="0"/>
+                <a:cs typeface="Consolas" charset="0"/>
+              </a:rPr>
+              <a:t>i</a:t>
+            </a:r>
+            <a:r>
+              <a:rPr lang="en-US" sz="2800" dirty="0">
+                <a:solidFill>
+                  <a:srgbClr val="000099"/>
+                </a:solidFill>
+                <a:latin typeface="Consolas" charset="0"/>
+                <a:ea typeface="Consolas" charset="0"/>
+                <a:cs typeface="Consolas" charset="0"/>
+              </a:rPr>
+              <a:t>&lt;n; </a:t>
+            </a:r>
+            <a:r>
+              <a:rPr lang="en-US" sz="2800" dirty="0" err="1">
+                <a:solidFill>
+                  <a:srgbClr val="000099"/>
+                </a:solidFill>
+                <a:latin typeface="Consolas" charset="0"/>
+                <a:ea typeface="Consolas" charset="0"/>
+                <a:cs typeface="Consolas" charset="0"/>
+              </a:rPr>
+              <a:t>i</a:t>
+            </a:r>
+            <a:r>
+              <a:rPr lang="en-US" sz="2800" dirty="0">
+                <a:solidFill>
+                  <a:srgbClr val="000099"/>
+                </a:solidFill>
+                <a:latin typeface="Consolas" charset="0"/>
+                <a:ea typeface="Consolas" charset="0"/>
+                <a:cs typeface="Consolas" charset="0"/>
+              </a:rPr>
+              <a:t>++)</a:t>
+            </a:r>
+          </a:p>
+          <a:p>
+            <a:pPr>
+              <a:tabLst>
+                <a:tab pos="461963" algn="l"/>
+              </a:tabLst>
+            </a:pPr>
+            <a:r>
+              <a:rPr lang="en-US" sz="2800" dirty="0">
+                <a:solidFill>
+                  <a:srgbClr val="000099"/>
+                </a:solidFill>
+                <a:latin typeface="Consolas" charset="0"/>
+                <a:ea typeface="Consolas" charset="0"/>
+                <a:cs typeface="Consolas" charset="0"/>
+              </a:rPr>
+              <a:t>		array[</a:t>
+            </a:r>
+            <a:r>
+              <a:rPr lang="en-US" sz="2800" dirty="0" err="1">
+                <a:solidFill>
+                  <a:srgbClr val="000099"/>
+                </a:solidFill>
+                <a:latin typeface="Consolas" charset="0"/>
+                <a:ea typeface="Consolas" charset="0"/>
+                <a:cs typeface="Consolas" charset="0"/>
+              </a:rPr>
+              <a:t>i</a:t>
+            </a:r>
+            <a:r>
+              <a:rPr lang="en-US" sz="2800" dirty="0">
+                <a:solidFill>
+                  <a:srgbClr val="000099"/>
+                </a:solidFill>
+                <a:latin typeface="Consolas" charset="0"/>
+                <a:ea typeface="Consolas" charset="0"/>
+                <a:cs typeface="Consolas" charset="0"/>
+              </a:rPr>
+              <a:t>] = -1; </a:t>
+            </a:r>
+            <a:r>
+              <a:rPr lang="en-US" sz="2800" dirty="0">
+                <a:solidFill>
+                  <a:srgbClr val="00B050"/>
+                </a:solidFill>
+                <a:latin typeface="Consolas" charset="0"/>
+                <a:ea typeface="Consolas" charset="0"/>
+                <a:cs typeface="Consolas" charset="0"/>
+              </a:rPr>
+              <a:t>//*(array + </a:t>
+            </a:r>
+            <a:r>
+              <a:rPr lang="en-US" sz="2800" dirty="0" err="1">
+                <a:solidFill>
+                  <a:srgbClr val="00B050"/>
+                </a:solidFill>
+                <a:latin typeface="Consolas" charset="0"/>
+                <a:ea typeface="Consolas" charset="0"/>
+                <a:cs typeface="Consolas" charset="0"/>
+              </a:rPr>
+              <a:t>i</a:t>
+            </a:r>
+            <a:r>
+              <a:rPr lang="en-US" sz="2800" dirty="0">
+                <a:solidFill>
+                  <a:srgbClr val="00B050"/>
+                </a:solidFill>
+                <a:latin typeface="Consolas" charset="0"/>
+                <a:ea typeface="Consolas" charset="0"/>
+                <a:cs typeface="Consolas" charset="0"/>
+              </a:rPr>
+              <a:t>) = -1 </a:t>
+            </a:r>
+          </a:p>
+          <a:p>
+            <a:pPr>
+              <a:tabLst>
+                <a:tab pos="461963" algn="l"/>
+              </a:tabLst>
+            </a:pPr>
+            <a:r>
+              <a:rPr lang="en-US" sz="2800" dirty="0">
+                <a:solidFill>
+                  <a:srgbClr val="000099"/>
+                </a:solidFill>
+                <a:latin typeface="Consolas" charset="0"/>
+                <a:ea typeface="Consolas" charset="0"/>
+                <a:cs typeface="Consolas" charset="0"/>
+              </a:rPr>
+              <a:t>}</a:t>
+            </a:r>
+          </a:p>
+          <a:p>
+            <a:pPr>
+              <a:tabLst>
+                <a:tab pos="461963" algn="l"/>
+              </a:tabLst>
+            </a:pPr>
+            <a:r>
+              <a:rPr lang="en-US" sz="2800" dirty="0">
+                <a:solidFill>
+                  <a:srgbClr val="000099"/>
+                </a:solidFill>
+                <a:latin typeface="Consolas" charset="0"/>
+                <a:ea typeface="Consolas" charset="0"/>
+                <a:cs typeface="Consolas" charset="0"/>
+              </a:rPr>
+              <a:t>…</a:t>
+            </a:r>
+          </a:p>
+          <a:p>
+            <a:pPr>
+              <a:tabLst>
+                <a:tab pos="461963" algn="l"/>
+              </a:tabLst>
+            </a:pPr>
+            <a:r>
+              <a:rPr lang="en-US" sz="2800" dirty="0" err="1">
+                <a:solidFill>
+                  <a:srgbClr val="000099"/>
+                </a:solidFill>
+                <a:latin typeface="Consolas" charset="0"/>
+                <a:ea typeface="Consolas" charset="0"/>
+                <a:cs typeface="Consolas" charset="0"/>
+              </a:rPr>
+              <a:t>int</a:t>
+            </a:r>
+            <a:r>
+              <a:rPr lang="en-US" sz="2800" dirty="0">
+                <a:solidFill>
+                  <a:srgbClr val="000099"/>
+                </a:solidFill>
+                <a:latin typeface="Consolas" charset="0"/>
+                <a:ea typeface="Consolas" charset="0"/>
+                <a:cs typeface="Consolas" charset="0"/>
+              </a:rPr>
+              <a:t> totals[ ] = {100, 52, 71, 98};</a:t>
+            </a:r>
+          </a:p>
+          <a:p>
+            <a:pPr>
+              <a:tabLst>
+                <a:tab pos="461963" algn="l"/>
+              </a:tabLst>
+            </a:pPr>
+            <a:r>
+              <a:rPr lang="en-US" sz="2800" dirty="0" err="1">
+                <a:solidFill>
+                  <a:srgbClr val="000099"/>
+                </a:solidFill>
+                <a:latin typeface="Consolas" charset="0"/>
+                <a:ea typeface="Consolas" charset="0"/>
+                <a:cs typeface="Consolas" charset="0"/>
+              </a:rPr>
+              <a:t>resetValues</a:t>
+            </a:r>
+            <a:r>
+              <a:rPr lang="en-US" sz="2800" dirty="0">
+                <a:solidFill>
+                  <a:srgbClr val="000099"/>
+                </a:solidFill>
+                <a:latin typeface="Consolas" charset="0"/>
+                <a:ea typeface="Consolas" charset="0"/>
+                <a:cs typeface="Consolas" charset="0"/>
+              </a:rPr>
+              <a:t>(totals, 4); </a:t>
+            </a:r>
+          </a:p>
+        </p:txBody>
+      </p:sp>
+    </p:spTree>
+    <p:extLst>
+      <p:ext uri="{BB962C8B-B14F-4D97-AF65-F5344CB8AC3E}">
+        <p14:creationId xmlns:p14="http://schemas.microsoft.com/office/powerpoint/2010/main" val="1527149902"/>
+      </p:ext>
+    </p:extLst>
+  </p:cSld>
+  <p:clrMapOvr>
+    <a:masterClrMapping/>
+  </p:clrMapOvr>
+</p:sld>
+</file>
+
+<file path=ppt/slides/slide27.xml><?xml version="1.0" encoding="utf-8"?>
+<p:sld xmlns:a="http://schemas.openxmlformats.org/drawingml/2006/main" xmlns:r="http://schemas.openxmlformats.org/officeDocument/2006/relationships" xmlns:p="http://schemas.openxmlformats.org/presentationml/2006/main">
+  <p:cSld>
+    <p:spTree>
+      <p:nvGrpSpPr>
+        <p:cNvPr id="1" name=""/>
+        <p:cNvGrpSpPr/>
+        <p:nvPr/>
+      </p:nvGrpSpPr>
+      <p:grpSpPr>
+        <a:xfrm>
+          <a:off x="0" y="0"/>
+          <a:ext cx="0" cy="0"/>
+          <a:chOff x="0" y="0"/>
+          <a:chExt cx="0" cy="0"/>
+        </a:xfrm>
+      </p:grpSpPr>
+      <p:sp>
+        <p:nvSpPr>
+          <p:cNvPr id="2" name="Title 1"/>
+          <p:cNvSpPr>
+            <a:spLocks noGrp="1"/>
+          </p:cNvSpPr>
+          <p:nvPr>
+            <p:ph type="title"/>
+          </p:nvPr>
+        </p:nvSpPr>
+        <p:spPr/>
+        <p:txBody>
+          <a:bodyPr/>
+          <a:lstStyle/>
+          <a:p>
+            <a:r>
+              <a:rPr lang="en-US" dirty="0"/>
+              <a:t>Arrays as Arguments</a:t>
+            </a:r>
+          </a:p>
+        </p:txBody>
+      </p:sp>
+      <p:sp>
+        <p:nvSpPr>
+          <p:cNvPr id="3" name="Content Placeholder 2"/>
+          <p:cNvSpPr>
+            <a:spLocks noGrp="1"/>
+          </p:cNvSpPr>
+          <p:nvPr>
+            <p:ph idx="1"/>
+          </p:nvPr>
+        </p:nvSpPr>
+        <p:spPr/>
+        <p:txBody>
+          <a:bodyPr>
+            <a:normAutofit/>
+          </a:bodyPr>
+          <a:lstStyle/>
+          <a:p>
+            <a:r>
+              <a:rPr lang="en-US" sz="2000" dirty="0"/>
+              <a:t>Changes to the array made inside the function persist outside the function</a:t>
+            </a:r>
+          </a:p>
+          <a:p>
+            <a:r>
+              <a:rPr lang="en-US" sz="2000" dirty="0"/>
+              <a:t>Passing a large array does not take more time than passing a small array</a:t>
+            </a:r>
+          </a:p>
+          <a:p>
+            <a:r>
+              <a:rPr lang="en-US" sz="2000" dirty="0"/>
+              <a:t>Can pass an array starting at any index, not necessarily from the first element</a:t>
+            </a:r>
+          </a:p>
+          <a:p>
+            <a:endParaRPr lang="en-US" sz="2000" dirty="0"/>
+          </a:p>
+        </p:txBody>
+      </p:sp>
+      <p:sp>
+        <p:nvSpPr>
+          <p:cNvPr id="12" name="Slide Number Placeholder 11"/>
+          <p:cNvSpPr>
+            <a:spLocks noGrp="1"/>
+          </p:cNvSpPr>
+          <p:nvPr>
+            <p:ph type="sldNum" sz="quarter" idx="12"/>
+          </p:nvPr>
+        </p:nvSpPr>
+        <p:spPr/>
+        <p:txBody>
+          <a:bodyPr/>
+          <a:lstStyle/>
+          <a:p>
+            <a:fld id="{B6F15528-21DE-4FAA-801E-634DDDAF4B2B}" type="slidenum">
+              <a:rPr lang="en-US" smtClean="0"/>
+              <a:pPr/>
+              <a:t>27</a:t>
             </a:fld>
             <a:endParaRPr lang="en-US" dirty="0"/>
           </a:p>
@@ -13863,7 +15074,7 @@
 </p:sld>
 </file>
 
-<file path=ppt/slides/slide27.xml><?xml version="1.0" encoding="utf-8"?>
+<file path=ppt/slides/slide28.xml><?xml version="1.0" encoding="utf-8"?>
 <p:sld xmlns:a="http://schemas.openxmlformats.org/drawingml/2006/main" xmlns:r="http://schemas.openxmlformats.org/officeDocument/2006/relationships" xmlns:p="http://schemas.openxmlformats.org/presentationml/2006/main">
   <p:cSld>
     <p:spTree>
@@ -14317,7 +15528,7 @@
             <a:fld id="{B6F15528-21DE-4FAA-801E-634DDDAF4B2B}" type="slidenum">
               <a:rPr lang="en-US" smtClean="0"/>
               <a:pPr/>
-              <a:t>27</a:t>
+              <a:t>28</a:t>
             </a:fld>
             <a:endParaRPr lang="en-US" dirty="0"/>
           </a:p>
@@ -14564,7 +15775,7 @@
 </p:sld>
 </file>
 
-<file path=ppt/slides/slide28.xml><?xml version="1.0" encoding="utf-8"?>
+<file path=ppt/slides/slide29.xml><?xml version="1.0" encoding="utf-8"?>
 <p:sld xmlns:a="http://schemas.openxmlformats.org/drawingml/2006/main" xmlns:r="http://schemas.openxmlformats.org/officeDocument/2006/relationships" xmlns:p="http://schemas.openxmlformats.org/presentationml/2006/main">
   <p:cSld>
     <p:spTree>
@@ -14632,629 +15843,6 @@
     <p:extLst>
       <p:ext uri="{BB962C8B-B14F-4D97-AF65-F5344CB8AC3E}">
         <p14:creationId xmlns:p14="http://schemas.microsoft.com/office/powerpoint/2010/main" val="168109145"/>
-      </p:ext>
-    </p:extLst>
-  </p:cSld>
-  <p:clrMapOvr>
-    <a:masterClrMapping/>
-  </p:clrMapOvr>
-</p:sld>
-</file>
-
-<file path=ppt/slides/slide29.xml><?xml version="1.0" encoding="utf-8"?>
-<p:sld xmlns:a="http://schemas.openxmlformats.org/drawingml/2006/main" xmlns:r="http://schemas.openxmlformats.org/officeDocument/2006/relationships" xmlns:p="http://schemas.openxmlformats.org/presentationml/2006/main">
-  <p:cSld>
-    <p:spTree>
-      <p:nvGrpSpPr>
-        <p:cNvPr id="1" name=""/>
-        <p:cNvGrpSpPr/>
-        <p:nvPr/>
-      </p:nvGrpSpPr>
-      <p:grpSpPr>
-        <a:xfrm>
-          <a:off x="0" y="0"/>
-          <a:ext cx="0" cy="0"/>
-          <a:chOff x="0" y="0"/>
-          <a:chExt cx="0" cy="0"/>
-        </a:xfrm>
-      </p:grpSpPr>
-      <p:sp>
-        <p:nvSpPr>
-          <p:cNvPr id="7" name="Rectangle 6"/>
-          <p:cNvSpPr/>
-          <p:nvPr/>
-        </p:nvSpPr>
-        <p:spPr>
-          <a:xfrm>
-            <a:off x="0" y="0"/>
-            <a:ext cx="8441055" cy="6858000"/>
-          </a:xfrm>
-          <a:prstGeom prst="rect">
-            <a:avLst/>
-          </a:prstGeom>
-        </p:spPr>
-        <p:style>
-          <a:lnRef idx="2">
-            <a:schemeClr val="accent1">
-              <a:shade val="50000"/>
-            </a:schemeClr>
-          </a:lnRef>
-          <a:fillRef idx="1">
-            <a:schemeClr val="accent1"/>
-          </a:fillRef>
-          <a:effectRef idx="0">
-            <a:schemeClr val="accent1"/>
-          </a:effectRef>
-          <a:fontRef idx="minor">
-            <a:schemeClr val="lt1"/>
-          </a:fontRef>
-        </p:style>
-        <p:txBody>
-          <a:bodyPr rtlCol="0" anchor="ctr"/>
-          <a:lstStyle/>
-          <a:p>
-            <a:pPr algn="ctr"/>
-            <a:endParaRPr lang="en-US"/>
-          </a:p>
-        </p:txBody>
-      </p:sp>
-      <p:sp>
-        <p:nvSpPr>
-          <p:cNvPr id="2" name="Title 1"/>
-          <p:cNvSpPr>
-            <a:spLocks noGrp="1"/>
-          </p:cNvSpPr>
-          <p:nvPr>
-            <p:ph type="title"/>
-          </p:nvPr>
-        </p:nvSpPr>
-        <p:spPr>
-          <a:xfrm>
-            <a:off x="0" y="-76200"/>
-            <a:ext cx="8441055" cy="914400"/>
-          </a:xfrm>
-        </p:spPr>
-        <p:txBody>
-          <a:bodyPr>
-            <a:normAutofit/>
-          </a:bodyPr>
-          <a:lstStyle/>
-          <a:p>
-            <a:r>
-              <a:rPr lang="en-US" sz="3600" dirty="0">
-                <a:solidFill>
-                  <a:schemeClr val="bg1"/>
-                </a:solidFill>
-              </a:rPr>
-              <a:t>What are the elements of array?</a:t>
-            </a:r>
-          </a:p>
-        </p:txBody>
-      </p:sp>
-      <p:sp>
-        <p:nvSpPr>
-          <p:cNvPr id="3" name="Content Placeholder 2"/>
-          <p:cNvSpPr>
-            <a:spLocks noGrp="1"/>
-          </p:cNvSpPr>
-          <p:nvPr>
-            <p:ph idx="1"/>
-          </p:nvPr>
-        </p:nvSpPr>
-        <p:spPr>
-          <a:xfrm>
-            <a:off x="228600" y="1249361"/>
-            <a:ext cx="8001000" cy="2853603"/>
-          </a:xfrm>
-        </p:spPr>
-        <p:txBody>
-          <a:bodyPr>
-            <a:normAutofit/>
-          </a:bodyPr>
-          <a:lstStyle/>
-          <a:p>
-            <a:pPr>
-              <a:spcBef>
-                <a:spcPts val="0"/>
-              </a:spcBef>
-              <a:spcAft>
-                <a:spcPts val="0"/>
-              </a:spcAft>
-            </a:pPr>
-            <a:r>
-              <a:rPr lang="en-US" sz="2000" dirty="0" err="1">
-                <a:solidFill>
-                  <a:schemeClr val="bg1"/>
-                </a:solidFill>
-                <a:latin typeface="Consolas" charset="0"/>
-                <a:ea typeface="Consolas" charset="0"/>
-                <a:cs typeface="Consolas" charset="0"/>
-              </a:rPr>
-              <a:t>int</a:t>
-            </a:r>
-            <a:r>
-              <a:rPr lang="en-US" sz="2000" dirty="0">
-                <a:solidFill>
-                  <a:schemeClr val="bg1"/>
-                </a:solidFill>
-                <a:latin typeface="Consolas" charset="0"/>
-                <a:ea typeface="Consolas" charset="0"/>
-                <a:cs typeface="Consolas" charset="0"/>
-              </a:rPr>
-              <a:t> array[3];</a:t>
-            </a:r>
-          </a:p>
-          <a:p>
-            <a:pPr>
-              <a:spcBef>
-                <a:spcPts val="0"/>
-              </a:spcBef>
-              <a:spcAft>
-                <a:spcPts val="0"/>
-              </a:spcAft>
-            </a:pPr>
-            <a:r>
-              <a:rPr lang="en-US" sz="2000" dirty="0">
-                <a:solidFill>
-                  <a:schemeClr val="bg1"/>
-                </a:solidFill>
-                <a:latin typeface="Consolas" charset="0"/>
-                <a:ea typeface="Consolas" charset="0"/>
-                <a:cs typeface="Consolas" charset="0"/>
-              </a:rPr>
-              <a:t>for (</a:t>
-            </a:r>
-            <a:r>
-              <a:rPr lang="en-US" sz="2000" dirty="0" err="1">
-                <a:solidFill>
-                  <a:schemeClr val="bg1"/>
-                </a:solidFill>
-                <a:latin typeface="Consolas" charset="0"/>
-                <a:ea typeface="Consolas" charset="0"/>
-                <a:cs typeface="Consolas" charset="0"/>
-              </a:rPr>
-              <a:t>int</a:t>
-            </a:r>
-            <a:r>
-              <a:rPr lang="en-US" sz="2000" dirty="0">
-                <a:solidFill>
-                  <a:schemeClr val="bg1"/>
-                </a:solidFill>
-                <a:latin typeface="Consolas" charset="0"/>
-                <a:ea typeface="Consolas" charset="0"/>
-                <a:cs typeface="Consolas" charset="0"/>
-              </a:rPr>
-              <a:t> *</a:t>
-            </a:r>
-            <a:r>
-              <a:rPr lang="en-US" sz="2000" dirty="0" err="1">
-                <a:solidFill>
-                  <a:schemeClr val="bg1"/>
-                </a:solidFill>
-                <a:latin typeface="Consolas" charset="0"/>
-                <a:ea typeface="Consolas" charset="0"/>
-                <a:cs typeface="Consolas" charset="0"/>
-              </a:rPr>
-              <a:t>ptr</a:t>
-            </a:r>
-            <a:r>
-              <a:rPr lang="en-US" sz="2000" dirty="0">
-                <a:solidFill>
-                  <a:schemeClr val="bg1"/>
-                </a:solidFill>
-                <a:latin typeface="Consolas" charset="0"/>
-                <a:ea typeface="Consolas" charset="0"/>
-                <a:cs typeface="Consolas" charset="0"/>
-              </a:rPr>
-              <a:t> = array; </a:t>
-            </a:r>
-            <a:r>
-              <a:rPr lang="en-US" sz="2000" dirty="0" err="1">
-                <a:solidFill>
-                  <a:schemeClr val="bg1"/>
-                </a:solidFill>
-                <a:latin typeface="Consolas" charset="0"/>
-                <a:ea typeface="Consolas" charset="0"/>
-                <a:cs typeface="Consolas" charset="0"/>
-              </a:rPr>
-              <a:t>ptr</a:t>
-            </a:r>
-            <a:r>
-              <a:rPr lang="en-US" sz="2000" dirty="0">
-                <a:solidFill>
-                  <a:schemeClr val="bg1"/>
-                </a:solidFill>
-                <a:latin typeface="Consolas" charset="0"/>
-                <a:ea typeface="Consolas" charset="0"/>
-                <a:cs typeface="Consolas" charset="0"/>
-              </a:rPr>
-              <a:t> &lt; (array + size); ++</a:t>
-            </a:r>
-            <a:r>
-              <a:rPr lang="en-US" sz="2000" dirty="0" err="1">
-                <a:solidFill>
-                  <a:schemeClr val="bg1"/>
-                </a:solidFill>
-                <a:latin typeface="Consolas" charset="0"/>
-                <a:ea typeface="Consolas" charset="0"/>
-                <a:cs typeface="Consolas" charset="0"/>
-              </a:rPr>
-              <a:t>ptr</a:t>
-            </a:r>
-            <a:r>
-              <a:rPr lang="en-US" sz="2000" dirty="0">
-                <a:solidFill>
-                  <a:schemeClr val="bg1"/>
-                </a:solidFill>
-                <a:latin typeface="Consolas" charset="0"/>
-                <a:ea typeface="Consolas" charset="0"/>
-                <a:cs typeface="Consolas" charset="0"/>
-              </a:rPr>
-              <a:t>) {</a:t>
-            </a:r>
-          </a:p>
-          <a:p>
-            <a:pPr>
-              <a:spcBef>
-                <a:spcPts val="0"/>
-              </a:spcBef>
-              <a:spcAft>
-                <a:spcPts val="0"/>
-              </a:spcAft>
-            </a:pPr>
-            <a:r>
-              <a:rPr lang="en-US" sz="2000" dirty="0">
-                <a:solidFill>
-                  <a:schemeClr val="bg1"/>
-                </a:solidFill>
-                <a:latin typeface="Consolas" charset="0"/>
-                <a:ea typeface="Consolas" charset="0"/>
-                <a:cs typeface="Consolas" charset="0"/>
-              </a:rPr>
-              <a:t>    *</a:t>
-            </a:r>
-            <a:r>
-              <a:rPr lang="en-US" sz="2000" dirty="0" err="1">
-                <a:solidFill>
-                  <a:schemeClr val="bg1"/>
-                </a:solidFill>
-                <a:latin typeface="Consolas" charset="0"/>
-                <a:ea typeface="Consolas" charset="0"/>
-                <a:cs typeface="Consolas" charset="0"/>
-              </a:rPr>
-              <a:t>ptr</a:t>
-            </a:r>
-            <a:r>
-              <a:rPr lang="en-US" sz="2000" dirty="0">
-                <a:solidFill>
-                  <a:schemeClr val="bg1"/>
-                </a:solidFill>
-                <a:latin typeface="Consolas" charset="0"/>
-                <a:ea typeface="Consolas" charset="0"/>
-                <a:cs typeface="Consolas" charset="0"/>
-              </a:rPr>
-              <a:t> = </a:t>
-            </a:r>
-            <a:r>
-              <a:rPr lang="en-US" sz="2000" dirty="0" err="1">
-                <a:solidFill>
-                  <a:schemeClr val="bg1"/>
-                </a:solidFill>
-                <a:latin typeface="Consolas" charset="0"/>
-                <a:ea typeface="Consolas" charset="0"/>
-                <a:cs typeface="Consolas" charset="0"/>
-              </a:rPr>
-              <a:t>ptr</a:t>
-            </a:r>
-            <a:r>
-              <a:rPr lang="en-US" sz="2000" dirty="0">
-                <a:solidFill>
-                  <a:schemeClr val="bg1"/>
-                </a:solidFill>
-                <a:latin typeface="Consolas" charset="0"/>
-                <a:ea typeface="Consolas" charset="0"/>
-                <a:cs typeface="Consolas" charset="0"/>
-              </a:rPr>
-              <a:t> - array;</a:t>
-            </a:r>
-          </a:p>
-          <a:p>
-            <a:pPr>
-              <a:spcBef>
-                <a:spcPts val="0"/>
-              </a:spcBef>
-              <a:spcAft>
-                <a:spcPts val="0"/>
-              </a:spcAft>
-            </a:pPr>
-            <a:r>
-              <a:rPr lang="en-US" sz="2000" dirty="0">
-                <a:solidFill>
-                  <a:schemeClr val="bg1"/>
-                </a:solidFill>
-                <a:latin typeface="Consolas" charset="0"/>
-                <a:ea typeface="Consolas" charset="0"/>
-                <a:cs typeface="Consolas" charset="0"/>
-              </a:rPr>
-              <a:t>}</a:t>
-            </a:r>
-          </a:p>
-          <a:p>
-            <a:pPr>
-              <a:spcBef>
-                <a:spcPts val="0"/>
-              </a:spcBef>
-              <a:spcAft>
-                <a:spcPts val="0"/>
-              </a:spcAft>
-            </a:pPr>
-            <a:endParaRPr lang="en-US" sz="2800" dirty="0">
-              <a:solidFill>
-                <a:schemeClr val="bg1"/>
-              </a:solidFill>
-              <a:latin typeface="Consolas" charset="0"/>
-              <a:ea typeface="Consolas" charset="0"/>
-              <a:cs typeface="Consolas" charset="0"/>
-            </a:endParaRPr>
-          </a:p>
-        </p:txBody>
-      </p:sp>
-      <p:sp>
-        <p:nvSpPr>
-          <p:cNvPr id="12" name="Slide Number Placeholder 11"/>
-          <p:cNvSpPr>
-            <a:spLocks noGrp="1"/>
-          </p:cNvSpPr>
-          <p:nvPr>
-            <p:ph type="sldNum" sz="quarter" idx="12"/>
-          </p:nvPr>
-        </p:nvSpPr>
-        <p:spPr/>
-        <p:txBody>
-          <a:bodyPr/>
-          <a:lstStyle/>
-          <a:p>
-            <a:fld id="{B6F15528-21DE-4FAA-801E-634DDDAF4B2B}" type="slidenum">
-              <a:rPr lang="en-US" smtClean="0"/>
-              <a:pPr/>
-              <a:t>29</a:t>
-            </a:fld>
-            <a:endParaRPr lang="en-US" dirty="0"/>
-          </a:p>
-        </p:txBody>
-      </p:sp>
-      <p:sp>
-        <p:nvSpPr>
-          <p:cNvPr id="6" name="Content Placeholder 2"/>
-          <p:cNvSpPr txBox="1">
-            <a:spLocks/>
-          </p:cNvSpPr>
-          <p:nvPr/>
-        </p:nvSpPr>
-        <p:spPr>
-          <a:xfrm>
-            <a:off x="228600" y="4102965"/>
-            <a:ext cx="8394383" cy="2755035"/>
-          </a:xfrm>
-          <a:prstGeom prst="rect">
-            <a:avLst/>
-          </a:prstGeom>
-        </p:spPr>
-        <p:txBody>
-          <a:bodyPr vert="horz" lIns="91440" tIns="45720" rIns="91440" bIns="45720" rtlCol="0">
-            <a:normAutofit/>
-          </a:bodyPr>
-          <a:lstStyle>
-            <a:lvl1pPr marL="342900" indent="-342900" algn="l" defTabSz="914400" rtl="0" eaLnBrk="1" latinLnBrk="0" hangingPunct="1">
-              <a:spcBef>
-                <a:spcPct val="20000"/>
-              </a:spcBef>
-              <a:buFont typeface="Arial" pitchFamily="34" charset="0"/>
-              <a:buChar char="•"/>
-              <a:defRPr sz="3200" kern="1200">
-                <a:solidFill>
-                  <a:schemeClr val="tx1"/>
-                </a:solidFill>
-                <a:latin typeface="+mn-lt"/>
-                <a:ea typeface="+mn-ea"/>
-                <a:cs typeface="+mn-cs"/>
-              </a:defRPr>
-            </a:lvl1pPr>
-            <a:lvl2pPr marL="742950" indent="-285750" algn="l" defTabSz="914400" rtl="0" eaLnBrk="1" latinLnBrk="0" hangingPunct="1">
-              <a:spcBef>
-                <a:spcPct val="20000"/>
-              </a:spcBef>
-              <a:buFont typeface="Arial" pitchFamily="34" charset="0"/>
-              <a:buChar char="–"/>
-              <a:defRPr sz="2800" kern="1200">
-                <a:solidFill>
-                  <a:schemeClr val="tx1"/>
-                </a:solidFill>
-                <a:latin typeface="+mn-lt"/>
-                <a:ea typeface="+mn-ea"/>
-                <a:cs typeface="+mn-cs"/>
-              </a:defRPr>
-            </a:lvl2pPr>
-            <a:lvl3pPr marL="1143000" indent="-228600" algn="l" defTabSz="914400" rtl="0" eaLnBrk="1" latinLnBrk="0" hangingPunct="1">
-              <a:spcBef>
-                <a:spcPct val="20000"/>
-              </a:spcBef>
-              <a:buFont typeface="Arial" pitchFamily="34" charset="0"/>
-              <a:buChar char="•"/>
-              <a:defRPr sz="2400" kern="1200">
-                <a:solidFill>
-                  <a:schemeClr val="tx1"/>
-                </a:solidFill>
-                <a:latin typeface="+mn-lt"/>
-                <a:ea typeface="+mn-ea"/>
-                <a:cs typeface="+mn-cs"/>
-              </a:defRPr>
-            </a:lvl3pPr>
-            <a:lvl4pPr marL="1600200" indent="-228600" algn="l" defTabSz="914400" rtl="0" eaLnBrk="1" latinLnBrk="0" hangingPunct="1">
-              <a:spcBef>
-                <a:spcPct val="20000"/>
-              </a:spcBef>
-              <a:buFont typeface="Arial" pitchFamily="34" charset="0"/>
-              <a:buChar char="–"/>
-              <a:defRPr sz="2000" kern="1200">
-                <a:solidFill>
-                  <a:schemeClr val="tx1"/>
-                </a:solidFill>
-                <a:latin typeface="+mn-lt"/>
-                <a:ea typeface="+mn-ea"/>
-                <a:cs typeface="+mn-cs"/>
-              </a:defRPr>
-            </a:lvl4pPr>
-            <a:lvl5pPr marL="2057400" indent="-228600" algn="l" defTabSz="914400" rtl="0" eaLnBrk="1" latinLnBrk="0" hangingPunct="1">
-              <a:spcBef>
-                <a:spcPct val="20000"/>
-              </a:spcBef>
-              <a:buFont typeface="Arial" pitchFamily="34" charset="0"/>
-              <a:buChar char="»"/>
-              <a:defRPr sz="2000" kern="1200">
-                <a:solidFill>
-                  <a:schemeClr val="tx1"/>
-                </a:solidFill>
-                <a:latin typeface="+mn-lt"/>
-                <a:ea typeface="+mn-ea"/>
-                <a:cs typeface="+mn-cs"/>
-              </a:defRPr>
-            </a:lvl5pPr>
-            <a:lvl6pPr marL="2514600" indent="-228600" algn="l" defTabSz="914400" rtl="0" eaLnBrk="1" latinLnBrk="0" hangingPunct="1">
-              <a:spcBef>
-                <a:spcPct val="20000"/>
-              </a:spcBef>
-              <a:buFont typeface="Arial" pitchFamily="34" charset="0"/>
-              <a:buChar char="•"/>
-              <a:defRPr sz="2000" kern="1200">
-                <a:solidFill>
-                  <a:schemeClr val="tx1"/>
-                </a:solidFill>
-                <a:latin typeface="+mn-lt"/>
-                <a:ea typeface="+mn-ea"/>
-                <a:cs typeface="+mn-cs"/>
-              </a:defRPr>
-            </a:lvl6pPr>
-            <a:lvl7pPr marL="2971800" indent="-228600" algn="l" defTabSz="914400" rtl="0" eaLnBrk="1" latinLnBrk="0" hangingPunct="1">
-              <a:spcBef>
-                <a:spcPct val="20000"/>
-              </a:spcBef>
-              <a:buFont typeface="Arial" pitchFamily="34" charset="0"/>
-              <a:buChar char="•"/>
-              <a:defRPr sz="2000" kern="1200">
-                <a:solidFill>
-                  <a:schemeClr val="tx1"/>
-                </a:solidFill>
-                <a:latin typeface="+mn-lt"/>
-                <a:ea typeface="+mn-ea"/>
-                <a:cs typeface="+mn-cs"/>
-              </a:defRPr>
-            </a:lvl7pPr>
-            <a:lvl8pPr marL="3429000" indent="-228600" algn="l" defTabSz="914400" rtl="0" eaLnBrk="1" latinLnBrk="0" hangingPunct="1">
-              <a:spcBef>
-                <a:spcPct val="20000"/>
-              </a:spcBef>
-              <a:buFont typeface="Arial" pitchFamily="34" charset="0"/>
-              <a:buChar char="•"/>
-              <a:defRPr sz="2000" kern="1200">
-                <a:solidFill>
-                  <a:schemeClr val="tx1"/>
-                </a:solidFill>
-                <a:latin typeface="+mn-lt"/>
-                <a:ea typeface="+mn-ea"/>
-                <a:cs typeface="+mn-cs"/>
-              </a:defRPr>
-            </a:lvl8pPr>
-            <a:lvl9pPr marL="3886200" indent="-228600" algn="l" defTabSz="914400" rtl="0" eaLnBrk="1" latinLnBrk="0" hangingPunct="1">
-              <a:spcBef>
-                <a:spcPct val="20000"/>
-              </a:spcBef>
-              <a:buFont typeface="Arial" pitchFamily="34" charset="0"/>
-              <a:buChar char="•"/>
-              <a:defRPr sz="2000" kern="1200">
-                <a:solidFill>
-                  <a:schemeClr val="tx1"/>
-                </a:solidFill>
-                <a:latin typeface="+mn-lt"/>
-                <a:ea typeface="+mn-ea"/>
-                <a:cs typeface="+mn-cs"/>
-              </a:defRPr>
-            </a:lvl9pPr>
-          </a:lstStyle>
-          <a:p>
-            <a:pPr marL="742950" indent="-742950">
-              <a:buFont typeface="+mj-lt"/>
-              <a:buAutoNum type="arabicPeriod"/>
-            </a:pPr>
-            <a:r>
-              <a:rPr lang="en-US" sz="3600" dirty="0">
-                <a:solidFill>
-                  <a:srgbClr val="0CFA02"/>
-                </a:solidFill>
-                <a:latin typeface="Consolas" charset="0"/>
-                <a:ea typeface="Consolas" charset="0"/>
-                <a:cs typeface="Consolas" charset="0"/>
-              </a:rPr>
-              <a:t>Error</a:t>
-            </a:r>
-          </a:p>
-          <a:p>
-            <a:pPr marL="742950" indent="-742950">
-              <a:buFont typeface="+mj-lt"/>
-              <a:buAutoNum type="arabicPeriod"/>
-            </a:pPr>
-            <a:r>
-              <a:rPr lang="en-US" sz="3600" dirty="0">
-                <a:solidFill>
-                  <a:srgbClr val="FEFB01"/>
-                </a:solidFill>
-                <a:latin typeface="Consolas" charset="0"/>
-                <a:ea typeface="Consolas" charset="0"/>
-                <a:cs typeface="Consolas" charset="0"/>
-              </a:rPr>
-              <a:t>0, 1, 2</a:t>
-            </a:r>
-          </a:p>
-          <a:p>
-            <a:pPr marL="742950" indent="-742950">
-              <a:buFont typeface="+mj-lt"/>
-              <a:buAutoNum type="arabicPeriod"/>
-            </a:pPr>
-            <a:r>
-              <a:rPr lang="en-US" sz="3600" dirty="0">
-                <a:solidFill>
-                  <a:srgbClr val="F5A007"/>
-                </a:solidFill>
-                <a:latin typeface="Consolas" charset="0"/>
-                <a:ea typeface="Consolas" charset="0"/>
-                <a:cs typeface="Consolas" charset="0"/>
-              </a:rPr>
-              <a:t>0, 1, 2, 3</a:t>
-            </a:r>
-          </a:p>
-          <a:p>
-            <a:pPr marL="742950" indent="-742950">
-              <a:buFont typeface="+mj-lt"/>
-              <a:buAutoNum type="arabicPeriod"/>
-            </a:pPr>
-            <a:r>
-              <a:rPr lang="en-US" sz="3600" dirty="0">
-                <a:solidFill>
-                  <a:srgbClr val="F21AF1"/>
-                </a:solidFill>
-                <a:latin typeface="Consolas" charset="0"/>
-                <a:ea typeface="Consolas" charset="0"/>
-                <a:cs typeface="Consolas" charset="0"/>
-              </a:rPr>
-              <a:t>0, 0, 0</a:t>
-            </a:r>
-          </a:p>
-        </p:txBody>
-      </p:sp>
-    </p:spTree>
-    <p:extLst>
-      <p:ext uri="{BB962C8B-B14F-4D97-AF65-F5344CB8AC3E}">
-        <p14:creationId xmlns:p14="http://schemas.microsoft.com/office/powerpoint/2010/main" val="1201631473"/>
       </p:ext>
     </p:extLst>
   </p:cSld>
@@ -15903,7 +16491,7 @@
               </a:spcAft>
             </a:pPr>
             <a:r>
-              <a:rPr lang="en-US" sz="2800" dirty="0" err="1">
+              <a:rPr lang="en-US" sz="2000" dirty="0">
                 <a:solidFill>
                   <a:schemeClr val="bg1"/>
                 </a:solidFill>
@@ -15911,18 +16499,7 @@
                 <a:ea typeface="Consolas" charset="0"/>
                 <a:cs typeface="Consolas" charset="0"/>
               </a:rPr>
-              <a:t>int</a:t>
-            </a:r>
-            <a:r>
-              <a:rPr lang="en-US" sz="2800" dirty="0">
-                <a:solidFill>
-                  <a:schemeClr val="bg1"/>
-                </a:solidFill>
-                <a:latin typeface="Consolas" charset="0"/>
-                <a:ea typeface="Consolas" charset="0"/>
-                <a:cs typeface="Consolas" charset="0"/>
-              </a:rPr>
-              <a:t> array[] = {1, 2, 3, 5, 7, 11, 13};</a:t>
+              <a:t>int array[3];</a:t>
             </a:r>
           </a:p>
           <a:p>
@@ -15935,7 +16512,7 @@
               </a:spcAft>
             </a:pPr>
             <a:r>
-              <a:rPr lang="en-US" sz="2800" dirty="0" err="1">
+              <a:rPr lang="en-US" sz="2000">
                 <a:solidFill>
                   <a:schemeClr val="bg1"/>
                 </a:solidFill>
@@ -15943,41 +16520,16 @@
                 <a:ea typeface="Consolas" charset="0"/>
                 <a:cs typeface="Consolas" charset="0"/>
               </a:rPr>
-              <a:t>int</a:t>
-            </a:r>
-            <a:r>
-              <a:rPr lang="en-US" sz="2800" dirty="0">
-                <a:solidFill>
-                  <a:schemeClr val="bg1"/>
-                </a:solidFill>
-                <a:latin typeface="Consolas" charset="0"/>
-                <a:ea typeface="Consolas" charset="0"/>
-                <a:cs typeface="Consolas" charset="0"/>
-              </a:rPr>
-              <a:t> *</a:t>
-            </a:r>
-            <a:r>
-              <a:rPr lang="en-US" sz="2800" dirty="0" err="1">
-                <a:solidFill>
-                  <a:schemeClr val="bg1"/>
-                </a:solidFill>
-                <a:latin typeface="Consolas" charset="0"/>
-                <a:ea typeface="Consolas" charset="0"/>
-                <a:cs typeface="Consolas" charset="0"/>
-              </a:rPr>
-              <a:t>ptr</a:t>
-            </a:r>
-            <a:r>
-              <a:rPr lang="en-US" sz="2800" dirty="0">
-                <a:solidFill>
-                  <a:schemeClr val="bg1"/>
-                </a:solidFill>
-                <a:latin typeface="Consolas" charset="0"/>
-                <a:ea typeface="Consolas" charset="0"/>
-                <a:cs typeface="Consolas" charset="0"/>
-              </a:rPr>
-              <a:t> = array + 5;</a:t>
-            </a:r>
+              <a:t>int size = 3;</a:t>
+            </a:r>
+            <a:endParaRPr lang="en-US" sz="2000" dirty="0">
+              <a:solidFill>
+                <a:schemeClr val="bg1"/>
+              </a:solidFill>
+              <a:latin typeface="Consolas" charset="0"/>
+              <a:ea typeface="Consolas" charset="0"/>
+              <a:cs typeface="Consolas" charset="0"/>
+            </a:endParaRPr>
           </a:p>
           <a:p>
             <a:pPr>
@@ -15989,7 +16541,7 @@
               </a:spcAft>
             </a:pPr>
             <a:r>
-              <a:rPr lang="en-US" sz="2800" dirty="0">
+              <a:rPr lang="en-US" sz="2000" dirty="0">
                 <a:solidFill>
                   <a:schemeClr val="bg1"/>
                 </a:solidFill>
@@ -15997,10 +16549,10 @@
                 <a:ea typeface="Consolas" charset="0"/>
                 <a:cs typeface="Consolas" charset="0"/>
               </a:rPr>
-              <a:t>++(*</a:t>
-            </a:r>
-            <a:r>
-              <a:rPr lang="en-US" sz="2800" dirty="0" err="1">
+              <a:t>for (</a:t>
+            </a:r>
+            <a:r>
+              <a:rPr lang="en-US" sz="2000" dirty="0" err="1">
                 <a:solidFill>
                   <a:schemeClr val="bg1"/>
                 </a:solidFill>
@@ -16008,10 +16560,32 @@
                 <a:ea typeface="Consolas" charset="0"/>
                 <a:cs typeface="Consolas" charset="0"/>
               </a:rPr>
+              <a:t>int</a:t>
+            </a:r>
+            <a:r>
+              <a:rPr lang="en-US" sz="2000" dirty="0">
+                <a:solidFill>
+                  <a:schemeClr val="bg1"/>
+                </a:solidFill>
+                <a:latin typeface="Consolas" charset="0"/>
+                <a:ea typeface="Consolas" charset="0"/>
+                <a:cs typeface="Consolas" charset="0"/>
+              </a:rPr>
+              <a:t> *</a:t>
+            </a:r>
+            <a:r>
+              <a:rPr lang="en-US" sz="2000" dirty="0" err="1">
+                <a:solidFill>
+                  <a:schemeClr val="bg1"/>
+                </a:solidFill>
+                <a:latin typeface="Consolas" charset="0"/>
+                <a:ea typeface="Consolas" charset="0"/>
+                <a:cs typeface="Consolas" charset="0"/>
+              </a:rPr>
               <a:t>ptr</a:t>
             </a:r>
             <a:r>
-              <a:rPr lang="en-US" sz="2800" dirty="0">
+              <a:rPr lang="en-US" sz="2000" dirty="0">
                 <a:solidFill>
                   <a:schemeClr val="bg1"/>
                 </a:solidFill>
@@ -16019,7 +16593,51 @@
                 <a:ea typeface="Consolas" charset="0"/>
                 <a:cs typeface="Consolas" charset="0"/>
               </a:rPr>
-              <a:t>);</a:t>
+              <a:t> = array; </a:t>
+            </a:r>
+            <a:r>
+              <a:rPr lang="en-US" sz="2000" dirty="0" err="1">
+                <a:solidFill>
+                  <a:schemeClr val="bg1"/>
+                </a:solidFill>
+                <a:latin typeface="Consolas" charset="0"/>
+                <a:ea typeface="Consolas" charset="0"/>
+                <a:cs typeface="Consolas" charset="0"/>
+              </a:rPr>
+              <a:t>ptr</a:t>
+            </a:r>
+            <a:r>
+              <a:rPr lang="en-US" sz="2000" dirty="0">
+                <a:solidFill>
+                  <a:schemeClr val="bg1"/>
+                </a:solidFill>
+                <a:latin typeface="Consolas" charset="0"/>
+                <a:ea typeface="Consolas" charset="0"/>
+                <a:cs typeface="Consolas" charset="0"/>
+              </a:rPr>
+              <a:t> &lt; (array + size); ++</a:t>
+            </a:r>
+            <a:r>
+              <a:rPr lang="en-US" sz="2000" dirty="0" err="1">
+                <a:solidFill>
+                  <a:schemeClr val="bg1"/>
+                </a:solidFill>
+                <a:latin typeface="Consolas" charset="0"/>
+                <a:ea typeface="Consolas" charset="0"/>
+                <a:cs typeface="Consolas" charset="0"/>
+              </a:rPr>
+              <a:t>ptr</a:t>
+            </a:r>
+            <a:r>
+              <a:rPr lang="en-US" sz="2000" dirty="0">
+                <a:solidFill>
+                  <a:schemeClr val="bg1"/>
+                </a:solidFill>
+                <a:latin typeface="Consolas" charset="0"/>
+                <a:ea typeface="Consolas" charset="0"/>
+                <a:cs typeface="Consolas" charset="0"/>
+              </a:rPr>
+              <a:t>) {</a:t>
             </a:r>
           </a:p>
           <a:p>
@@ -16032,7 +16650,7 @@
               </a:spcAft>
             </a:pPr>
             <a:r>
-              <a:rPr lang="en-US" sz="2800" dirty="0" err="1">
+              <a:rPr lang="en-US" sz="2000" dirty="0">
                 <a:solidFill>
                   <a:schemeClr val="bg1"/>
                 </a:solidFill>
@@ -16040,10 +16658,21 @@
                 <a:ea typeface="Consolas" charset="0"/>
                 <a:cs typeface="Consolas" charset="0"/>
               </a:rPr>
+              <a:t>    *</a:t>
+            </a:r>
+            <a:r>
+              <a:rPr lang="en-US" sz="2000" dirty="0" err="1">
+                <a:solidFill>
+                  <a:schemeClr val="bg1"/>
+                </a:solidFill>
+                <a:latin typeface="Consolas" charset="0"/>
+                <a:ea typeface="Consolas" charset="0"/>
+                <a:cs typeface="Consolas" charset="0"/>
+              </a:rPr>
               <a:t>ptr</a:t>
             </a:r>
             <a:r>
-              <a:rPr lang="en-US" sz="2800" dirty="0">
+              <a:rPr lang="en-US" sz="2000" dirty="0">
                 <a:solidFill>
                   <a:schemeClr val="bg1"/>
                 </a:solidFill>
@@ -16051,7 +16680,29 @@
                 <a:ea typeface="Consolas" charset="0"/>
                 <a:cs typeface="Consolas" charset="0"/>
               </a:rPr>
-              <a:t> -= 2;</a:t>
+              <a:t> = </a:t>
+            </a:r>
+            <a:r>
+              <a:rPr lang="en-US" sz="2000" dirty="0" err="1">
+                <a:solidFill>
+                  <a:schemeClr val="bg1"/>
+                </a:solidFill>
+                <a:latin typeface="Consolas" charset="0"/>
+                <a:ea typeface="Consolas" charset="0"/>
+                <a:cs typeface="Consolas" charset="0"/>
+              </a:rPr>
+              <a:t>ptr</a:t>
+            </a:r>
+            <a:r>
+              <a:rPr lang="en-US" sz="2000" dirty="0">
+                <a:solidFill>
+                  <a:schemeClr val="bg1"/>
+                </a:solidFill>
+                <a:latin typeface="Consolas" charset="0"/>
+                <a:ea typeface="Consolas" charset="0"/>
+                <a:cs typeface="Consolas" charset="0"/>
+              </a:rPr>
+              <a:t> - array;</a:t>
             </a:r>
           </a:p>
           <a:p>
@@ -16064,7 +16715,7 @@
               </a:spcAft>
             </a:pPr>
             <a:r>
-              <a:rPr lang="en-US" sz="2800" dirty="0">
+              <a:rPr lang="en-US" sz="2000" dirty="0">
                 <a:solidFill>
                   <a:schemeClr val="bg1"/>
                 </a:solidFill>
@@ -16072,31 +16723,19 @@
                 <a:ea typeface="Consolas" charset="0"/>
                 <a:cs typeface="Consolas" charset="0"/>
               </a:rPr>
-              <a:t>*(++</a:t>
-            </a:r>
-            <a:r>
-              <a:rPr lang="en-US" sz="2800" dirty="0" err="1">
-                <a:solidFill>
-                  <a:schemeClr val="bg1"/>
-                </a:solidFill>
-                <a:latin typeface="Consolas" charset="0"/>
-                <a:ea typeface="Consolas" charset="0"/>
-                <a:cs typeface="Consolas" charset="0"/>
-              </a:rPr>
-              <a:t>ptr</a:t>
-            </a:r>
-            <a:r>
-              <a:rPr lang="en-US" sz="2800" dirty="0">
-                <a:solidFill>
-                  <a:schemeClr val="bg1"/>
-                </a:solidFill>
-                <a:latin typeface="Consolas" charset="0"/>
-                <a:ea typeface="Consolas" charset="0"/>
-                <a:cs typeface="Consolas" charset="0"/>
-              </a:rPr>
-              <a:t>) = 99;  </a:t>
-            </a:r>
-            <a:endParaRPr lang="en-US" sz="3600" dirty="0">
+              <a:t>}</a:t>
+            </a:r>
+          </a:p>
+          <a:p>
+            <a:pPr>
+              <a:spcBef>
+                <a:spcPts val="0"/>
+              </a:spcBef>
+              <a:spcAft>
+                <a:spcPts val="0"/>
+              </a:spcAft>
+            </a:pPr>
+            <a:endParaRPr lang="en-US" sz="2800" dirty="0">
               <a:solidFill>
                 <a:schemeClr val="bg1"/>
               </a:solidFill>
@@ -16320,7 +16959,7 @@
                 <a:ea typeface="Consolas" charset="0"/>
                 <a:cs typeface="Consolas" charset="0"/>
               </a:rPr>
-              <a:t>1, 2, 3, 4, 99, 12, 13</a:t>
+              <a:t>0, 1, 2</a:t>
             </a:r>
           </a:p>
           <a:p>
@@ -16337,7 +16976,7 @@
                 <a:ea typeface="Consolas" charset="0"/>
                 <a:cs typeface="Consolas" charset="0"/>
               </a:rPr>
-              <a:t>1, 2, 3, 99, 7, 12, 13</a:t>
+              <a:t>0, 1, 2, 3</a:t>
             </a:r>
           </a:p>
           <a:p>
@@ -16354,7 +16993,7 @@
                 <a:ea typeface="Consolas" charset="0"/>
                 <a:cs typeface="Consolas" charset="0"/>
               </a:rPr>
-              <a:t>1, 2, 3, 5, 7, 11, 13</a:t>
+              <a:t>0, 0, 0</a:t>
             </a:r>
           </a:p>
         </p:txBody>
@@ -16362,7 +17001,7 @@
     </p:spTree>
     <p:extLst>
       <p:ext uri="{BB962C8B-B14F-4D97-AF65-F5344CB8AC3E}">
-        <p14:creationId xmlns:p14="http://schemas.microsoft.com/office/powerpoint/2010/main" val="155424510"/>
+        <p14:creationId xmlns:p14="http://schemas.microsoft.com/office/powerpoint/2010/main" val="1201631473"/>
       </p:ext>
     </p:extLst>
   </p:cSld>
@@ -16525,6 +17164,17 @@
               </a:spcAft>
             </a:pPr>
             <a:r>
+              <a:rPr lang="en-US" sz="2800" dirty="0" err="1">
+                <a:solidFill>
+                  <a:schemeClr val="bg1"/>
+                </a:solidFill>
+                <a:latin typeface="Consolas" charset="0"/>
+                <a:ea typeface="Consolas" charset="0"/>
+                <a:cs typeface="Consolas" charset="0"/>
+              </a:rPr>
+              <a:t>int</a:t>
+            </a:r>
+            <a:r>
               <a:rPr lang="en-US" sz="2800" dirty="0">
                 <a:solidFill>
                   <a:schemeClr val="bg1"/>
@@ -16533,7 +17183,29 @@
                 <a:ea typeface="Consolas" charset="0"/>
                 <a:cs typeface="Consolas" charset="0"/>
               </a:rPr>
-              <a:t>array += 5;</a:t>
+              <a:t> *</a:t>
+            </a:r>
+            <a:r>
+              <a:rPr lang="en-US" sz="2800" dirty="0" err="1">
+                <a:solidFill>
+                  <a:schemeClr val="bg1"/>
+                </a:solidFill>
+                <a:latin typeface="Consolas" charset="0"/>
+                <a:ea typeface="Consolas" charset="0"/>
+                <a:cs typeface="Consolas" charset="0"/>
+              </a:rPr>
+              <a:t>ptr</a:t>
+            </a:r>
+            <a:r>
+              <a:rPr lang="en-US" sz="2800" dirty="0">
+                <a:solidFill>
+                  <a:schemeClr val="bg1"/>
+                </a:solidFill>
+                <a:latin typeface="Consolas" charset="0"/>
+                <a:ea typeface="Consolas" charset="0"/>
+                <a:cs typeface="Consolas" charset="0"/>
+              </a:rPr>
+              <a:t> = array + 5;</a:t>
             </a:r>
           </a:p>
           <a:p>
@@ -16554,7 +17226,29 @@
                 <a:ea typeface="Consolas" charset="0"/>
                 <a:cs typeface="Consolas" charset="0"/>
               </a:rPr>
-              <a:t>++(*array);</a:t>
+              <a:t>++(*</a:t>
+            </a:r>
+            <a:r>
+              <a:rPr lang="en-US" sz="2800" dirty="0" err="1">
+                <a:solidFill>
+                  <a:schemeClr val="bg1"/>
+                </a:solidFill>
+                <a:latin typeface="Consolas" charset="0"/>
+                <a:ea typeface="Consolas" charset="0"/>
+                <a:cs typeface="Consolas" charset="0"/>
+              </a:rPr>
+              <a:t>ptr</a:t>
+            </a:r>
+            <a:r>
+              <a:rPr lang="en-US" sz="2800" dirty="0">
+                <a:solidFill>
+                  <a:schemeClr val="bg1"/>
+                </a:solidFill>
+                <a:latin typeface="Consolas" charset="0"/>
+                <a:ea typeface="Consolas" charset="0"/>
+                <a:cs typeface="Consolas" charset="0"/>
+              </a:rPr>
+              <a:t>);</a:t>
             </a:r>
           </a:p>
           <a:p>
@@ -16567,6 +17261,17 @@
               </a:spcAft>
             </a:pPr>
             <a:r>
+              <a:rPr lang="en-US" sz="2800" dirty="0" err="1">
+                <a:solidFill>
+                  <a:schemeClr val="bg1"/>
+                </a:solidFill>
+                <a:latin typeface="Consolas" charset="0"/>
+                <a:ea typeface="Consolas" charset="0"/>
+                <a:cs typeface="Consolas" charset="0"/>
+              </a:rPr>
+              <a:t>ptr</a:t>
+            </a:r>
+            <a:r>
               <a:rPr lang="en-US" sz="2800" dirty="0">
                 <a:solidFill>
                   <a:schemeClr val="bg1"/>
@@ -16575,7 +17280,7 @@
                 <a:ea typeface="Consolas" charset="0"/>
                 <a:cs typeface="Consolas" charset="0"/>
               </a:rPr>
-              <a:t>array -= 2;</a:t>
+              <a:t> -= 2;</a:t>
             </a:r>
           </a:p>
           <a:p>
@@ -16596,7 +17301,29 @@
                 <a:ea typeface="Consolas" charset="0"/>
                 <a:cs typeface="Consolas" charset="0"/>
               </a:rPr>
-              <a:t>*(++array) = 99;  </a:t>
+              <a:t>*(++</a:t>
+            </a:r>
+            <a:r>
+              <a:rPr lang="en-US" sz="2800" dirty="0" err="1">
+                <a:solidFill>
+                  <a:schemeClr val="bg1"/>
+                </a:solidFill>
+                <a:latin typeface="Consolas" charset="0"/>
+                <a:ea typeface="Consolas" charset="0"/>
+                <a:cs typeface="Consolas" charset="0"/>
+              </a:rPr>
+              <a:t>ptr</a:t>
+            </a:r>
+            <a:r>
+              <a:rPr lang="en-US" sz="2800" dirty="0">
+                <a:solidFill>
+                  <a:schemeClr val="bg1"/>
+                </a:solidFill>
+                <a:latin typeface="Consolas" charset="0"/>
+                <a:ea typeface="Consolas" charset="0"/>
+                <a:cs typeface="Consolas" charset="0"/>
+              </a:rPr>
+              <a:t>) = 99;  </a:t>
             </a:r>
             <a:endParaRPr lang="en-US" sz="3600" dirty="0">
               <a:solidFill>
@@ -16628,6 +17355,508 @@
               <a:rPr lang="en-US" smtClean="0"/>
               <a:pPr/>
               <a:t>31</a:t>
+            </a:fld>
+            <a:endParaRPr lang="en-US" dirty="0"/>
+          </a:p>
+        </p:txBody>
+      </p:sp>
+      <p:sp>
+        <p:nvSpPr>
+          <p:cNvPr id="6" name="Content Placeholder 2"/>
+          <p:cNvSpPr txBox="1">
+            <a:spLocks/>
+          </p:cNvSpPr>
+          <p:nvPr/>
+        </p:nvSpPr>
+        <p:spPr>
+          <a:xfrm>
+            <a:off x="228600" y="4102965"/>
+            <a:ext cx="8394383" cy="2755035"/>
+          </a:xfrm>
+          <a:prstGeom prst="rect">
+            <a:avLst/>
+          </a:prstGeom>
+        </p:spPr>
+        <p:txBody>
+          <a:bodyPr vert="horz" lIns="91440" tIns="45720" rIns="91440" bIns="45720" rtlCol="0">
+            <a:normAutofit/>
+          </a:bodyPr>
+          <a:lstStyle>
+            <a:lvl1pPr marL="342900" indent="-342900" algn="l" defTabSz="914400" rtl="0" eaLnBrk="1" latinLnBrk="0" hangingPunct="1">
+              <a:spcBef>
+                <a:spcPct val="20000"/>
+              </a:spcBef>
+              <a:buFont typeface="Arial" pitchFamily="34" charset="0"/>
+              <a:buChar char="•"/>
+              <a:defRPr sz="3200" kern="1200">
+                <a:solidFill>
+                  <a:schemeClr val="tx1"/>
+                </a:solidFill>
+                <a:latin typeface="+mn-lt"/>
+                <a:ea typeface="+mn-ea"/>
+                <a:cs typeface="+mn-cs"/>
+              </a:defRPr>
+            </a:lvl1pPr>
+            <a:lvl2pPr marL="742950" indent="-285750" algn="l" defTabSz="914400" rtl="0" eaLnBrk="1" latinLnBrk="0" hangingPunct="1">
+              <a:spcBef>
+                <a:spcPct val="20000"/>
+              </a:spcBef>
+              <a:buFont typeface="Arial" pitchFamily="34" charset="0"/>
+              <a:buChar char="–"/>
+              <a:defRPr sz="2800" kern="1200">
+                <a:solidFill>
+                  <a:schemeClr val="tx1"/>
+                </a:solidFill>
+                <a:latin typeface="+mn-lt"/>
+                <a:ea typeface="+mn-ea"/>
+                <a:cs typeface="+mn-cs"/>
+              </a:defRPr>
+            </a:lvl2pPr>
+            <a:lvl3pPr marL="1143000" indent="-228600" algn="l" defTabSz="914400" rtl="0" eaLnBrk="1" latinLnBrk="0" hangingPunct="1">
+              <a:spcBef>
+                <a:spcPct val="20000"/>
+              </a:spcBef>
+              <a:buFont typeface="Arial" pitchFamily="34" charset="0"/>
+              <a:buChar char="•"/>
+              <a:defRPr sz="2400" kern="1200">
+                <a:solidFill>
+                  <a:schemeClr val="tx1"/>
+                </a:solidFill>
+                <a:latin typeface="+mn-lt"/>
+                <a:ea typeface="+mn-ea"/>
+                <a:cs typeface="+mn-cs"/>
+              </a:defRPr>
+            </a:lvl3pPr>
+            <a:lvl4pPr marL="1600200" indent="-228600" algn="l" defTabSz="914400" rtl="0" eaLnBrk="1" latinLnBrk="0" hangingPunct="1">
+              <a:spcBef>
+                <a:spcPct val="20000"/>
+              </a:spcBef>
+              <a:buFont typeface="Arial" pitchFamily="34" charset="0"/>
+              <a:buChar char="–"/>
+              <a:defRPr sz="2000" kern="1200">
+                <a:solidFill>
+                  <a:schemeClr val="tx1"/>
+                </a:solidFill>
+                <a:latin typeface="+mn-lt"/>
+                <a:ea typeface="+mn-ea"/>
+                <a:cs typeface="+mn-cs"/>
+              </a:defRPr>
+            </a:lvl4pPr>
+            <a:lvl5pPr marL="2057400" indent="-228600" algn="l" defTabSz="914400" rtl="0" eaLnBrk="1" latinLnBrk="0" hangingPunct="1">
+              <a:spcBef>
+                <a:spcPct val="20000"/>
+              </a:spcBef>
+              <a:buFont typeface="Arial" pitchFamily="34" charset="0"/>
+              <a:buChar char="»"/>
+              <a:defRPr sz="2000" kern="1200">
+                <a:solidFill>
+                  <a:schemeClr val="tx1"/>
+                </a:solidFill>
+                <a:latin typeface="+mn-lt"/>
+                <a:ea typeface="+mn-ea"/>
+                <a:cs typeface="+mn-cs"/>
+              </a:defRPr>
+            </a:lvl5pPr>
+            <a:lvl6pPr marL="2514600" indent="-228600" algn="l" defTabSz="914400" rtl="0" eaLnBrk="1" latinLnBrk="0" hangingPunct="1">
+              <a:spcBef>
+                <a:spcPct val="20000"/>
+              </a:spcBef>
+              <a:buFont typeface="Arial" pitchFamily="34" charset="0"/>
+              <a:buChar char="•"/>
+              <a:defRPr sz="2000" kern="1200">
+                <a:solidFill>
+                  <a:schemeClr val="tx1"/>
+                </a:solidFill>
+                <a:latin typeface="+mn-lt"/>
+                <a:ea typeface="+mn-ea"/>
+                <a:cs typeface="+mn-cs"/>
+              </a:defRPr>
+            </a:lvl6pPr>
+            <a:lvl7pPr marL="2971800" indent="-228600" algn="l" defTabSz="914400" rtl="0" eaLnBrk="1" latinLnBrk="0" hangingPunct="1">
+              <a:spcBef>
+                <a:spcPct val="20000"/>
+              </a:spcBef>
+              <a:buFont typeface="Arial" pitchFamily="34" charset="0"/>
+              <a:buChar char="•"/>
+              <a:defRPr sz="2000" kern="1200">
+                <a:solidFill>
+                  <a:schemeClr val="tx1"/>
+                </a:solidFill>
+                <a:latin typeface="+mn-lt"/>
+                <a:ea typeface="+mn-ea"/>
+                <a:cs typeface="+mn-cs"/>
+              </a:defRPr>
+            </a:lvl7pPr>
+            <a:lvl8pPr marL="3429000" indent="-228600" algn="l" defTabSz="914400" rtl="0" eaLnBrk="1" latinLnBrk="0" hangingPunct="1">
+              <a:spcBef>
+                <a:spcPct val="20000"/>
+              </a:spcBef>
+              <a:buFont typeface="Arial" pitchFamily="34" charset="0"/>
+              <a:buChar char="•"/>
+              <a:defRPr sz="2000" kern="1200">
+                <a:solidFill>
+                  <a:schemeClr val="tx1"/>
+                </a:solidFill>
+                <a:latin typeface="+mn-lt"/>
+                <a:ea typeface="+mn-ea"/>
+                <a:cs typeface="+mn-cs"/>
+              </a:defRPr>
+            </a:lvl8pPr>
+            <a:lvl9pPr marL="3886200" indent="-228600" algn="l" defTabSz="914400" rtl="0" eaLnBrk="1" latinLnBrk="0" hangingPunct="1">
+              <a:spcBef>
+                <a:spcPct val="20000"/>
+              </a:spcBef>
+              <a:buFont typeface="Arial" pitchFamily="34" charset="0"/>
+              <a:buChar char="•"/>
+              <a:defRPr sz="2000" kern="1200">
+                <a:solidFill>
+                  <a:schemeClr val="tx1"/>
+                </a:solidFill>
+                <a:latin typeface="+mn-lt"/>
+                <a:ea typeface="+mn-ea"/>
+                <a:cs typeface="+mn-cs"/>
+              </a:defRPr>
+            </a:lvl9pPr>
+          </a:lstStyle>
+          <a:p>
+            <a:pPr marL="742950" indent="-742950">
+              <a:buFont typeface="+mj-lt"/>
+              <a:buAutoNum type="arabicPeriod"/>
+            </a:pPr>
+            <a:r>
+              <a:rPr lang="en-US" sz="3600" dirty="0">
+                <a:solidFill>
+                  <a:srgbClr val="0CFA02"/>
+                </a:solidFill>
+                <a:latin typeface="Consolas" charset="0"/>
+                <a:ea typeface="Consolas" charset="0"/>
+                <a:cs typeface="Consolas" charset="0"/>
+              </a:rPr>
+              <a:t>Error</a:t>
+            </a:r>
+          </a:p>
+          <a:p>
+            <a:pPr marL="742950" indent="-742950">
+              <a:buFont typeface="+mj-lt"/>
+              <a:buAutoNum type="arabicPeriod"/>
+            </a:pPr>
+            <a:r>
+              <a:rPr lang="en-US" sz="3600" dirty="0">
+                <a:solidFill>
+                  <a:srgbClr val="FEFB01"/>
+                </a:solidFill>
+                <a:latin typeface="Consolas" charset="0"/>
+                <a:ea typeface="Consolas" charset="0"/>
+                <a:cs typeface="Consolas" charset="0"/>
+              </a:rPr>
+              <a:t>1, 2, 3, 4, 99, 12, 13</a:t>
+            </a:r>
+          </a:p>
+          <a:p>
+            <a:pPr marL="742950" indent="-742950">
+              <a:buFont typeface="+mj-lt"/>
+              <a:buAutoNum type="arabicPeriod"/>
+            </a:pPr>
+            <a:r>
+              <a:rPr lang="en-US" sz="3600" dirty="0">
+                <a:solidFill>
+                  <a:srgbClr val="F5A007"/>
+                </a:solidFill>
+                <a:latin typeface="Consolas" charset="0"/>
+                <a:ea typeface="Consolas" charset="0"/>
+                <a:cs typeface="Consolas" charset="0"/>
+              </a:rPr>
+              <a:t>1, 2, 3, 99, 7, 12, 13</a:t>
+            </a:r>
+          </a:p>
+          <a:p>
+            <a:pPr marL="742950" indent="-742950">
+              <a:buFont typeface="+mj-lt"/>
+              <a:buAutoNum type="arabicPeriod"/>
+            </a:pPr>
+            <a:r>
+              <a:rPr lang="en-US" sz="3600" dirty="0">
+                <a:solidFill>
+                  <a:srgbClr val="F21AF1"/>
+                </a:solidFill>
+                <a:latin typeface="Consolas" charset="0"/>
+                <a:ea typeface="Consolas" charset="0"/>
+                <a:cs typeface="Consolas" charset="0"/>
+              </a:rPr>
+              <a:t>1, 2, 3, 5, 7, 11, 13</a:t>
+            </a:r>
+          </a:p>
+        </p:txBody>
+      </p:sp>
+    </p:spTree>
+    <p:extLst>
+      <p:ext uri="{BB962C8B-B14F-4D97-AF65-F5344CB8AC3E}">
+        <p14:creationId xmlns:p14="http://schemas.microsoft.com/office/powerpoint/2010/main" val="155424510"/>
+      </p:ext>
+    </p:extLst>
+  </p:cSld>
+  <p:clrMapOvr>
+    <a:masterClrMapping/>
+  </p:clrMapOvr>
+</p:sld>
+</file>
+
+<file path=ppt/slides/slide32.xml><?xml version="1.0" encoding="utf-8"?>
+<p:sld xmlns:a="http://schemas.openxmlformats.org/drawingml/2006/main" xmlns:r="http://schemas.openxmlformats.org/officeDocument/2006/relationships" xmlns:p="http://schemas.openxmlformats.org/presentationml/2006/main">
+  <p:cSld>
+    <p:spTree>
+      <p:nvGrpSpPr>
+        <p:cNvPr id="1" name=""/>
+        <p:cNvGrpSpPr/>
+        <p:nvPr/>
+      </p:nvGrpSpPr>
+      <p:grpSpPr>
+        <a:xfrm>
+          <a:off x="0" y="0"/>
+          <a:ext cx="0" cy="0"/>
+          <a:chOff x="0" y="0"/>
+          <a:chExt cx="0" cy="0"/>
+        </a:xfrm>
+      </p:grpSpPr>
+      <p:sp>
+        <p:nvSpPr>
+          <p:cNvPr id="7" name="Rectangle 6"/>
+          <p:cNvSpPr/>
+          <p:nvPr/>
+        </p:nvSpPr>
+        <p:spPr>
+          <a:xfrm>
+            <a:off x="0" y="0"/>
+            <a:ext cx="8441055" cy="6858000"/>
+          </a:xfrm>
+          <a:prstGeom prst="rect">
+            <a:avLst/>
+          </a:prstGeom>
+        </p:spPr>
+        <p:style>
+          <a:lnRef idx="2">
+            <a:schemeClr val="accent1">
+              <a:shade val="50000"/>
+            </a:schemeClr>
+          </a:lnRef>
+          <a:fillRef idx="1">
+            <a:schemeClr val="accent1"/>
+          </a:fillRef>
+          <a:effectRef idx="0">
+            <a:schemeClr val="accent1"/>
+          </a:effectRef>
+          <a:fontRef idx="minor">
+            <a:schemeClr val="lt1"/>
+          </a:fontRef>
+        </p:style>
+        <p:txBody>
+          <a:bodyPr rtlCol="0" anchor="ctr"/>
+          <a:lstStyle/>
+          <a:p>
+            <a:pPr algn="ctr"/>
+            <a:endParaRPr lang="en-US"/>
+          </a:p>
+        </p:txBody>
+      </p:sp>
+      <p:sp>
+        <p:nvSpPr>
+          <p:cNvPr id="2" name="Title 1"/>
+          <p:cNvSpPr>
+            <a:spLocks noGrp="1"/>
+          </p:cNvSpPr>
+          <p:nvPr>
+            <p:ph type="title"/>
+          </p:nvPr>
+        </p:nvSpPr>
+        <p:spPr>
+          <a:xfrm>
+            <a:off x="0" y="-76200"/>
+            <a:ext cx="8441055" cy="914400"/>
+          </a:xfrm>
+        </p:spPr>
+        <p:txBody>
+          <a:bodyPr>
+            <a:normAutofit/>
+          </a:bodyPr>
+          <a:lstStyle/>
+          <a:p>
+            <a:r>
+              <a:rPr lang="en-US" sz="3600" dirty="0">
+                <a:solidFill>
+                  <a:schemeClr val="bg1"/>
+                </a:solidFill>
+              </a:rPr>
+              <a:t>What are the elements of array?</a:t>
+            </a:r>
+          </a:p>
+        </p:txBody>
+      </p:sp>
+      <p:sp>
+        <p:nvSpPr>
+          <p:cNvPr id="3" name="Content Placeholder 2"/>
+          <p:cNvSpPr>
+            <a:spLocks noGrp="1"/>
+          </p:cNvSpPr>
+          <p:nvPr>
+            <p:ph idx="1"/>
+          </p:nvPr>
+        </p:nvSpPr>
+        <p:spPr>
+          <a:xfrm>
+            <a:off x="228600" y="1249361"/>
+            <a:ext cx="8001000" cy="2853603"/>
+          </a:xfrm>
+        </p:spPr>
+        <p:txBody>
+          <a:bodyPr>
+            <a:normAutofit/>
+          </a:bodyPr>
+          <a:lstStyle/>
+          <a:p>
+            <a:pPr>
+              <a:spcBef>
+                <a:spcPts val="0"/>
+              </a:spcBef>
+              <a:spcAft>
+                <a:spcPts val="0"/>
+              </a:spcAft>
+            </a:pPr>
+            <a:r>
+              <a:rPr lang="en-US" sz="2800" dirty="0" err="1">
+                <a:solidFill>
+                  <a:schemeClr val="bg1"/>
+                </a:solidFill>
+                <a:latin typeface="Consolas" charset="0"/>
+                <a:ea typeface="Consolas" charset="0"/>
+                <a:cs typeface="Consolas" charset="0"/>
+              </a:rPr>
+              <a:t>int</a:t>
+            </a:r>
+            <a:r>
+              <a:rPr lang="en-US" sz="2800" dirty="0">
+                <a:solidFill>
+                  <a:schemeClr val="bg1"/>
+                </a:solidFill>
+                <a:latin typeface="Consolas" charset="0"/>
+                <a:ea typeface="Consolas" charset="0"/>
+                <a:cs typeface="Consolas" charset="0"/>
+              </a:rPr>
+              <a:t> array[] = {1, 2, 3, 5, 7, 11, 13};</a:t>
+            </a:r>
+          </a:p>
+          <a:p>
+            <a:pPr>
+              <a:spcBef>
+                <a:spcPts val="0"/>
+              </a:spcBef>
+              <a:spcAft>
+                <a:spcPts val="0"/>
+              </a:spcAft>
+            </a:pPr>
+            <a:r>
+              <a:rPr lang="en-US" sz="2800" dirty="0">
+                <a:solidFill>
+                  <a:schemeClr val="bg1"/>
+                </a:solidFill>
+                <a:latin typeface="Consolas" charset="0"/>
+                <a:ea typeface="Consolas" charset="0"/>
+                <a:cs typeface="Consolas" charset="0"/>
+              </a:rPr>
+              <a:t>array += 5;</a:t>
+            </a:r>
+          </a:p>
+          <a:p>
+            <a:pPr>
+              <a:spcBef>
+                <a:spcPts val="0"/>
+              </a:spcBef>
+              <a:spcAft>
+                <a:spcPts val="0"/>
+              </a:spcAft>
+            </a:pPr>
+            <a:r>
+              <a:rPr lang="en-US" sz="2800" dirty="0">
+                <a:solidFill>
+                  <a:schemeClr val="bg1"/>
+                </a:solidFill>
+                <a:latin typeface="Consolas" charset="0"/>
+                <a:ea typeface="Consolas" charset="0"/>
+                <a:cs typeface="Consolas" charset="0"/>
+              </a:rPr>
+              <a:t>++(*array);</a:t>
+            </a:r>
+          </a:p>
+          <a:p>
+            <a:pPr>
+              <a:spcBef>
+                <a:spcPts val="0"/>
+              </a:spcBef>
+              <a:spcAft>
+                <a:spcPts val="0"/>
+              </a:spcAft>
+            </a:pPr>
+            <a:r>
+              <a:rPr lang="en-US" sz="2800" dirty="0">
+                <a:solidFill>
+                  <a:schemeClr val="bg1"/>
+                </a:solidFill>
+                <a:latin typeface="Consolas" charset="0"/>
+                <a:ea typeface="Consolas" charset="0"/>
+                <a:cs typeface="Consolas" charset="0"/>
+              </a:rPr>
+              <a:t>array -= 2;</a:t>
+            </a:r>
+          </a:p>
+          <a:p>
+            <a:pPr>
+              <a:spcBef>
+                <a:spcPts val="0"/>
+              </a:spcBef>
+              <a:spcAft>
+                <a:spcPts val="0"/>
+              </a:spcAft>
+            </a:pPr>
+            <a:r>
+              <a:rPr lang="en-US" sz="2800" dirty="0">
+                <a:solidFill>
+                  <a:schemeClr val="bg1"/>
+                </a:solidFill>
+                <a:latin typeface="Consolas" charset="0"/>
+                <a:ea typeface="Consolas" charset="0"/>
+                <a:cs typeface="Consolas" charset="0"/>
+              </a:rPr>
+              <a:t>*(++array) = 99;  </a:t>
+            </a:r>
+            <a:endParaRPr lang="en-US" sz="3600" dirty="0">
+              <a:solidFill>
+                <a:schemeClr val="bg1"/>
+              </a:solidFill>
+              <a:latin typeface="Consolas" charset="0"/>
+              <a:ea typeface="Consolas" charset="0"/>
+              <a:cs typeface="Consolas" charset="0"/>
+            </a:endParaRPr>
+          </a:p>
+        </p:txBody>
+      </p:sp>
+      <p:sp>
+        <p:nvSpPr>
+          <p:cNvPr id="12" name="Slide Number Placeholder 11"/>
+          <p:cNvSpPr>
+            <a:spLocks noGrp="1"/>
+          </p:cNvSpPr>
+          <p:nvPr>
+            <p:ph type="sldNum" sz="quarter" idx="12"/>
+          </p:nvPr>
+        </p:nvSpPr>
+        <p:spPr/>
+        <p:txBody>
+          <a:bodyPr/>
+          <a:lstStyle/>
+          <a:p>
+            <a:fld id="{B6F15528-21DE-4FAA-801E-634DDDAF4B2B}" type="slidenum">
+              <a:rPr lang="en-US" smtClean="0"/>
+              <a:pPr/>
+              <a:t>32</a:t>
             </a:fld>
             <a:endParaRPr lang="en-US" dirty="0"/>
           </a:p>
